--- a/InfoSec/PPTs/bak 2019/CH02-Cryptography.pptx
+++ b/InfoSec/PPTs/bak 2019/CH02-Cryptography.pptx
@@ -5,36 +5,40 @@
     <p:sldMasterId id="2147483828" r:id="rId1"/>
   </p:sldMasterIdLst>
   <p:notesMasterIdLst>
-    <p:notesMasterId r:id="rId29"/>
+    <p:notesMasterId r:id="rId33"/>
   </p:notesMasterIdLst>
   <p:sldIdLst>
     <p:sldId id="403" r:id="rId2"/>
-    <p:sldId id="414" r:id="rId3"/>
-    <p:sldId id="401" r:id="rId4"/>
-    <p:sldId id="374" r:id="rId5"/>
-    <p:sldId id="408" r:id="rId6"/>
-    <p:sldId id="420" r:id="rId7"/>
-    <p:sldId id="406" r:id="rId8"/>
-    <p:sldId id="365" r:id="rId9"/>
-    <p:sldId id="378" r:id="rId10"/>
-    <p:sldId id="392" r:id="rId11"/>
-    <p:sldId id="393" r:id="rId12"/>
-    <p:sldId id="375" r:id="rId13"/>
-    <p:sldId id="415" r:id="rId14"/>
-    <p:sldId id="371" r:id="rId15"/>
-    <p:sldId id="372" r:id="rId16"/>
-    <p:sldId id="398" r:id="rId17"/>
-    <p:sldId id="381" r:id="rId18"/>
-    <p:sldId id="409" r:id="rId19"/>
-    <p:sldId id="422" r:id="rId20"/>
-    <p:sldId id="410" r:id="rId21"/>
-    <p:sldId id="421" r:id="rId22"/>
-    <p:sldId id="419" r:id="rId23"/>
-    <p:sldId id="423" r:id="rId24"/>
-    <p:sldId id="384" r:id="rId25"/>
-    <p:sldId id="400" r:id="rId26"/>
-    <p:sldId id="385" r:id="rId27"/>
-    <p:sldId id="405" r:id="rId28"/>
+    <p:sldId id="425" r:id="rId3"/>
+    <p:sldId id="453" r:id="rId4"/>
+    <p:sldId id="454" r:id="rId5"/>
+    <p:sldId id="424" r:id="rId6"/>
+    <p:sldId id="414" r:id="rId7"/>
+    <p:sldId id="401" r:id="rId8"/>
+    <p:sldId id="374" r:id="rId9"/>
+    <p:sldId id="408" r:id="rId10"/>
+    <p:sldId id="420" r:id="rId11"/>
+    <p:sldId id="406" r:id="rId12"/>
+    <p:sldId id="365" r:id="rId13"/>
+    <p:sldId id="378" r:id="rId14"/>
+    <p:sldId id="392" r:id="rId15"/>
+    <p:sldId id="393" r:id="rId16"/>
+    <p:sldId id="375" r:id="rId17"/>
+    <p:sldId id="415" r:id="rId18"/>
+    <p:sldId id="371" r:id="rId19"/>
+    <p:sldId id="372" r:id="rId20"/>
+    <p:sldId id="398" r:id="rId21"/>
+    <p:sldId id="381" r:id="rId22"/>
+    <p:sldId id="409" r:id="rId23"/>
+    <p:sldId id="422" r:id="rId24"/>
+    <p:sldId id="410" r:id="rId25"/>
+    <p:sldId id="421" r:id="rId26"/>
+    <p:sldId id="419" r:id="rId27"/>
+    <p:sldId id="423" r:id="rId28"/>
+    <p:sldId id="384" r:id="rId29"/>
+    <p:sldId id="400" r:id="rId30"/>
+    <p:sldId id="385" r:id="rId31"/>
+    <p:sldId id="405" r:id="rId32"/>
   </p:sldIdLst>
   <p:sldSz cx="9144000" cy="6858000" type="screen4x3"/>
   <p:notesSz cx="6858000" cy="9144000"/>
@@ -26531,6 +26535,234 @@
       </p:grpSpPr>
       <p:sp>
         <p:nvSpPr>
+          <p:cNvPr id="26626" name="Rectangle 7"/>
+          <p:cNvSpPr>
+            <a:spLocks noGrp="1" noChangeArrowheads="1"/>
+          </p:cNvSpPr>
+          <p:nvPr>
+            <p:ph type="sldNum" sz="quarter" idx="5"/>
+          </p:nvPr>
+        </p:nvSpPr>
+        <p:spPr>
+          <a:noFill/>
+        </p:spPr>
+        <p:txBody>
+          <a:bodyPr/>
+          <a:lstStyle/>
+          <a:p>
+            <a:fld id="{A928C4FB-7298-D14C-96D7-BA07164FC86F}" type="slidenum">
+              <a:rPr lang="en-AU">
+                <a:latin typeface="Arial" pitchFamily="-110" charset="0"/>
+              </a:rPr>
+              <a:pPr/>
+              <a:t>14</a:t>
+            </a:fld>
+            <a:endParaRPr lang="en-AU">
+              <a:latin typeface="Arial" pitchFamily="-110" charset="0"/>
+            </a:endParaRPr>
+          </a:p>
+        </p:txBody>
+      </p:sp>
+      <p:sp>
+        <p:nvSpPr>
+          <p:cNvPr id="26627" name="Rectangle 2"/>
+          <p:cNvSpPr>
+            <a:spLocks noGrp="1" noRot="1" noChangeAspect="1" noChangeArrowheads="1" noTextEdit="1"/>
+          </p:cNvSpPr>
+          <p:nvPr>
+            <p:ph type="sldImg"/>
+          </p:nvPr>
+        </p:nvSpPr>
+        <p:spPr>
+          <a:ln/>
+        </p:spPr>
+      </p:sp>
+      <p:sp>
+        <p:nvSpPr>
+          <p:cNvPr id="26628" name="Rectangle 3"/>
+          <p:cNvSpPr>
+            <a:spLocks noGrp="1" noChangeArrowheads="1"/>
+          </p:cNvSpPr>
+          <p:nvPr>
+            <p:ph type="body" idx="1"/>
+          </p:nvPr>
+        </p:nvSpPr>
+        <p:spPr>
+          <a:xfrm>
+            <a:off x="685800" y="4343400"/>
+            <a:ext cx="5562600" cy="4495800"/>
+          </a:xfrm>
+          <a:noFill/>
+          <a:ln/>
+        </p:spPr>
+        <p:txBody>
+          <a:bodyPr/>
+          <a:lstStyle/>
+          <a:p>
+            <a:r>
+              <a:rPr lang="en-US" sz="1200" b="0" i="0" u="none" strike="noStrike" kern="1200" baseline="0" dirty="0">
+                <a:solidFill>
+                  <a:schemeClr val="tx1"/>
+                </a:solidFill>
+                <a:latin typeface="Arial" pitchFamily="-108" charset="0"/>
+                <a:ea typeface="ＭＳ Ｐゴシック" pitchFamily="33" charset="-128"/>
+                <a:cs typeface="ＭＳ Ｐゴシック" pitchFamily="33" charset="-128"/>
+              </a:rPr>
+              <a:t> Table 2.2 shows how much time is required for</a:t>
+            </a:r>
+          </a:p>
+          <a:p>
+            <a:r>
+              <a:rPr lang="en-US" sz="1200" b="0" i="0" u="none" strike="noStrike" kern="1200" baseline="0" dirty="0">
+                <a:solidFill>
+                  <a:schemeClr val="tx1"/>
+                </a:solidFill>
+                <a:latin typeface="Arial" pitchFamily="-108" charset="0"/>
+                <a:ea typeface="ＭＳ Ｐゴシック" pitchFamily="33" charset="-128"/>
+                <a:cs typeface="ＭＳ Ｐゴシック" pitchFamily="33" charset="-128"/>
+              </a:rPr>
+              <a:t>a brute-force attack for various key sizes. As can be seen, a single PC can break</a:t>
+            </a:r>
+          </a:p>
+          <a:p>
+            <a:r>
+              <a:rPr lang="en-US" sz="1200" b="0" i="0" u="none" strike="noStrike" kern="1200" baseline="0" dirty="0">
+                <a:solidFill>
+                  <a:schemeClr val="tx1"/>
+                </a:solidFill>
+                <a:latin typeface="Arial" pitchFamily="-108" charset="0"/>
+                <a:ea typeface="ＭＳ Ｐゴシック" pitchFamily="33" charset="-128"/>
+                <a:cs typeface="ＭＳ Ｐゴシック" pitchFamily="33" charset="-128"/>
+              </a:rPr>
+              <a:t>DES in about a year; if multiple PCs work in parallel, the time is drastically shortened.</a:t>
+            </a:r>
+          </a:p>
+          <a:p>
+            <a:r>
+              <a:rPr lang="en-US" sz="1200" b="0" i="0" u="none" strike="noStrike" kern="1200" baseline="0" dirty="0">
+                <a:solidFill>
+                  <a:schemeClr val="tx1"/>
+                </a:solidFill>
+                <a:latin typeface="Arial" pitchFamily="-108" charset="0"/>
+                <a:ea typeface="ＭＳ Ｐゴシック" pitchFamily="33" charset="-128"/>
+                <a:cs typeface="ＭＳ Ｐゴシック" pitchFamily="33" charset="-128"/>
+              </a:rPr>
+              <a:t>And today’s supercomputers should be able to find a key in about an hour.</a:t>
+            </a:r>
+          </a:p>
+          <a:p>
+            <a:r>
+              <a:rPr lang="en-US" sz="1200" b="0" i="0" u="none" strike="noStrike" kern="1200" baseline="0" dirty="0">
+                <a:solidFill>
+                  <a:schemeClr val="tx1"/>
+                </a:solidFill>
+                <a:latin typeface="Arial" pitchFamily="-108" charset="0"/>
+                <a:ea typeface="ＭＳ Ｐゴシック" pitchFamily="33" charset="-128"/>
+                <a:cs typeface="ＭＳ Ｐゴシック" pitchFamily="33" charset="-128"/>
+              </a:rPr>
+              <a:t>Key sizes of 128 bits or greater are effectively unbreakable using simply a brute-force</a:t>
+            </a:r>
+          </a:p>
+          <a:p>
+            <a:r>
+              <a:rPr lang="en-US" sz="1200" b="0" i="0" u="none" strike="noStrike" kern="1200" baseline="0" dirty="0">
+                <a:solidFill>
+                  <a:schemeClr val="tx1"/>
+                </a:solidFill>
+                <a:latin typeface="Arial" pitchFamily="-108" charset="0"/>
+                <a:ea typeface="ＭＳ Ｐゴシック" pitchFamily="33" charset="-128"/>
+                <a:cs typeface="ＭＳ Ｐゴシック" pitchFamily="33" charset="-128"/>
+              </a:rPr>
+              <a:t>approach. Even if we managed to speed up the attacking system by a factor</a:t>
+            </a:r>
+          </a:p>
+          <a:p>
+            <a:r>
+              <a:rPr lang="en-US" sz="1200" b="0" i="0" u="none" strike="noStrike" kern="1200" baseline="0" dirty="0">
+                <a:solidFill>
+                  <a:schemeClr val="tx1"/>
+                </a:solidFill>
+                <a:latin typeface="Arial" pitchFamily="-108" charset="0"/>
+                <a:ea typeface="ＭＳ Ｐゴシック" pitchFamily="33" charset="-128"/>
+                <a:cs typeface="ＭＳ Ｐゴシック" pitchFamily="33" charset="-128"/>
+              </a:rPr>
+              <a:t>of 1 trillion (10</a:t>
+            </a:r>
+            <a:r>
+              <a:rPr lang="en-US" sz="1200" b="0" i="0" u="none" strike="noStrike" kern="1200" baseline="30000" dirty="0">
+                <a:solidFill>
+                  <a:schemeClr val="tx1"/>
+                </a:solidFill>
+                <a:latin typeface="Arial" pitchFamily="-108" charset="0"/>
+                <a:ea typeface="ＭＳ Ｐゴシック" pitchFamily="33" charset="-128"/>
+                <a:cs typeface="ＭＳ Ｐゴシック" pitchFamily="33" charset="-128"/>
+              </a:rPr>
+              <a:t>12</a:t>
+            </a:r>
+            <a:r>
+              <a:rPr lang="en-US" sz="1200" b="0" i="0" u="none" strike="noStrike" kern="1200" baseline="0" dirty="0">
+                <a:solidFill>
+                  <a:schemeClr val="tx1"/>
+                </a:solidFill>
+                <a:latin typeface="Arial" pitchFamily="-108" charset="0"/>
+                <a:ea typeface="ＭＳ Ｐゴシック" pitchFamily="33" charset="-128"/>
+                <a:cs typeface="ＭＳ Ｐゴシック" pitchFamily="33" charset="-128"/>
+              </a:rPr>
+              <a:t> ), it would still take over 100,000 years to break a code using a</a:t>
+            </a:r>
+          </a:p>
+          <a:p>
+            <a:r>
+              <a:rPr lang="en-US" sz="1200" b="0" i="0" u="none" strike="noStrike" kern="1200" baseline="0" dirty="0">
+                <a:solidFill>
+                  <a:schemeClr val="tx1"/>
+                </a:solidFill>
+                <a:latin typeface="Arial" pitchFamily="-108" charset="0"/>
+                <a:ea typeface="ＭＳ Ｐゴシック" pitchFamily="33" charset="-128"/>
+                <a:cs typeface="ＭＳ Ｐゴシック" pitchFamily="33" charset="-128"/>
+              </a:rPr>
+              <a:t>128-bit key.</a:t>
+            </a:r>
+            <a:endParaRPr lang="en-US" dirty="0">
+              <a:latin typeface="Times New Roman" pitchFamily="-110" charset="0"/>
+              <a:ea typeface="ＭＳ Ｐゴシック" pitchFamily="-110" charset="-128"/>
+              <a:cs typeface="ＭＳ Ｐゴシック" pitchFamily="-110" charset="-128"/>
+            </a:endParaRPr>
+          </a:p>
+        </p:txBody>
+      </p:sp>
+    </p:spTree>
+    <p:extLst>
+      <p:ext uri="{BB962C8B-B14F-4D97-AF65-F5344CB8AC3E}">
+        <p14:creationId xmlns:p14="http://schemas.microsoft.com/office/powerpoint/2010/main" val="360876573"/>
+      </p:ext>
+    </p:extLst>
+  </p:cSld>
+  <p:clrMapOvr>
+    <a:masterClrMapping/>
+  </p:clrMapOvr>
+</p:notes>
+</file>
+
+<file path=ppt/notesSlides/notesSlide11.xml><?xml version="1.0" encoding="utf-8"?>
+<p:notes xmlns:a="http://schemas.openxmlformats.org/drawingml/2006/main" xmlns:r="http://schemas.openxmlformats.org/officeDocument/2006/relationships" xmlns:p="http://schemas.openxmlformats.org/presentationml/2006/main">
+  <p:cSld>
+    <p:spTree>
+      <p:nvGrpSpPr>
+        <p:cNvPr id="1" name=""/>
+        <p:cNvGrpSpPr/>
+        <p:nvPr/>
+      </p:nvGrpSpPr>
+      <p:grpSpPr>
+        <a:xfrm>
+          <a:off x="0" y="0"/>
+          <a:ext cx="0" cy="0"/>
+          <a:chOff x="0" y="0"/>
+          <a:chExt cx="0" cy="0"/>
+        </a:xfrm>
+      </p:grpSpPr>
+      <p:sp>
+        <p:nvSpPr>
           <p:cNvPr id="34818" name="Rectangle 7"/>
           <p:cNvSpPr>
             <a:spLocks noGrp="1" noChangeArrowheads="1"/>
@@ -26551,7 +26783,7 @@
                 <a:latin typeface="Arial" pitchFamily="-110" charset="0"/>
               </a:rPr>
               <a:pPr/>
-              <a:t>11</a:t>
+              <a:t>15</a:t>
             </a:fld>
             <a:endParaRPr lang="en-AU">
               <a:latin typeface="Arial" pitchFamily="-110" charset="0"/>
@@ -26834,7 +27066,7 @@
 </p:notes>
 </file>
 
-<file path=ppt/notesSlides/notesSlide11.xml><?xml version="1.0" encoding="utf-8"?>
+<file path=ppt/notesSlides/notesSlide12.xml><?xml version="1.0" encoding="utf-8"?>
 <p:notes xmlns:a="http://schemas.openxmlformats.org/drawingml/2006/main" xmlns:r="http://schemas.openxmlformats.org/officeDocument/2006/relationships" xmlns:p="http://schemas.openxmlformats.org/presentationml/2006/main">
   <p:cSld>
     <p:spTree>
@@ -26873,7 +27105,7 @@
                 <a:latin typeface="Arial" pitchFamily="-110" charset="0"/>
               </a:rPr>
               <a:pPr/>
-              <a:t>12</a:t>
+              <a:t>16</a:t>
             </a:fld>
             <a:endParaRPr lang="en-AU">
               <a:latin typeface="Arial" pitchFamily="-110" charset="0"/>
@@ -27088,7 +27320,7 @@
 </p:notes>
 </file>
 
-<file path=ppt/notesSlides/notesSlide12.xml><?xml version="1.0" encoding="utf-8"?>
+<file path=ppt/notesSlides/notesSlide13.xml><?xml version="1.0" encoding="utf-8"?>
 <p:notes xmlns:a="http://schemas.openxmlformats.org/drawingml/2006/main" xmlns:r="http://schemas.openxmlformats.org/officeDocument/2006/relationships" xmlns:p="http://schemas.openxmlformats.org/presentationml/2006/main">
   <p:cSld>
     <p:spTree>
@@ -27428,7 +27660,7 @@
                 <a:latin typeface="Arial" pitchFamily="-110" charset="0"/>
               </a:rPr>
               <a:pPr/>
-              <a:t>13</a:t>
+              <a:t>17</a:t>
             </a:fld>
             <a:endParaRPr lang="en-AU">
               <a:latin typeface="Arial" pitchFamily="-110" charset="0"/>
@@ -27449,7 +27681,7 @@
 </p:notes>
 </file>
 
-<file path=ppt/notesSlides/notesSlide13.xml><?xml version="1.0" encoding="utf-8"?>
+<file path=ppt/notesSlides/notesSlide14.xml><?xml version="1.0" encoding="utf-8"?>
 <p:notes xmlns:a="http://schemas.openxmlformats.org/drawingml/2006/main" xmlns:r="http://schemas.openxmlformats.org/officeDocument/2006/relationships" xmlns:p="http://schemas.openxmlformats.org/presentationml/2006/main">
   <p:cSld>
     <p:spTree>
@@ -27488,7 +27720,7 @@
                 <a:latin typeface="Arial" pitchFamily="-110" charset="0"/>
               </a:rPr>
               <a:pPr/>
-              <a:t>14</a:t>
+              <a:t>18</a:t>
             </a:fld>
             <a:endParaRPr lang="en-AU">
               <a:latin typeface="Arial" pitchFamily="-110" charset="0"/>
@@ -28087,7 +28319,7 @@
 </p:notes>
 </file>
 
-<file path=ppt/notesSlides/notesSlide14.xml><?xml version="1.0" encoding="utf-8"?>
+<file path=ppt/notesSlides/notesSlide15.xml><?xml version="1.0" encoding="utf-8"?>
 <p:notes xmlns:a="http://schemas.openxmlformats.org/drawingml/2006/main" xmlns:r="http://schemas.openxmlformats.org/officeDocument/2006/relationships" xmlns:p="http://schemas.openxmlformats.org/presentationml/2006/main">
   <p:cSld>
     <p:spTree>
@@ -28126,7 +28358,7 @@
                 <a:latin typeface="Arial" pitchFamily="-110" charset="0"/>
               </a:rPr>
               <a:pPr/>
-              <a:t>15</a:t>
+              <a:t>19</a:t>
             </a:fld>
             <a:endParaRPr lang="en-AU">
               <a:latin typeface="Arial" pitchFamily="-110" charset="0"/>
@@ -28338,7 +28570,7 @@
 </p:notes>
 </file>
 
-<file path=ppt/notesSlides/notesSlide15.xml><?xml version="1.0" encoding="utf-8"?>
+<file path=ppt/notesSlides/notesSlide16.xml><?xml version="1.0" encoding="utf-8"?>
 <p:notes xmlns:a="http://schemas.openxmlformats.org/drawingml/2006/main" xmlns:r="http://schemas.openxmlformats.org/officeDocument/2006/relationships" xmlns:p="http://schemas.openxmlformats.org/presentationml/2006/main">
   <p:cSld>
     <p:spTree>
@@ -28571,7 +28803,7 @@
                 <a:latin typeface="Arial" pitchFamily="-110" charset="0"/>
               </a:rPr>
               <a:pPr/>
-              <a:t>16</a:t>
+              <a:t>20</a:t>
             </a:fld>
             <a:endParaRPr lang="en-AU">
               <a:latin typeface="Arial" pitchFamily="-110" charset="0"/>
@@ -28592,7 +28824,7 @@
 </p:notes>
 </file>
 
-<file path=ppt/notesSlides/notesSlide16.xml><?xml version="1.0" encoding="utf-8"?>
+<file path=ppt/notesSlides/notesSlide17.xml><?xml version="1.0" encoding="utf-8"?>
 <p:notes xmlns:a="http://schemas.openxmlformats.org/drawingml/2006/main" xmlns:r="http://schemas.openxmlformats.org/officeDocument/2006/relationships" xmlns:p="http://schemas.openxmlformats.org/presentationml/2006/main">
   <p:cSld>
     <p:spTree>
@@ -28631,7 +28863,7 @@
                 <a:latin typeface="Arial" pitchFamily="-110" charset="0"/>
               </a:rPr>
               <a:pPr/>
-              <a:t>17</a:t>
+              <a:t>21</a:t>
             </a:fld>
             <a:endParaRPr lang="en-AU">
               <a:latin typeface="Arial" pitchFamily="-110" charset="0"/>
@@ -28748,7 +28980,7 @@
 </p:notes>
 </file>
 
-<file path=ppt/notesSlides/notesSlide17.xml><?xml version="1.0" encoding="utf-8"?>
+<file path=ppt/notesSlides/notesSlide18.xml><?xml version="1.0" encoding="utf-8"?>
 <p:notes xmlns:a="http://schemas.openxmlformats.org/drawingml/2006/main" xmlns:r="http://schemas.openxmlformats.org/officeDocument/2006/relationships" xmlns:p="http://schemas.openxmlformats.org/presentationml/2006/main">
   <p:cSld>
     <p:spTree>
@@ -28787,7 +29019,7 @@
                 <a:latin typeface="Arial" pitchFamily="-110" charset="0"/>
               </a:rPr>
               <a:pPr/>
-              <a:t>18</a:t>
+              <a:t>22</a:t>
             </a:fld>
             <a:endParaRPr lang="en-AU">
               <a:latin typeface="Arial" pitchFamily="-110" charset="0"/>
@@ -29143,7 +29375,7 @@
 </p:notes>
 </file>
 
-<file path=ppt/notesSlides/notesSlide18.xml><?xml version="1.0" encoding="utf-8"?>
+<file path=ppt/notesSlides/notesSlide19.xml><?xml version="1.0" encoding="utf-8"?>
 <p:notes xmlns:a="http://schemas.openxmlformats.org/drawingml/2006/main" xmlns:r="http://schemas.openxmlformats.org/officeDocument/2006/relationships" xmlns:p="http://schemas.openxmlformats.org/presentationml/2006/main">
   <p:cSld>
     <p:spTree>
@@ -29182,7 +29414,7 @@
                 <a:latin typeface="Arial" pitchFamily="-110" charset="0"/>
               </a:rPr>
               <a:pPr/>
-              <a:t>20</a:t>
+              <a:t>24</a:t>
             </a:fld>
             <a:endParaRPr lang="en-AU">
               <a:latin typeface="Arial" pitchFamily="-110" charset="0"/>
@@ -29648,7 +29880,418 @@
 </p:notes>
 </file>
 
-<file path=ppt/notesSlides/notesSlide19.xml><?xml version="1.0" encoding="utf-8"?>
+<file path=ppt/notesSlides/notesSlide2.xml><?xml version="1.0" encoding="utf-8"?>
+<p:notes xmlns:a="http://schemas.openxmlformats.org/drawingml/2006/main" xmlns:r="http://schemas.openxmlformats.org/officeDocument/2006/relationships" xmlns:p="http://schemas.openxmlformats.org/presentationml/2006/main">
+  <p:cSld>
+    <p:spTree>
+      <p:nvGrpSpPr>
+        <p:cNvPr id="1" name=""/>
+        <p:cNvGrpSpPr/>
+        <p:nvPr/>
+      </p:nvGrpSpPr>
+      <p:grpSpPr>
+        <a:xfrm>
+          <a:off x="0" y="0"/>
+          <a:ext cx="0" cy="0"/>
+          <a:chOff x="0" y="0"/>
+          <a:chExt cx="0" cy="0"/>
+        </a:xfrm>
+      </p:grpSpPr>
+      <p:sp>
+        <p:nvSpPr>
+          <p:cNvPr id="2" name="Slide Image Placeholder 1"/>
+          <p:cNvSpPr>
+            <a:spLocks noGrp="1" noRot="1" noChangeAspect="1"/>
+          </p:cNvSpPr>
+          <p:nvPr>
+            <p:ph type="sldImg"/>
+          </p:nvPr>
+        </p:nvSpPr>
+        <p:spPr/>
+      </p:sp>
+      <p:sp>
+        <p:nvSpPr>
+          <p:cNvPr id="3" name="Notes Placeholder 2"/>
+          <p:cNvSpPr>
+            <a:spLocks noGrp="1"/>
+          </p:cNvSpPr>
+          <p:nvPr>
+            <p:ph type="body" idx="1"/>
+          </p:nvPr>
+        </p:nvSpPr>
+        <p:spPr/>
+        <p:txBody>
+          <a:bodyPr/>
+          <a:lstStyle/>
+          <a:p>
+            <a:r>
+              <a:rPr lang="en-US" sz="1200" kern="1200" dirty="0">
+                <a:solidFill>
+                  <a:schemeClr val="tx1"/>
+                </a:solidFill>
+                <a:effectLst/>
+                <a:latin typeface="Arial" pitchFamily="-108" charset="0"/>
+                <a:ea typeface="ＭＳ Ｐゴシック" pitchFamily="33" charset="-128"/>
+                <a:cs typeface="ＭＳ Ｐゴシック" pitchFamily="33" charset="-128"/>
+              </a:rPr>
+              <a:t> Figure 2.7 is a generic model of the process of making and using digital signatures.</a:t>
+            </a:r>
+          </a:p>
+          <a:p>
+            <a:r>
+              <a:rPr lang="en-US" sz="1200" kern="1200" dirty="0">
+                <a:solidFill>
+                  <a:schemeClr val="tx1"/>
+                </a:solidFill>
+                <a:effectLst/>
+                <a:latin typeface="Arial" pitchFamily="-108" charset="0"/>
+                <a:ea typeface="ＭＳ Ｐゴシック" pitchFamily="33" charset="-128"/>
+                <a:cs typeface="ＭＳ Ｐゴシック" pitchFamily="33" charset="-128"/>
+              </a:rPr>
+              <a:t>All of the digital signature schemes in FIPS 186-4 have this structure. Suppose</a:t>
+            </a:r>
+          </a:p>
+          <a:p>
+            <a:r>
+              <a:rPr lang="en-US" sz="1200" kern="1200" dirty="0">
+                <a:solidFill>
+                  <a:schemeClr val="tx1"/>
+                </a:solidFill>
+                <a:effectLst/>
+                <a:latin typeface="Arial" pitchFamily="-108" charset="0"/>
+                <a:ea typeface="ＭＳ Ｐゴシック" pitchFamily="33" charset="-128"/>
+                <a:cs typeface="ＭＳ Ｐゴシック" pitchFamily="33" charset="-128"/>
+              </a:rPr>
+              <a:t> Bob wants to send a message to Alice. Although it is not important that the message</a:t>
+            </a:r>
+          </a:p>
+          <a:p>
+            <a:r>
+              <a:rPr lang="en-US" sz="1200" kern="1200" dirty="0">
+                <a:solidFill>
+                  <a:schemeClr val="tx1"/>
+                </a:solidFill>
+                <a:effectLst/>
+                <a:latin typeface="Arial" pitchFamily="-108" charset="0"/>
+                <a:ea typeface="ＭＳ Ｐゴシック" pitchFamily="33" charset="-128"/>
+                <a:cs typeface="ＭＳ Ｐゴシック" pitchFamily="33" charset="-128"/>
+              </a:rPr>
+              <a:t>be kept secret, he wants Alice to be certain that the message is indeed from him.</a:t>
+            </a:r>
+          </a:p>
+          <a:p>
+            <a:r>
+              <a:rPr lang="en-US" sz="1200" kern="1200" dirty="0">
+                <a:solidFill>
+                  <a:schemeClr val="tx1"/>
+                </a:solidFill>
+                <a:effectLst/>
+                <a:latin typeface="Arial" pitchFamily="-108" charset="0"/>
+                <a:ea typeface="ＭＳ Ｐゴシック" pitchFamily="33" charset="-128"/>
+                <a:cs typeface="ＭＳ Ｐゴシック" pitchFamily="33" charset="-128"/>
+              </a:rPr>
+              <a:t>For this purpose, Bob uses a secure hash function, such as SHA-512, to generate a</a:t>
+            </a:r>
+          </a:p>
+          <a:p>
+            <a:r>
+              <a:rPr lang="en-US" sz="1200" kern="1200" dirty="0">
+                <a:solidFill>
+                  <a:schemeClr val="tx1"/>
+                </a:solidFill>
+                <a:effectLst/>
+                <a:latin typeface="Arial" pitchFamily="-108" charset="0"/>
+                <a:ea typeface="ＭＳ Ｐゴシック" pitchFamily="33" charset="-128"/>
+                <a:cs typeface="ＭＳ Ｐゴシック" pitchFamily="33" charset="-128"/>
+              </a:rPr>
+              <a:t>hash value for the message. That hash value, together with Bob’s private key, serve</a:t>
+            </a:r>
+          </a:p>
+          <a:p>
+            <a:r>
+              <a:rPr lang="en-US" sz="1200" kern="1200" dirty="0">
+                <a:solidFill>
+                  <a:schemeClr val="tx1"/>
+                </a:solidFill>
+                <a:effectLst/>
+                <a:latin typeface="Arial" pitchFamily="-108" charset="0"/>
+                <a:ea typeface="ＭＳ Ｐゴシック" pitchFamily="33" charset="-128"/>
+                <a:cs typeface="ＭＳ Ｐゴシック" pitchFamily="33" charset="-128"/>
+              </a:rPr>
+              <a:t>as input to a digital signature generation algorithm that produces a short block that</a:t>
+            </a:r>
+          </a:p>
+          <a:p>
+            <a:r>
+              <a:rPr lang="en-US" sz="1200" kern="1200" dirty="0">
+                <a:solidFill>
+                  <a:schemeClr val="tx1"/>
+                </a:solidFill>
+                <a:effectLst/>
+                <a:latin typeface="Arial" pitchFamily="-108" charset="0"/>
+                <a:ea typeface="ＭＳ Ｐゴシック" pitchFamily="33" charset="-128"/>
+                <a:cs typeface="ＭＳ Ｐゴシック" pitchFamily="33" charset="-128"/>
+              </a:rPr>
+              <a:t>functions as a digital signature. Bob sends the message with the signature attached.</a:t>
+            </a:r>
+          </a:p>
+          <a:p>
+            <a:r>
+              <a:rPr lang="en-US" sz="1200" kern="1200" dirty="0">
+                <a:solidFill>
+                  <a:schemeClr val="tx1"/>
+                </a:solidFill>
+                <a:effectLst/>
+                <a:latin typeface="Arial" pitchFamily="-108" charset="0"/>
+                <a:ea typeface="ＭＳ Ｐゴシック" pitchFamily="33" charset="-128"/>
+                <a:cs typeface="ＭＳ Ｐゴシック" pitchFamily="33" charset="-128"/>
+              </a:rPr>
+              <a:t>When Alice receives the message plus signature, she (1) calculates a hash value for</a:t>
+            </a:r>
+          </a:p>
+          <a:p>
+            <a:r>
+              <a:rPr lang="en-US" sz="1200" kern="1200" dirty="0">
+                <a:solidFill>
+                  <a:schemeClr val="tx1"/>
+                </a:solidFill>
+                <a:effectLst/>
+                <a:latin typeface="Arial" pitchFamily="-108" charset="0"/>
+                <a:ea typeface="ＭＳ Ｐゴシック" pitchFamily="33" charset="-128"/>
+                <a:cs typeface="ＭＳ Ｐゴシック" pitchFamily="33" charset="-128"/>
+              </a:rPr>
+              <a:t>the message; (2) provides the hash value and Bob’s public key as inputs to a digital</a:t>
+            </a:r>
+          </a:p>
+          <a:p>
+            <a:r>
+              <a:rPr lang="en-US" sz="1200" kern="1200" dirty="0">
+                <a:solidFill>
+                  <a:schemeClr val="tx1"/>
+                </a:solidFill>
+                <a:effectLst/>
+                <a:latin typeface="Arial" pitchFamily="-108" charset="0"/>
+                <a:ea typeface="ＭＳ Ｐゴシック" pitchFamily="33" charset="-128"/>
+                <a:cs typeface="ＭＳ Ｐゴシック" pitchFamily="33" charset="-128"/>
+              </a:rPr>
+              <a:t>signature verification algorithm. If the algorithm returns the result that the signature</a:t>
+            </a:r>
+          </a:p>
+          <a:p>
+            <a:r>
+              <a:rPr lang="en-US" sz="1200" kern="1200" dirty="0">
+                <a:solidFill>
+                  <a:schemeClr val="tx1"/>
+                </a:solidFill>
+                <a:effectLst/>
+                <a:latin typeface="Arial" pitchFamily="-108" charset="0"/>
+                <a:ea typeface="ＭＳ Ｐゴシック" pitchFamily="33" charset="-128"/>
+                <a:cs typeface="ＭＳ Ｐゴシック" pitchFamily="33" charset="-128"/>
+              </a:rPr>
+              <a:t>is valid, Alice is assured that the message must have been signed by Bob. No one else</a:t>
+            </a:r>
+          </a:p>
+          <a:p>
+            <a:r>
+              <a:rPr lang="en-US" sz="1200" kern="1200" dirty="0">
+                <a:solidFill>
+                  <a:schemeClr val="tx1"/>
+                </a:solidFill>
+                <a:effectLst/>
+                <a:latin typeface="Arial" pitchFamily="-108" charset="0"/>
+                <a:ea typeface="ＭＳ Ｐゴシック" pitchFamily="33" charset="-128"/>
+                <a:cs typeface="ＭＳ Ｐゴシック" pitchFamily="33" charset="-128"/>
+              </a:rPr>
+              <a:t> has Bob’s private key, and therefore no one else could have created a signature that</a:t>
+            </a:r>
+          </a:p>
+          <a:p>
+            <a:r>
+              <a:rPr lang="en-US" sz="1200" kern="1200" dirty="0">
+                <a:solidFill>
+                  <a:schemeClr val="tx1"/>
+                </a:solidFill>
+                <a:effectLst/>
+                <a:latin typeface="Arial" pitchFamily="-108" charset="0"/>
+                <a:ea typeface="ＭＳ Ｐゴシック" pitchFamily="33" charset="-128"/>
+                <a:cs typeface="ＭＳ Ｐゴシック" pitchFamily="33" charset="-128"/>
+              </a:rPr>
+              <a:t>could be verified for this message with Bob’s public key. In addition, it is impossible to</a:t>
+            </a:r>
+          </a:p>
+          <a:p>
+            <a:r>
+              <a:rPr lang="en-US" sz="1200" kern="1200" dirty="0">
+                <a:solidFill>
+                  <a:schemeClr val="tx1"/>
+                </a:solidFill>
+                <a:effectLst/>
+                <a:latin typeface="Arial" pitchFamily="-108" charset="0"/>
+                <a:ea typeface="ＭＳ Ｐゴシック" pitchFamily="33" charset="-128"/>
+                <a:cs typeface="ＭＳ Ｐゴシック" pitchFamily="33" charset="-128"/>
+              </a:rPr>
+              <a:t>alter the message without access to Bob’s private key, so the message is authenticated</a:t>
+            </a:r>
+          </a:p>
+          <a:p>
+            <a:r>
+              <a:rPr lang="en-US" sz="1200" kern="1200" dirty="0">
+                <a:solidFill>
+                  <a:schemeClr val="tx1"/>
+                </a:solidFill>
+                <a:effectLst/>
+                <a:latin typeface="Arial" pitchFamily="-108" charset="0"/>
+                <a:ea typeface="ＭＳ Ｐゴシック" pitchFamily="33" charset="-128"/>
+                <a:cs typeface="ＭＳ Ｐゴシック" pitchFamily="33" charset="-128"/>
+              </a:rPr>
+              <a:t>both in terms of source and in terms of data integrity.</a:t>
+            </a:r>
+          </a:p>
+          <a:p>
+            <a:endParaRPr lang="en-US" sz="1200" kern="1200" dirty="0">
+              <a:solidFill>
+                <a:schemeClr val="tx1"/>
+              </a:solidFill>
+              <a:effectLst/>
+              <a:latin typeface="Arial" pitchFamily="-108" charset="0"/>
+              <a:ea typeface="ＭＳ Ｐゴシック" pitchFamily="33" charset="-128"/>
+              <a:cs typeface="ＭＳ Ｐゴシック" pitchFamily="33" charset="-128"/>
+            </a:endParaRPr>
+          </a:p>
+          <a:p>
+            <a:r>
+              <a:rPr lang="en-US" sz="1200" kern="1200" dirty="0">
+                <a:solidFill>
+                  <a:schemeClr val="tx1"/>
+                </a:solidFill>
+                <a:effectLst/>
+                <a:latin typeface="Arial" pitchFamily="-108" charset="0"/>
+                <a:ea typeface="ＭＳ Ｐゴシック" pitchFamily="33" charset="-128"/>
+                <a:cs typeface="ＭＳ Ｐゴシック" pitchFamily="33" charset="-128"/>
+              </a:rPr>
+              <a:t>The digital signature does not provide confidentiality. That is, the message being</a:t>
+            </a:r>
+          </a:p>
+          <a:p>
+            <a:r>
+              <a:rPr lang="en-US" sz="1200" kern="1200" dirty="0">
+                <a:solidFill>
+                  <a:schemeClr val="tx1"/>
+                </a:solidFill>
+                <a:effectLst/>
+                <a:latin typeface="Arial" pitchFamily="-108" charset="0"/>
+                <a:ea typeface="ＭＳ Ｐゴシック" pitchFamily="33" charset="-128"/>
+                <a:cs typeface="ＭＳ Ｐゴシック" pitchFamily="33" charset="-128"/>
+              </a:rPr>
+              <a:t>sent is safe from alteration, but not safe from eavesdropping. This is obvious in the</a:t>
+            </a:r>
+          </a:p>
+          <a:p>
+            <a:r>
+              <a:rPr lang="en-US" sz="1200" kern="1200" dirty="0">
+                <a:solidFill>
+                  <a:schemeClr val="tx1"/>
+                </a:solidFill>
+                <a:effectLst/>
+                <a:latin typeface="Arial" pitchFamily="-108" charset="0"/>
+                <a:ea typeface="ＭＳ Ｐゴシック" pitchFamily="33" charset="-128"/>
+                <a:cs typeface="ＭＳ Ｐゴシック" pitchFamily="33" charset="-128"/>
+              </a:rPr>
+              <a:t>case of a signature based on a portion of the message, because the rest of the message</a:t>
+            </a:r>
+          </a:p>
+          <a:p>
+            <a:r>
+              <a:rPr lang="en-US" sz="1200" kern="1200" dirty="0">
+                <a:solidFill>
+                  <a:schemeClr val="tx1"/>
+                </a:solidFill>
+                <a:effectLst/>
+                <a:latin typeface="Arial" pitchFamily="-108" charset="0"/>
+                <a:ea typeface="ＭＳ Ｐゴシック" pitchFamily="33" charset="-128"/>
+                <a:cs typeface="ＭＳ Ｐゴシック" pitchFamily="33" charset="-128"/>
+              </a:rPr>
+              <a:t>is transmitted in the clear. Even in the case of complete encryption, there is no</a:t>
+            </a:r>
+          </a:p>
+          <a:p>
+            <a:r>
+              <a:rPr lang="en-US" sz="1200" kern="1200" dirty="0">
+                <a:solidFill>
+                  <a:schemeClr val="tx1"/>
+                </a:solidFill>
+                <a:effectLst/>
+                <a:latin typeface="Arial" pitchFamily="-108" charset="0"/>
+                <a:ea typeface="ＭＳ Ｐゴシック" pitchFamily="33" charset="-128"/>
+                <a:cs typeface="ＭＳ Ｐゴシック" pitchFamily="33" charset="-128"/>
+              </a:rPr>
+              <a:t>protection of confidentiality because any observer can decrypt the message by using</a:t>
+            </a:r>
+          </a:p>
+          <a:p>
+            <a:r>
+              <a:rPr lang="en-US" sz="1200" kern="1200" dirty="0">
+                <a:solidFill>
+                  <a:schemeClr val="tx1"/>
+                </a:solidFill>
+                <a:effectLst/>
+                <a:latin typeface="Arial" pitchFamily="-108" charset="0"/>
+                <a:ea typeface="ＭＳ Ｐゴシック" pitchFamily="33" charset="-128"/>
+                <a:cs typeface="ＭＳ Ｐゴシック" pitchFamily="33" charset="-128"/>
+              </a:rPr>
+              <a:t>the sender’s public key.</a:t>
+            </a:r>
+          </a:p>
+          <a:p>
+            <a:endParaRPr lang="en-US" dirty="0">
+              <a:latin typeface="Times New Roman" pitchFamily="-110" charset="0"/>
+              <a:ea typeface="ＭＳ Ｐゴシック" pitchFamily="-110" charset="-128"/>
+              <a:cs typeface="ＭＳ Ｐゴシック" pitchFamily="-110" charset="-128"/>
+            </a:endParaRPr>
+          </a:p>
+          <a:p>
+            <a:endParaRPr lang="en-SE" dirty="0"/>
+          </a:p>
+        </p:txBody>
+      </p:sp>
+      <p:sp>
+        <p:nvSpPr>
+          <p:cNvPr id="4" name="Slide Number Placeholder 3"/>
+          <p:cNvSpPr>
+            <a:spLocks noGrp="1"/>
+          </p:cNvSpPr>
+          <p:nvPr>
+            <p:ph type="sldNum" sz="quarter" idx="5"/>
+          </p:nvPr>
+        </p:nvSpPr>
+        <p:spPr/>
+        <p:txBody>
+          <a:bodyPr/>
+          <a:lstStyle/>
+          <a:p>
+            <a:fld id="{F8560DBF-F109-8946-ADF0-EE66B221E988}" type="slidenum">
+              <a:rPr lang="en-AU" smtClean="0"/>
+              <a:pPr/>
+              <a:t>3</a:t>
+            </a:fld>
+            <a:endParaRPr lang="en-AU" dirty="0"/>
+          </a:p>
+        </p:txBody>
+      </p:sp>
+    </p:spTree>
+    <p:extLst>
+      <p:ext uri="{BB962C8B-B14F-4D97-AF65-F5344CB8AC3E}">
+        <p14:creationId xmlns:p14="http://schemas.microsoft.com/office/powerpoint/2010/main" val="822786103"/>
+      </p:ext>
+    </p:extLst>
+  </p:cSld>
+  <p:clrMapOvr>
+    <a:masterClrMapping/>
+  </p:clrMapOvr>
+</p:notes>
+</file>
+
+<file path=ppt/notesSlides/notesSlide20.xml><?xml version="1.0" encoding="utf-8"?>
 <p:notes xmlns:a="http://schemas.openxmlformats.org/drawingml/2006/main" xmlns:r="http://schemas.openxmlformats.org/officeDocument/2006/relationships" xmlns:p="http://schemas.openxmlformats.org/presentationml/2006/main">
   <p:cSld>
     <p:spTree>
@@ -29687,7 +30330,7 @@
                 <a:latin typeface="Arial" pitchFamily="-110" charset="0"/>
               </a:rPr>
               <a:pPr/>
-              <a:t>22</a:t>
+              <a:t>26</a:t>
             </a:fld>
             <a:endParaRPr lang="en-AU">
               <a:latin typeface="Arial" pitchFamily="-110" charset="0"/>
@@ -30458,445 +31101,7 @@
 </p:notes>
 </file>
 
-<file path=ppt/notesSlides/notesSlide2.xml><?xml version="1.0" encoding="utf-8"?>
-<p:notes xmlns:a="http://schemas.openxmlformats.org/drawingml/2006/main" xmlns:r="http://schemas.openxmlformats.org/officeDocument/2006/relationships" xmlns:p="http://schemas.openxmlformats.org/presentationml/2006/main">
-  <p:cSld>
-    <p:spTree>
-      <p:nvGrpSpPr>
-        <p:cNvPr id="1" name=""/>
-        <p:cNvGrpSpPr/>
-        <p:nvPr/>
-      </p:nvGrpSpPr>
-      <p:grpSpPr>
-        <a:xfrm>
-          <a:off x="0" y="0"/>
-          <a:ext cx="0" cy="0"/>
-          <a:chOff x="0" y="0"/>
-          <a:chExt cx="0" cy="0"/>
-        </a:xfrm>
-      </p:grpSpPr>
-      <p:sp>
-        <p:nvSpPr>
-          <p:cNvPr id="20482" name="Rectangle 7"/>
-          <p:cNvSpPr>
-            <a:spLocks noGrp="1" noChangeArrowheads="1"/>
-          </p:cNvSpPr>
-          <p:nvPr>
-            <p:ph type="sldNum" sz="quarter" idx="5"/>
-          </p:nvPr>
-        </p:nvSpPr>
-        <p:spPr>
-          <a:noFill/>
-        </p:spPr>
-        <p:txBody>
-          <a:bodyPr/>
-          <a:lstStyle/>
-          <a:p>
-            <a:fld id="{6C7AC41B-982D-2740-975B-CBC1E41F9A36}" type="slidenum">
-              <a:rPr lang="en-AU">
-                <a:latin typeface="Arial" pitchFamily="-110" charset="0"/>
-              </a:rPr>
-              <a:pPr/>
-              <a:t>3</a:t>
-            </a:fld>
-            <a:endParaRPr lang="en-AU">
-              <a:latin typeface="Arial" pitchFamily="-110" charset="0"/>
-            </a:endParaRPr>
-          </a:p>
-        </p:txBody>
-      </p:sp>
-      <p:sp>
-        <p:nvSpPr>
-          <p:cNvPr id="20483" name="Rectangle 2"/>
-          <p:cNvSpPr>
-            <a:spLocks noGrp="1" noRot="1" noChangeAspect="1" noChangeArrowheads="1" noTextEdit="1"/>
-          </p:cNvSpPr>
-          <p:nvPr>
-            <p:ph type="sldImg"/>
-          </p:nvPr>
-        </p:nvSpPr>
-        <p:spPr>
-          <a:ln/>
-        </p:spPr>
-      </p:sp>
-      <p:sp>
-        <p:nvSpPr>
-          <p:cNvPr id="20484" name="Rectangle 3"/>
-          <p:cNvSpPr>
-            <a:spLocks noGrp="1" noChangeArrowheads="1"/>
-          </p:cNvSpPr>
-          <p:nvPr>
-            <p:ph type="body" idx="1"/>
-          </p:nvPr>
-        </p:nvSpPr>
-        <p:spPr>
-          <a:noFill/>
-          <a:ln/>
-        </p:spPr>
-        <p:txBody>
-          <a:bodyPr/>
-          <a:lstStyle/>
-          <a:p>
-            <a:pPr eaLnBrk="1" hangingPunct="1"/>
-            <a:r>
-              <a:rPr lang="en-US" b="0" dirty="0">
-                <a:latin typeface="Arial" pitchFamily="-110" charset="0"/>
-                <a:ea typeface="ＭＳ Ｐゴシック" pitchFamily="-110" charset="-128"/>
-                <a:cs typeface="ＭＳ Ｐゴシック" pitchFamily="-110" charset="-128"/>
-              </a:rPr>
-              <a:t>The universal technique for providing confidentiality for transmitted or stored</a:t>
-            </a:r>
-          </a:p>
-          <a:p>
-            <a:pPr eaLnBrk="1" hangingPunct="1"/>
-            <a:r>
-              <a:rPr lang="en-US" b="0" dirty="0">
-                <a:latin typeface="Arial" pitchFamily="-110" charset="0"/>
-                <a:ea typeface="ＭＳ Ｐゴシック" pitchFamily="-110" charset="-128"/>
-                <a:cs typeface="ＭＳ Ｐゴシック" pitchFamily="-110" charset="-128"/>
-              </a:rPr>
-              <a:t>data is symmetric encryption.</a:t>
-            </a:r>
-          </a:p>
-          <a:p>
-            <a:pPr eaLnBrk="1" hangingPunct="1"/>
-            <a:r>
-              <a:rPr lang="en-US" b="0" dirty="0">
-                <a:latin typeface="Arial" pitchFamily="-110" charset="0"/>
-                <a:ea typeface="ＭＳ Ｐゴシック" pitchFamily="-110" charset="-128"/>
-                <a:cs typeface="ＭＳ Ｐゴシック" pitchFamily="-110" charset="-128"/>
-              </a:rPr>
-              <a:t>This section introduces the basic concept of symmetric encryption. This is followed by an overview of the two most important symmetric encryption algorithms: the Data Encryption Standard (DES) and the Advanced Encryption Standard (AES), which are block encryption algorithms. Finally, this section introduces the concept of symmetric stream encryption algorithms.</a:t>
-            </a:r>
-          </a:p>
-          <a:p>
-            <a:pPr eaLnBrk="1" hangingPunct="1"/>
-            <a:endParaRPr lang="en-US" b="0" dirty="0">
-              <a:latin typeface="Arial" pitchFamily="-110" charset="0"/>
-              <a:ea typeface="ＭＳ Ｐゴシック" pitchFamily="-110" charset="-128"/>
-              <a:cs typeface="ＭＳ Ｐゴシック" pitchFamily="-110" charset="-128"/>
-            </a:endParaRPr>
-          </a:p>
-          <a:p>
-            <a:pPr eaLnBrk="1" hangingPunct="1"/>
-            <a:r>
-              <a:rPr lang="en-US" b="0" dirty="0">
-                <a:latin typeface="Arial" pitchFamily="-110" charset="0"/>
-                <a:ea typeface="ＭＳ Ｐゴシック" pitchFamily="-110" charset="-128"/>
-                <a:cs typeface="ＭＳ Ｐゴシック" pitchFamily="-110" charset="-128"/>
-              </a:rPr>
-              <a:t>Symmetric encryption, also referred to as conventional encryption or single-key</a:t>
-            </a:r>
-          </a:p>
-          <a:p>
-            <a:pPr eaLnBrk="1" hangingPunct="1"/>
-            <a:r>
-              <a:rPr lang="en-US" b="0" dirty="0">
-                <a:latin typeface="Arial" pitchFamily="-110" charset="0"/>
-                <a:ea typeface="ＭＳ Ｐゴシック" pitchFamily="-110" charset="-128"/>
-                <a:cs typeface="ＭＳ Ｐゴシック" pitchFamily="-110" charset="-128"/>
-              </a:rPr>
-              <a:t>encryption, was the only type of encryption in use prior to the introduction of public-key</a:t>
-            </a:r>
-          </a:p>
-          <a:p>
-            <a:pPr eaLnBrk="1" hangingPunct="1"/>
-            <a:r>
-              <a:rPr lang="en-US" b="0" dirty="0">
-                <a:latin typeface="Arial" pitchFamily="-110" charset="0"/>
-                <a:ea typeface="ＭＳ Ｐゴシック" pitchFamily="-110" charset="-128"/>
-                <a:cs typeface="ＭＳ Ｐゴシック" pitchFamily="-110" charset="-128"/>
-              </a:rPr>
-              <a:t>encryption in the late 1970s. Countless individuals and groups, from Julius Caesar to the</a:t>
-            </a:r>
-          </a:p>
-          <a:p>
-            <a:pPr eaLnBrk="1" hangingPunct="1"/>
-            <a:r>
-              <a:rPr lang="en-US" b="0" dirty="0">
-                <a:latin typeface="Arial" pitchFamily="-110" charset="0"/>
-                <a:ea typeface="ＭＳ Ｐゴシック" pitchFamily="-110" charset="-128"/>
-                <a:cs typeface="ＭＳ Ｐゴシック" pitchFamily="-110" charset="-128"/>
-              </a:rPr>
-              <a:t>German U-boat force to present-day diplomatic, military, and commercial users, have</a:t>
-            </a:r>
-          </a:p>
-          <a:p>
-            <a:pPr eaLnBrk="1" hangingPunct="1"/>
-            <a:r>
-              <a:rPr lang="en-US" b="0" dirty="0">
-                <a:latin typeface="Arial" pitchFamily="-110" charset="0"/>
-                <a:ea typeface="ＭＳ Ｐゴシック" pitchFamily="-110" charset="-128"/>
-                <a:cs typeface="ＭＳ Ｐゴシック" pitchFamily="-110" charset="-128"/>
-              </a:rPr>
-              <a:t>used symmetric encryption for secret communication. It remains the more widely used</a:t>
-            </a:r>
-          </a:p>
-          <a:p>
-            <a:pPr eaLnBrk="1" hangingPunct="1"/>
-            <a:r>
-              <a:rPr lang="en-US" b="0" dirty="0">
-                <a:latin typeface="Arial" pitchFamily="-110" charset="0"/>
-                <a:ea typeface="ＭＳ Ｐゴシック" pitchFamily="-110" charset="-128"/>
-                <a:cs typeface="ＭＳ Ｐゴシック" pitchFamily="-110" charset="-128"/>
-              </a:rPr>
-              <a:t>of the two types of encryption.</a:t>
-            </a:r>
-          </a:p>
-          <a:p>
-            <a:pPr eaLnBrk="1" hangingPunct="1"/>
-            <a:endParaRPr lang="en-US" b="0" dirty="0">
-              <a:latin typeface="Arial" pitchFamily="-110" charset="0"/>
-              <a:ea typeface="ＭＳ Ｐゴシック" pitchFamily="-110" charset="-128"/>
-              <a:cs typeface="ＭＳ Ｐゴシック" pitchFamily="-110" charset="-128"/>
-            </a:endParaRPr>
-          </a:p>
-          <a:p>
-            <a:pPr eaLnBrk="1" hangingPunct="1"/>
-            <a:r>
-              <a:rPr lang="en-US" b="0" dirty="0">
-                <a:latin typeface="Arial" pitchFamily="-110" charset="0"/>
-                <a:ea typeface="ＭＳ Ｐゴシック" pitchFamily="-110" charset="-128"/>
-                <a:cs typeface="ＭＳ Ｐゴシック" pitchFamily="-110" charset="-128"/>
-              </a:rPr>
-              <a:t>There are two requirements for secure use of symmetric encryption:</a:t>
-            </a:r>
-          </a:p>
-          <a:p>
-            <a:pPr eaLnBrk="1" hangingPunct="1"/>
-            <a:endParaRPr lang="en-US" b="0" dirty="0">
-              <a:latin typeface="Arial" pitchFamily="-110" charset="0"/>
-              <a:ea typeface="ＭＳ Ｐゴシック" pitchFamily="-110" charset="-128"/>
-              <a:cs typeface="ＭＳ Ｐゴシック" pitchFamily="-110" charset="-128"/>
-            </a:endParaRPr>
-          </a:p>
-          <a:p>
-            <a:pPr eaLnBrk="1" hangingPunct="1"/>
-            <a:r>
-              <a:rPr lang="en-US" b="0" dirty="0">
-                <a:latin typeface="Arial" pitchFamily="-110" charset="0"/>
-                <a:ea typeface="ＭＳ Ｐゴシック" pitchFamily="-110" charset="-128"/>
-                <a:cs typeface="ＭＳ Ｐゴシック" pitchFamily="-110" charset="-128"/>
-              </a:rPr>
-              <a:t>1. We need a strong encryption algorithm. At a minimum, we would like the</a:t>
-            </a:r>
-          </a:p>
-          <a:p>
-            <a:pPr eaLnBrk="1" hangingPunct="1"/>
-            <a:r>
-              <a:rPr lang="en-US" b="0" dirty="0">
-                <a:latin typeface="Arial" pitchFamily="-110" charset="0"/>
-                <a:ea typeface="ＭＳ Ｐゴシック" pitchFamily="-110" charset="-128"/>
-                <a:cs typeface="ＭＳ Ｐゴシック" pitchFamily="-110" charset="-128"/>
-              </a:rPr>
-              <a:t>algorithm to be such that an opponent who knows the algorithm and has</a:t>
-            </a:r>
-          </a:p>
-          <a:p>
-            <a:pPr eaLnBrk="1" hangingPunct="1"/>
-            <a:r>
-              <a:rPr lang="en-US" b="0" dirty="0">
-                <a:latin typeface="Arial" pitchFamily="-110" charset="0"/>
-                <a:ea typeface="ＭＳ Ｐゴシック" pitchFamily="-110" charset="-128"/>
-                <a:cs typeface="ＭＳ Ｐゴシック" pitchFamily="-110" charset="-128"/>
-              </a:rPr>
-              <a:t>access to one or more </a:t>
-            </a:r>
-            <a:r>
-              <a:rPr lang="en-US" b="0" dirty="0" err="1">
-                <a:latin typeface="Arial" pitchFamily="-110" charset="0"/>
-                <a:ea typeface="ＭＳ Ｐゴシック" pitchFamily="-110" charset="-128"/>
-                <a:cs typeface="ＭＳ Ｐゴシック" pitchFamily="-110" charset="-128"/>
-              </a:rPr>
-              <a:t>ciphertexts</a:t>
-            </a:r>
-            <a:r>
-              <a:rPr lang="en-US" b="0" dirty="0">
-                <a:latin typeface="Arial" pitchFamily="-110" charset="0"/>
-                <a:ea typeface="ＭＳ Ｐゴシック" pitchFamily="-110" charset="-128"/>
-                <a:cs typeface="ＭＳ Ｐゴシック" pitchFamily="-110" charset="-128"/>
-              </a:rPr>
-              <a:t> would be unable to decipher the </a:t>
-            </a:r>
-            <a:r>
-              <a:rPr lang="en-US" b="0" dirty="0" err="1">
-                <a:latin typeface="Arial" pitchFamily="-110" charset="0"/>
-                <a:ea typeface="ＭＳ Ｐゴシック" pitchFamily="-110" charset="-128"/>
-                <a:cs typeface="ＭＳ Ｐゴシック" pitchFamily="-110" charset="-128"/>
-              </a:rPr>
-              <a:t>ciphertext</a:t>
-            </a:r>
-            <a:endParaRPr lang="en-US" b="0" dirty="0">
-              <a:latin typeface="Arial" pitchFamily="-110" charset="0"/>
-              <a:ea typeface="ＭＳ Ｐゴシック" pitchFamily="-110" charset="-128"/>
-              <a:cs typeface="ＭＳ Ｐゴシック" pitchFamily="-110" charset="-128"/>
-            </a:endParaRPr>
-          </a:p>
-          <a:p>
-            <a:pPr eaLnBrk="1" hangingPunct="1"/>
-            <a:r>
-              <a:rPr lang="en-US" b="0" dirty="0">
-                <a:latin typeface="Arial" pitchFamily="-110" charset="0"/>
-                <a:ea typeface="ＭＳ Ｐゴシック" pitchFamily="-110" charset="-128"/>
-                <a:cs typeface="ＭＳ Ｐゴシック" pitchFamily="-110" charset="-128"/>
-              </a:rPr>
-              <a:t>or figure out the key. This requirement is usually stated in a stronger form:</a:t>
-            </a:r>
-          </a:p>
-          <a:p>
-            <a:pPr eaLnBrk="1" hangingPunct="1"/>
-            <a:r>
-              <a:rPr lang="en-US" b="0" dirty="0">
-                <a:latin typeface="Arial" pitchFamily="-110" charset="0"/>
-                <a:ea typeface="ＭＳ Ｐゴシック" pitchFamily="-110" charset="-128"/>
-                <a:cs typeface="ＭＳ Ｐゴシック" pitchFamily="-110" charset="-128"/>
-              </a:rPr>
-              <a:t>The opponent should be unable to decrypt </a:t>
-            </a:r>
-            <a:r>
-              <a:rPr lang="en-US" b="0" dirty="0" err="1">
-                <a:latin typeface="Arial" pitchFamily="-110" charset="0"/>
-                <a:ea typeface="ＭＳ Ｐゴシック" pitchFamily="-110" charset="-128"/>
-                <a:cs typeface="ＭＳ Ｐゴシック" pitchFamily="-110" charset="-128"/>
-              </a:rPr>
-              <a:t>ciphertext</a:t>
-            </a:r>
-            <a:r>
-              <a:rPr lang="en-US" b="0" dirty="0">
-                <a:latin typeface="Arial" pitchFamily="-110" charset="0"/>
-                <a:ea typeface="ＭＳ Ｐゴシック" pitchFamily="-110" charset="-128"/>
-                <a:cs typeface="ＭＳ Ｐゴシック" pitchFamily="-110" charset="-128"/>
-              </a:rPr>
-              <a:t> or discover the key even</a:t>
-            </a:r>
-          </a:p>
-          <a:p>
-            <a:pPr eaLnBrk="1" hangingPunct="1"/>
-            <a:r>
-              <a:rPr lang="en-US" b="0" dirty="0">
-                <a:latin typeface="Arial" pitchFamily="-110" charset="0"/>
-                <a:ea typeface="ＭＳ Ｐゴシック" pitchFamily="-110" charset="-128"/>
-                <a:cs typeface="ＭＳ Ｐゴシック" pitchFamily="-110" charset="-128"/>
-              </a:rPr>
-              <a:t>if he or she is in possession of a number of </a:t>
-            </a:r>
-            <a:r>
-              <a:rPr lang="en-US" b="0" dirty="0" err="1">
-                <a:latin typeface="Arial" pitchFamily="-110" charset="0"/>
-                <a:ea typeface="ＭＳ Ｐゴシック" pitchFamily="-110" charset="-128"/>
-                <a:cs typeface="ＭＳ Ｐゴシック" pitchFamily="-110" charset="-128"/>
-              </a:rPr>
-              <a:t>ciphertexts</a:t>
-            </a:r>
-            <a:r>
-              <a:rPr lang="en-US" b="0" dirty="0">
-                <a:latin typeface="Arial" pitchFamily="-110" charset="0"/>
-                <a:ea typeface="ＭＳ Ｐゴシック" pitchFamily="-110" charset="-128"/>
-                <a:cs typeface="ＭＳ Ｐゴシック" pitchFamily="-110" charset="-128"/>
-              </a:rPr>
-              <a:t> together with the plaintext</a:t>
-            </a:r>
-          </a:p>
-          <a:p>
-            <a:pPr eaLnBrk="1" hangingPunct="1"/>
-            <a:r>
-              <a:rPr lang="en-US" b="0" dirty="0">
-                <a:latin typeface="Arial" pitchFamily="-110" charset="0"/>
-                <a:ea typeface="ＭＳ Ｐゴシック" pitchFamily="-110" charset="-128"/>
-                <a:cs typeface="ＭＳ Ｐゴシック" pitchFamily="-110" charset="-128"/>
-              </a:rPr>
-              <a:t>that produced each </a:t>
-            </a:r>
-            <a:r>
-              <a:rPr lang="en-US" b="0" dirty="0" err="1">
-                <a:latin typeface="Arial" pitchFamily="-110" charset="0"/>
-                <a:ea typeface="ＭＳ Ｐゴシック" pitchFamily="-110" charset="-128"/>
-                <a:cs typeface="ＭＳ Ｐゴシック" pitchFamily="-110" charset="-128"/>
-              </a:rPr>
-              <a:t>ciphertext</a:t>
-            </a:r>
-            <a:r>
-              <a:rPr lang="en-US" b="0" dirty="0">
-                <a:latin typeface="Arial" pitchFamily="-110" charset="0"/>
-                <a:ea typeface="ＭＳ Ｐゴシック" pitchFamily="-110" charset="-128"/>
-                <a:cs typeface="ＭＳ Ｐゴシック" pitchFamily="-110" charset="-128"/>
-              </a:rPr>
-              <a:t>.</a:t>
-            </a:r>
-          </a:p>
-          <a:p>
-            <a:pPr eaLnBrk="1" hangingPunct="1"/>
-            <a:endParaRPr lang="en-US" b="0" dirty="0">
-              <a:latin typeface="Arial" pitchFamily="-110" charset="0"/>
-              <a:ea typeface="ＭＳ Ｐゴシック" pitchFamily="-110" charset="-128"/>
-              <a:cs typeface="ＭＳ Ｐゴシック" pitchFamily="-110" charset="-128"/>
-            </a:endParaRPr>
-          </a:p>
-          <a:p>
-            <a:pPr eaLnBrk="1" hangingPunct="1"/>
-            <a:r>
-              <a:rPr lang="en-US" b="0" dirty="0">
-                <a:latin typeface="Arial" pitchFamily="-110" charset="0"/>
-                <a:ea typeface="ＭＳ Ｐゴシック" pitchFamily="-110" charset="-128"/>
-                <a:cs typeface="ＭＳ Ｐゴシック" pitchFamily="-110" charset="-128"/>
-              </a:rPr>
-              <a:t>2. Sender and receiver must have obtained copies of the secret key in a secure</a:t>
-            </a:r>
-          </a:p>
-          <a:p>
-            <a:pPr eaLnBrk="1" hangingPunct="1"/>
-            <a:r>
-              <a:rPr lang="en-US" b="0" dirty="0">
-                <a:latin typeface="Arial" pitchFamily="-110" charset="0"/>
-                <a:ea typeface="ＭＳ Ｐゴシック" pitchFamily="-110" charset="-128"/>
-                <a:cs typeface="ＭＳ Ｐゴシック" pitchFamily="-110" charset="-128"/>
-              </a:rPr>
-              <a:t>fashion and must keep the key secure. If someone can discover the key and</a:t>
-            </a:r>
-          </a:p>
-          <a:p>
-            <a:pPr eaLnBrk="1" hangingPunct="1"/>
-            <a:r>
-              <a:rPr lang="en-US" b="0" dirty="0">
-                <a:latin typeface="Arial" pitchFamily="-110" charset="0"/>
-                <a:ea typeface="ＭＳ Ｐゴシック" pitchFamily="-110" charset="-128"/>
-                <a:cs typeface="ＭＳ Ｐゴシック" pitchFamily="-110" charset="-128"/>
-              </a:rPr>
-              <a:t>knows the algorithm, all communication using this key is readable.</a:t>
-            </a:r>
-          </a:p>
-          <a:p>
-            <a:pPr eaLnBrk="1" hangingPunct="1"/>
-            <a:endParaRPr lang="en-US" dirty="0">
-              <a:latin typeface="Arial" pitchFamily="-110" charset="0"/>
-              <a:ea typeface="ＭＳ Ｐゴシック" pitchFamily="-110" charset="-128"/>
-              <a:cs typeface="ＭＳ Ｐゴシック" pitchFamily="-110" charset="-128"/>
-            </a:endParaRPr>
-          </a:p>
-          <a:p>
-            <a:pPr eaLnBrk="1" hangingPunct="1"/>
-            <a:endParaRPr lang="en-US" dirty="0">
-              <a:latin typeface="Arial" pitchFamily="-110" charset="0"/>
-              <a:ea typeface="ＭＳ Ｐゴシック" pitchFamily="-110" charset="-128"/>
-              <a:cs typeface="ＭＳ Ｐゴシック" pitchFamily="-110" charset="-128"/>
-            </a:endParaRPr>
-          </a:p>
-        </p:txBody>
-      </p:sp>
-    </p:spTree>
-    <p:extLst>
-      <p:ext uri="{BB962C8B-B14F-4D97-AF65-F5344CB8AC3E}">
-        <p14:creationId xmlns:p14="http://schemas.microsoft.com/office/powerpoint/2010/main" val="4192163540"/>
-      </p:ext>
-    </p:extLst>
-  </p:cSld>
-  <p:clrMapOvr>
-    <a:masterClrMapping/>
-  </p:clrMapOvr>
-</p:notes>
-</file>
-
-<file path=ppt/notesSlides/notesSlide20.xml><?xml version="1.0" encoding="utf-8"?>
+<file path=ppt/notesSlides/notesSlide21.xml><?xml version="1.0" encoding="utf-8"?>
 <p:notes xmlns:a="http://schemas.openxmlformats.org/drawingml/2006/main" xmlns:r="http://schemas.openxmlformats.org/officeDocument/2006/relationships" xmlns:p="http://schemas.openxmlformats.org/presentationml/2006/main">
   <p:cSld>
     <p:spTree>
@@ -30935,7 +31140,7 @@
                 <a:latin typeface="Arial" pitchFamily="-110" charset="0"/>
               </a:rPr>
               <a:pPr/>
-              <a:t>24</a:t>
+              <a:t>28</a:t>
             </a:fld>
             <a:endParaRPr lang="en-AU">
               <a:latin typeface="Arial" pitchFamily="-110" charset="0"/>
@@ -31176,7 +31381,7 @@
 </p:notes>
 </file>
 
-<file path=ppt/notesSlides/notesSlide21.xml><?xml version="1.0" encoding="utf-8"?>
+<file path=ppt/notesSlides/notesSlide22.xml><?xml version="1.0" encoding="utf-8"?>
 <p:notes xmlns:a="http://schemas.openxmlformats.org/drawingml/2006/main" xmlns:r="http://schemas.openxmlformats.org/officeDocument/2006/relationships" xmlns:p="http://schemas.openxmlformats.org/presentationml/2006/main">
   <p:cSld>
     <p:spTree>
@@ -31537,7 +31742,7 @@
                 <a:latin typeface="Arial" pitchFamily="-110" charset="0"/>
               </a:rPr>
               <a:pPr/>
-              <a:t>25</a:t>
+              <a:t>29</a:t>
             </a:fld>
             <a:endParaRPr lang="en-AU">
               <a:latin typeface="Arial" pitchFamily="-110" charset="0"/>
@@ -31558,7 +31763,7 @@
 </p:notes>
 </file>
 
-<file path=ppt/notesSlides/notesSlide22.xml><?xml version="1.0" encoding="utf-8"?>
+<file path=ppt/notesSlides/notesSlide23.xml><?xml version="1.0" encoding="utf-8"?>
 <p:notes xmlns:a="http://schemas.openxmlformats.org/drawingml/2006/main" xmlns:r="http://schemas.openxmlformats.org/officeDocument/2006/relationships" xmlns:p="http://schemas.openxmlformats.org/presentationml/2006/main">
   <p:cSld>
     <p:spTree>
@@ -31597,7 +31802,7 @@
                 <a:latin typeface="Arial" pitchFamily="-110" charset="0"/>
               </a:rPr>
               <a:pPr/>
-              <a:t>26</a:t>
+              <a:t>30</a:t>
             </a:fld>
             <a:endParaRPr lang="en-AU">
               <a:latin typeface="Arial" pitchFamily="-110" charset="0"/>
@@ -32033,7 +32238,7 @@
 </p:notes>
 </file>
 
-<file path=ppt/notesSlides/notesSlide23.xml><?xml version="1.0" encoding="utf-8"?>
+<file path=ppt/notesSlides/notesSlide24.xml><?xml version="1.0" encoding="utf-8"?>
 <p:notes xmlns:a="http://schemas.openxmlformats.org/drawingml/2006/main" xmlns:r="http://schemas.openxmlformats.org/officeDocument/2006/relationships" xmlns:p="http://schemas.openxmlformats.org/presentationml/2006/main">
   <p:cSld>
     <p:spTree>
@@ -32074,7 +32279,7 @@
                 </a:solidFill>
               </a:rPr>
               <a:pPr/>
-              <a:t>27</a:t>
+              <a:t>31</a:t>
             </a:fld>
             <a:endParaRPr lang="en-AU" dirty="0">
               <a:solidFill>
@@ -32154,6 +32359,444 @@
       </p:grpSpPr>
       <p:sp>
         <p:nvSpPr>
+          <p:cNvPr id="20482" name="Rectangle 7"/>
+          <p:cNvSpPr>
+            <a:spLocks noGrp="1" noChangeArrowheads="1"/>
+          </p:cNvSpPr>
+          <p:nvPr>
+            <p:ph type="sldNum" sz="quarter" idx="5"/>
+          </p:nvPr>
+        </p:nvSpPr>
+        <p:spPr>
+          <a:noFill/>
+        </p:spPr>
+        <p:txBody>
+          <a:bodyPr/>
+          <a:lstStyle/>
+          <a:p>
+            <a:fld id="{6C7AC41B-982D-2740-975B-CBC1E41F9A36}" type="slidenum">
+              <a:rPr lang="en-AU">
+                <a:latin typeface="Arial" pitchFamily="-110" charset="0"/>
+              </a:rPr>
+              <a:pPr/>
+              <a:t>7</a:t>
+            </a:fld>
+            <a:endParaRPr lang="en-AU">
+              <a:latin typeface="Arial" pitchFamily="-110" charset="0"/>
+            </a:endParaRPr>
+          </a:p>
+        </p:txBody>
+      </p:sp>
+      <p:sp>
+        <p:nvSpPr>
+          <p:cNvPr id="20483" name="Rectangle 2"/>
+          <p:cNvSpPr>
+            <a:spLocks noGrp="1" noRot="1" noChangeAspect="1" noChangeArrowheads="1" noTextEdit="1"/>
+          </p:cNvSpPr>
+          <p:nvPr>
+            <p:ph type="sldImg"/>
+          </p:nvPr>
+        </p:nvSpPr>
+        <p:spPr>
+          <a:ln/>
+        </p:spPr>
+      </p:sp>
+      <p:sp>
+        <p:nvSpPr>
+          <p:cNvPr id="20484" name="Rectangle 3"/>
+          <p:cNvSpPr>
+            <a:spLocks noGrp="1" noChangeArrowheads="1"/>
+          </p:cNvSpPr>
+          <p:nvPr>
+            <p:ph type="body" idx="1"/>
+          </p:nvPr>
+        </p:nvSpPr>
+        <p:spPr>
+          <a:noFill/>
+          <a:ln/>
+        </p:spPr>
+        <p:txBody>
+          <a:bodyPr/>
+          <a:lstStyle/>
+          <a:p>
+            <a:pPr eaLnBrk="1" hangingPunct="1"/>
+            <a:r>
+              <a:rPr lang="en-US" b="0" dirty="0">
+                <a:latin typeface="Arial" pitchFamily="-110" charset="0"/>
+                <a:ea typeface="ＭＳ Ｐゴシック" pitchFamily="-110" charset="-128"/>
+                <a:cs typeface="ＭＳ Ｐゴシック" pitchFamily="-110" charset="-128"/>
+              </a:rPr>
+              <a:t>The universal technique for providing confidentiality for transmitted or stored</a:t>
+            </a:r>
+          </a:p>
+          <a:p>
+            <a:pPr eaLnBrk="1" hangingPunct="1"/>
+            <a:r>
+              <a:rPr lang="en-US" b="0" dirty="0">
+                <a:latin typeface="Arial" pitchFamily="-110" charset="0"/>
+                <a:ea typeface="ＭＳ Ｐゴシック" pitchFamily="-110" charset="-128"/>
+                <a:cs typeface="ＭＳ Ｐゴシック" pitchFamily="-110" charset="-128"/>
+              </a:rPr>
+              <a:t>data is symmetric encryption.</a:t>
+            </a:r>
+          </a:p>
+          <a:p>
+            <a:pPr eaLnBrk="1" hangingPunct="1"/>
+            <a:r>
+              <a:rPr lang="en-US" b="0" dirty="0">
+                <a:latin typeface="Arial" pitchFamily="-110" charset="0"/>
+                <a:ea typeface="ＭＳ Ｐゴシック" pitchFamily="-110" charset="-128"/>
+                <a:cs typeface="ＭＳ Ｐゴシック" pitchFamily="-110" charset="-128"/>
+              </a:rPr>
+              <a:t>This section introduces the basic concept of symmetric encryption. This is followed by an overview of the two most important symmetric encryption algorithms: the Data Encryption Standard (DES) and the Advanced Encryption Standard (AES), which are block encryption algorithms. Finally, this section introduces the concept of symmetric stream encryption algorithms.</a:t>
+            </a:r>
+          </a:p>
+          <a:p>
+            <a:pPr eaLnBrk="1" hangingPunct="1"/>
+            <a:endParaRPr lang="en-US" b="0" dirty="0">
+              <a:latin typeface="Arial" pitchFamily="-110" charset="0"/>
+              <a:ea typeface="ＭＳ Ｐゴシック" pitchFamily="-110" charset="-128"/>
+              <a:cs typeface="ＭＳ Ｐゴシック" pitchFamily="-110" charset="-128"/>
+            </a:endParaRPr>
+          </a:p>
+          <a:p>
+            <a:pPr eaLnBrk="1" hangingPunct="1"/>
+            <a:r>
+              <a:rPr lang="en-US" b="0" dirty="0">
+                <a:latin typeface="Arial" pitchFamily="-110" charset="0"/>
+                <a:ea typeface="ＭＳ Ｐゴシック" pitchFamily="-110" charset="-128"/>
+                <a:cs typeface="ＭＳ Ｐゴシック" pitchFamily="-110" charset="-128"/>
+              </a:rPr>
+              <a:t>Symmetric encryption, also referred to as conventional encryption or single-key</a:t>
+            </a:r>
+          </a:p>
+          <a:p>
+            <a:pPr eaLnBrk="1" hangingPunct="1"/>
+            <a:r>
+              <a:rPr lang="en-US" b="0" dirty="0">
+                <a:latin typeface="Arial" pitchFamily="-110" charset="0"/>
+                <a:ea typeface="ＭＳ Ｐゴシック" pitchFamily="-110" charset="-128"/>
+                <a:cs typeface="ＭＳ Ｐゴシック" pitchFamily="-110" charset="-128"/>
+              </a:rPr>
+              <a:t>encryption, was the only type of encryption in use prior to the introduction of public-key</a:t>
+            </a:r>
+          </a:p>
+          <a:p>
+            <a:pPr eaLnBrk="1" hangingPunct="1"/>
+            <a:r>
+              <a:rPr lang="en-US" b="0" dirty="0">
+                <a:latin typeface="Arial" pitchFamily="-110" charset="0"/>
+                <a:ea typeface="ＭＳ Ｐゴシック" pitchFamily="-110" charset="-128"/>
+                <a:cs typeface="ＭＳ Ｐゴシック" pitchFamily="-110" charset="-128"/>
+              </a:rPr>
+              <a:t>encryption in the late 1970s. Countless individuals and groups, from Julius Caesar to the</a:t>
+            </a:r>
+          </a:p>
+          <a:p>
+            <a:pPr eaLnBrk="1" hangingPunct="1"/>
+            <a:r>
+              <a:rPr lang="en-US" b="0" dirty="0">
+                <a:latin typeface="Arial" pitchFamily="-110" charset="0"/>
+                <a:ea typeface="ＭＳ Ｐゴシック" pitchFamily="-110" charset="-128"/>
+                <a:cs typeface="ＭＳ Ｐゴシック" pitchFamily="-110" charset="-128"/>
+              </a:rPr>
+              <a:t>German U-boat force to present-day diplomatic, military, and commercial users, have</a:t>
+            </a:r>
+          </a:p>
+          <a:p>
+            <a:pPr eaLnBrk="1" hangingPunct="1"/>
+            <a:r>
+              <a:rPr lang="en-US" b="0" dirty="0">
+                <a:latin typeface="Arial" pitchFamily="-110" charset="0"/>
+                <a:ea typeface="ＭＳ Ｐゴシック" pitchFamily="-110" charset="-128"/>
+                <a:cs typeface="ＭＳ Ｐゴシック" pitchFamily="-110" charset="-128"/>
+              </a:rPr>
+              <a:t>used symmetric encryption for secret communication. It remains the more widely used</a:t>
+            </a:r>
+          </a:p>
+          <a:p>
+            <a:pPr eaLnBrk="1" hangingPunct="1"/>
+            <a:r>
+              <a:rPr lang="en-US" b="0" dirty="0">
+                <a:latin typeface="Arial" pitchFamily="-110" charset="0"/>
+                <a:ea typeface="ＭＳ Ｐゴシック" pitchFamily="-110" charset="-128"/>
+                <a:cs typeface="ＭＳ Ｐゴシック" pitchFamily="-110" charset="-128"/>
+              </a:rPr>
+              <a:t>of the two types of encryption.</a:t>
+            </a:r>
+          </a:p>
+          <a:p>
+            <a:pPr eaLnBrk="1" hangingPunct="1"/>
+            <a:endParaRPr lang="en-US" b="0" dirty="0">
+              <a:latin typeface="Arial" pitchFamily="-110" charset="0"/>
+              <a:ea typeface="ＭＳ Ｐゴシック" pitchFamily="-110" charset="-128"/>
+              <a:cs typeface="ＭＳ Ｐゴシック" pitchFamily="-110" charset="-128"/>
+            </a:endParaRPr>
+          </a:p>
+          <a:p>
+            <a:pPr eaLnBrk="1" hangingPunct="1"/>
+            <a:r>
+              <a:rPr lang="en-US" b="0" dirty="0">
+                <a:latin typeface="Arial" pitchFamily="-110" charset="0"/>
+                <a:ea typeface="ＭＳ Ｐゴシック" pitchFamily="-110" charset="-128"/>
+                <a:cs typeface="ＭＳ Ｐゴシック" pitchFamily="-110" charset="-128"/>
+              </a:rPr>
+              <a:t>There are two requirements for secure use of symmetric encryption:</a:t>
+            </a:r>
+          </a:p>
+          <a:p>
+            <a:pPr eaLnBrk="1" hangingPunct="1"/>
+            <a:endParaRPr lang="en-US" b="0" dirty="0">
+              <a:latin typeface="Arial" pitchFamily="-110" charset="0"/>
+              <a:ea typeface="ＭＳ Ｐゴシック" pitchFamily="-110" charset="-128"/>
+              <a:cs typeface="ＭＳ Ｐゴシック" pitchFamily="-110" charset="-128"/>
+            </a:endParaRPr>
+          </a:p>
+          <a:p>
+            <a:pPr eaLnBrk="1" hangingPunct="1"/>
+            <a:r>
+              <a:rPr lang="en-US" b="0" dirty="0">
+                <a:latin typeface="Arial" pitchFamily="-110" charset="0"/>
+                <a:ea typeface="ＭＳ Ｐゴシック" pitchFamily="-110" charset="-128"/>
+                <a:cs typeface="ＭＳ Ｐゴシック" pitchFamily="-110" charset="-128"/>
+              </a:rPr>
+              <a:t>1. We need a strong encryption algorithm. At a minimum, we would like the</a:t>
+            </a:r>
+          </a:p>
+          <a:p>
+            <a:pPr eaLnBrk="1" hangingPunct="1"/>
+            <a:r>
+              <a:rPr lang="en-US" b="0" dirty="0">
+                <a:latin typeface="Arial" pitchFamily="-110" charset="0"/>
+                <a:ea typeface="ＭＳ Ｐゴシック" pitchFamily="-110" charset="-128"/>
+                <a:cs typeface="ＭＳ Ｐゴシック" pitchFamily="-110" charset="-128"/>
+              </a:rPr>
+              <a:t>algorithm to be such that an opponent who knows the algorithm and has</a:t>
+            </a:r>
+          </a:p>
+          <a:p>
+            <a:pPr eaLnBrk="1" hangingPunct="1"/>
+            <a:r>
+              <a:rPr lang="en-US" b="0" dirty="0">
+                <a:latin typeface="Arial" pitchFamily="-110" charset="0"/>
+                <a:ea typeface="ＭＳ Ｐゴシック" pitchFamily="-110" charset="-128"/>
+                <a:cs typeface="ＭＳ Ｐゴシック" pitchFamily="-110" charset="-128"/>
+              </a:rPr>
+              <a:t>access to one or more </a:t>
+            </a:r>
+            <a:r>
+              <a:rPr lang="en-US" b="0" dirty="0" err="1">
+                <a:latin typeface="Arial" pitchFamily="-110" charset="0"/>
+                <a:ea typeface="ＭＳ Ｐゴシック" pitchFamily="-110" charset="-128"/>
+                <a:cs typeface="ＭＳ Ｐゴシック" pitchFamily="-110" charset="-128"/>
+              </a:rPr>
+              <a:t>ciphertexts</a:t>
+            </a:r>
+            <a:r>
+              <a:rPr lang="en-US" b="0" dirty="0">
+                <a:latin typeface="Arial" pitchFamily="-110" charset="0"/>
+                <a:ea typeface="ＭＳ Ｐゴシック" pitchFamily="-110" charset="-128"/>
+                <a:cs typeface="ＭＳ Ｐゴシック" pitchFamily="-110" charset="-128"/>
+              </a:rPr>
+              <a:t> would be unable to decipher the </a:t>
+            </a:r>
+            <a:r>
+              <a:rPr lang="en-US" b="0" dirty="0" err="1">
+                <a:latin typeface="Arial" pitchFamily="-110" charset="0"/>
+                <a:ea typeface="ＭＳ Ｐゴシック" pitchFamily="-110" charset="-128"/>
+                <a:cs typeface="ＭＳ Ｐゴシック" pitchFamily="-110" charset="-128"/>
+              </a:rPr>
+              <a:t>ciphertext</a:t>
+            </a:r>
+            <a:endParaRPr lang="en-US" b="0" dirty="0">
+              <a:latin typeface="Arial" pitchFamily="-110" charset="0"/>
+              <a:ea typeface="ＭＳ Ｐゴシック" pitchFamily="-110" charset="-128"/>
+              <a:cs typeface="ＭＳ Ｐゴシック" pitchFamily="-110" charset="-128"/>
+            </a:endParaRPr>
+          </a:p>
+          <a:p>
+            <a:pPr eaLnBrk="1" hangingPunct="1"/>
+            <a:r>
+              <a:rPr lang="en-US" b="0" dirty="0">
+                <a:latin typeface="Arial" pitchFamily="-110" charset="0"/>
+                <a:ea typeface="ＭＳ Ｐゴシック" pitchFamily="-110" charset="-128"/>
+                <a:cs typeface="ＭＳ Ｐゴシック" pitchFamily="-110" charset="-128"/>
+              </a:rPr>
+              <a:t>or figure out the key. This requirement is usually stated in a stronger form:</a:t>
+            </a:r>
+          </a:p>
+          <a:p>
+            <a:pPr eaLnBrk="1" hangingPunct="1"/>
+            <a:r>
+              <a:rPr lang="en-US" b="0" dirty="0">
+                <a:latin typeface="Arial" pitchFamily="-110" charset="0"/>
+                <a:ea typeface="ＭＳ Ｐゴシック" pitchFamily="-110" charset="-128"/>
+                <a:cs typeface="ＭＳ Ｐゴシック" pitchFamily="-110" charset="-128"/>
+              </a:rPr>
+              <a:t>The opponent should be unable to decrypt </a:t>
+            </a:r>
+            <a:r>
+              <a:rPr lang="en-US" b="0" dirty="0" err="1">
+                <a:latin typeface="Arial" pitchFamily="-110" charset="0"/>
+                <a:ea typeface="ＭＳ Ｐゴシック" pitchFamily="-110" charset="-128"/>
+                <a:cs typeface="ＭＳ Ｐゴシック" pitchFamily="-110" charset="-128"/>
+              </a:rPr>
+              <a:t>ciphertext</a:t>
+            </a:r>
+            <a:r>
+              <a:rPr lang="en-US" b="0" dirty="0">
+                <a:latin typeface="Arial" pitchFamily="-110" charset="0"/>
+                <a:ea typeface="ＭＳ Ｐゴシック" pitchFamily="-110" charset="-128"/>
+                <a:cs typeface="ＭＳ Ｐゴシック" pitchFamily="-110" charset="-128"/>
+              </a:rPr>
+              <a:t> or discover the key even</a:t>
+            </a:r>
+          </a:p>
+          <a:p>
+            <a:pPr eaLnBrk="1" hangingPunct="1"/>
+            <a:r>
+              <a:rPr lang="en-US" b="0" dirty="0">
+                <a:latin typeface="Arial" pitchFamily="-110" charset="0"/>
+                <a:ea typeface="ＭＳ Ｐゴシック" pitchFamily="-110" charset="-128"/>
+                <a:cs typeface="ＭＳ Ｐゴシック" pitchFamily="-110" charset="-128"/>
+              </a:rPr>
+              <a:t>if he or she is in possession of a number of </a:t>
+            </a:r>
+            <a:r>
+              <a:rPr lang="en-US" b="0" dirty="0" err="1">
+                <a:latin typeface="Arial" pitchFamily="-110" charset="0"/>
+                <a:ea typeface="ＭＳ Ｐゴシック" pitchFamily="-110" charset="-128"/>
+                <a:cs typeface="ＭＳ Ｐゴシック" pitchFamily="-110" charset="-128"/>
+              </a:rPr>
+              <a:t>ciphertexts</a:t>
+            </a:r>
+            <a:r>
+              <a:rPr lang="en-US" b="0" dirty="0">
+                <a:latin typeface="Arial" pitchFamily="-110" charset="0"/>
+                <a:ea typeface="ＭＳ Ｐゴシック" pitchFamily="-110" charset="-128"/>
+                <a:cs typeface="ＭＳ Ｐゴシック" pitchFamily="-110" charset="-128"/>
+              </a:rPr>
+              <a:t> together with the plaintext</a:t>
+            </a:r>
+          </a:p>
+          <a:p>
+            <a:pPr eaLnBrk="1" hangingPunct="1"/>
+            <a:r>
+              <a:rPr lang="en-US" b="0" dirty="0">
+                <a:latin typeface="Arial" pitchFamily="-110" charset="0"/>
+                <a:ea typeface="ＭＳ Ｐゴシック" pitchFamily="-110" charset="-128"/>
+                <a:cs typeface="ＭＳ Ｐゴシック" pitchFamily="-110" charset="-128"/>
+              </a:rPr>
+              <a:t>that produced each </a:t>
+            </a:r>
+            <a:r>
+              <a:rPr lang="en-US" b="0" dirty="0" err="1">
+                <a:latin typeface="Arial" pitchFamily="-110" charset="0"/>
+                <a:ea typeface="ＭＳ Ｐゴシック" pitchFamily="-110" charset="-128"/>
+                <a:cs typeface="ＭＳ Ｐゴシック" pitchFamily="-110" charset="-128"/>
+              </a:rPr>
+              <a:t>ciphertext</a:t>
+            </a:r>
+            <a:r>
+              <a:rPr lang="en-US" b="0" dirty="0">
+                <a:latin typeface="Arial" pitchFamily="-110" charset="0"/>
+                <a:ea typeface="ＭＳ Ｐゴシック" pitchFamily="-110" charset="-128"/>
+                <a:cs typeface="ＭＳ Ｐゴシック" pitchFamily="-110" charset="-128"/>
+              </a:rPr>
+              <a:t>.</a:t>
+            </a:r>
+          </a:p>
+          <a:p>
+            <a:pPr eaLnBrk="1" hangingPunct="1"/>
+            <a:endParaRPr lang="en-US" b="0" dirty="0">
+              <a:latin typeface="Arial" pitchFamily="-110" charset="0"/>
+              <a:ea typeface="ＭＳ Ｐゴシック" pitchFamily="-110" charset="-128"/>
+              <a:cs typeface="ＭＳ Ｐゴシック" pitchFamily="-110" charset="-128"/>
+            </a:endParaRPr>
+          </a:p>
+          <a:p>
+            <a:pPr eaLnBrk="1" hangingPunct="1"/>
+            <a:r>
+              <a:rPr lang="en-US" b="0" dirty="0">
+                <a:latin typeface="Arial" pitchFamily="-110" charset="0"/>
+                <a:ea typeface="ＭＳ Ｐゴシック" pitchFamily="-110" charset="-128"/>
+                <a:cs typeface="ＭＳ Ｐゴシック" pitchFamily="-110" charset="-128"/>
+              </a:rPr>
+              <a:t>2. Sender and receiver must have obtained copies of the secret key in a secure</a:t>
+            </a:r>
+          </a:p>
+          <a:p>
+            <a:pPr eaLnBrk="1" hangingPunct="1"/>
+            <a:r>
+              <a:rPr lang="en-US" b="0" dirty="0">
+                <a:latin typeface="Arial" pitchFamily="-110" charset="0"/>
+                <a:ea typeface="ＭＳ Ｐゴシック" pitchFamily="-110" charset="-128"/>
+                <a:cs typeface="ＭＳ Ｐゴシック" pitchFamily="-110" charset="-128"/>
+              </a:rPr>
+              <a:t>fashion and must keep the key secure. If someone can discover the key and</a:t>
+            </a:r>
+          </a:p>
+          <a:p>
+            <a:pPr eaLnBrk="1" hangingPunct="1"/>
+            <a:r>
+              <a:rPr lang="en-US" b="0" dirty="0">
+                <a:latin typeface="Arial" pitchFamily="-110" charset="0"/>
+                <a:ea typeface="ＭＳ Ｐゴシック" pitchFamily="-110" charset="-128"/>
+                <a:cs typeface="ＭＳ Ｐゴシック" pitchFamily="-110" charset="-128"/>
+              </a:rPr>
+              <a:t>knows the algorithm, all communication using this key is readable.</a:t>
+            </a:r>
+          </a:p>
+          <a:p>
+            <a:pPr eaLnBrk="1" hangingPunct="1"/>
+            <a:endParaRPr lang="en-US" dirty="0">
+              <a:latin typeface="Arial" pitchFamily="-110" charset="0"/>
+              <a:ea typeface="ＭＳ Ｐゴシック" pitchFamily="-110" charset="-128"/>
+              <a:cs typeface="ＭＳ Ｐゴシック" pitchFamily="-110" charset="-128"/>
+            </a:endParaRPr>
+          </a:p>
+          <a:p>
+            <a:pPr eaLnBrk="1" hangingPunct="1"/>
+            <a:endParaRPr lang="en-US" dirty="0">
+              <a:latin typeface="Arial" pitchFamily="-110" charset="0"/>
+              <a:ea typeface="ＭＳ Ｐゴシック" pitchFamily="-110" charset="-128"/>
+              <a:cs typeface="ＭＳ Ｐゴシック" pitchFamily="-110" charset="-128"/>
+            </a:endParaRPr>
+          </a:p>
+        </p:txBody>
+      </p:sp>
+    </p:spTree>
+    <p:extLst>
+      <p:ext uri="{BB962C8B-B14F-4D97-AF65-F5344CB8AC3E}">
+        <p14:creationId xmlns:p14="http://schemas.microsoft.com/office/powerpoint/2010/main" val="4192163540"/>
+      </p:ext>
+    </p:extLst>
+  </p:cSld>
+  <p:clrMapOvr>
+    <a:masterClrMapping/>
+  </p:clrMapOvr>
+</p:notes>
+</file>
+
+<file path=ppt/notesSlides/notesSlide4.xml><?xml version="1.0" encoding="utf-8"?>
+<p:notes xmlns:a="http://schemas.openxmlformats.org/drawingml/2006/main" xmlns:r="http://schemas.openxmlformats.org/officeDocument/2006/relationships" xmlns:p="http://schemas.openxmlformats.org/presentationml/2006/main">
+  <p:cSld>
+    <p:spTree>
+      <p:nvGrpSpPr>
+        <p:cNvPr id="1" name=""/>
+        <p:cNvGrpSpPr/>
+        <p:nvPr/>
+      </p:nvGrpSpPr>
+      <p:grpSpPr>
+        <a:xfrm>
+          <a:off x="0" y="0"/>
+          <a:ext cx="0" cy="0"/>
+          <a:chOff x="0" y="0"/>
+          <a:chExt cx="0" cy="0"/>
+        </a:xfrm>
+      </p:grpSpPr>
+      <p:sp>
+        <p:nvSpPr>
           <p:cNvPr id="24578" name="Rectangle 7"/>
           <p:cNvSpPr>
             <a:spLocks noGrp="1" noChangeArrowheads="1"/>
@@ -32174,7 +32817,7 @@
                 <a:latin typeface="Arial" pitchFamily="-110" charset="0"/>
               </a:rPr>
               <a:pPr/>
-              <a:t>4</a:t>
+              <a:t>8</a:t>
             </a:fld>
             <a:endParaRPr lang="en-AU">
               <a:latin typeface="Arial" pitchFamily="-110" charset="0"/>
@@ -32394,7 +33037,7 @@
 </p:notes>
 </file>
 
-<file path=ppt/notesSlides/notesSlide4.xml><?xml version="1.0" encoding="utf-8"?>
+<file path=ppt/notesSlides/notesSlide5.xml><?xml version="1.0" encoding="utf-8"?>
 <p:notes xmlns:a="http://schemas.openxmlformats.org/drawingml/2006/main" xmlns:r="http://schemas.openxmlformats.org/officeDocument/2006/relationships" xmlns:p="http://schemas.openxmlformats.org/presentationml/2006/main">
   <p:cSld>
     <p:spTree>
@@ -32638,7 +33281,7 @@
                 <a:latin typeface="Arial" pitchFamily="-110" charset="0"/>
               </a:rPr>
               <a:pPr/>
-              <a:t>5</a:t>
+              <a:t>9</a:t>
             </a:fld>
             <a:endParaRPr lang="en-AU">
               <a:latin typeface="Arial" pitchFamily="-110" charset="0"/>
@@ -32650,580 +33293,6 @@
     <p:extLst>
       <p:ext uri="{BB962C8B-B14F-4D97-AF65-F5344CB8AC3E}">
         <p14:creationId xmlns:p14="http://schemas.microsoft.com/office/powerpoint/2010/main" val="1788021439"/>
-      </p:ext>
-    </p:extLst>
-  </p:cSld>
-  <p:clrMapOvr>
-    <a:masterClrMapping/>
-  </p:clrMapOvr>
-</p:notes>
-</file>
-
-<file path=ppt/notesSlides/notesSlide5.xml><?xml version="1.0" encoding="utf-8"?>
-<p:notes xmlns:a="http://schemas.openxmlformats.org/drawingml/2006/main" xmlns:r="http://schemas.openxmlformats.org/officeDocument/2006/relationships" xmlns:p="http://schemas.openxmlformats.org/presentationml/2006/main">
-  <p:cSld>
-    <p:spTree>
-      <p:nvGrpSpPr>
-        <p:cNvPr id="1" name=""/>
-        <p:cNvGrpSpPr/>
-        <p:nvPr/>
-      </p:nvGrpSpPr>
-      <p:grpSpPr>
-        <a:xfrm>
-          <a:off x="0" y="0"/>
-          <a:ext cx="0" cy="0"/>
-          <a:chOff x="0" y="0"/>
-          <a:chExt cx="0" cy="0"/>
-        </a:xfrm>
-      </p:grpSpPr>
-      <p:sp>
-        <p:nvSpPr>
-          <p:cNvPr id="38914" name="Slide Image Placeholder 1"/>
-          <p:cNvSpPr>
-            <a:spLocks noGrp="1" noRot="1" noChangeAspect="1"/>
-          </p:cNvSpPr>
-          <p:nvPr>
-            <p:ph type="sldImg"/>
-          </p:nvPr>
-        </p:nvSpPr>
-        <p:spPr>
-          <a:ln/>
-        </p:spPr>
-      </p:sp>
-      <p:sp>
-        <p:nvSpPr>
-          <p:cNvPr id="3" name="Notes Placeholder 2"/>
-          <p:cNvSpPr>
-            <a:spLocks noGrp="1"/>
-          </p:cNvSpPr>
-          <p:nvPr>
-            <p:ph type="body" idx="1"/>
-          </p:nvPr>
-        </p:nvSpPr>
-        <p:spPr/>
-        <p:txBody>
-          <a:bodyPr>
-            <a:normAutofit fontScale="70000" lnSpcReduction="20000"/>
-          </a:bodyPr>
-          <a:lstStyle/>
-          <a:p>
-            <a:pPr>
-              <a:defRPr/>
-            </a:pPr>
-            <a:r>
-              <a:rPr lang="en-US" dirty="0"/>
-              <a:t>Typically, symmetric encryption is applied to a</a:t>
-            </a:r>
-          </a:p>
-          <a:p>
-            <a:pPr>
-              <a:defRPr/>
-            </a:pPr>
-            <a:r>
-              <a:rPr lang="en-US" dirty="0"/>
-              <a:t>unit of data larger than a single 64-bit or 128-bit block. E-mail messages, network</a:t>
-            </a:r>
-          </a:p>
-          <a:p>
-            <a:pPr>
-              <a:defRPr/>
-            </a:pPr>
-            <a:r>
-              <a:rPr lang="en-US" dirty="0"/>
-              <a:t>packets, database records, and other plaintext sources must be broken up into a</a:t>
-            </a:r>
-          </a:p>
-          <a:p>
-            <a:pPr>
-              <a:defRPr/>
-            </a:pPr>
-            <a:r>
-              <a:rPr lang="en-US" dirty="0"/>
-              <a:t>series of fixed-length block for encryption by a symmetric block cipher. The simplest</a:t>
-            </a:r>
-          </a:p>
-          <a:p>
-            <a:pPr>
-              <a:defRPr/>
-            </a:pPr>
-            <a:r>
-              <a:rPr lang="en-US" dirty="0"/>
-              <a:t>approach to multiple-block encryption is known as electronic codebook (ECB)</a:t>
-            </a:r>
-          </a:p>
-          <a:p>
-            <a:pPr>
-              <a:defRPr/>
-            </a:pPr>
-            <a:r>
-              <a:rPr lang="en-US" dirty="0"/>
-              <a:t>mode, in which plaintext is handled </a:t>
-            </a:r>
-            <a:r>
-              <a:rPr lang="en-US" i="1" dirty="0" err="1"/>
-              <a:t>b</a:t>
-            </a:r>
-            <a:r>
-              <a:rPr lang="en-US" i="1" dirty="0"/>
-              <a:t> bits at a time and each block of plaintext is</a:t>
-            </a:r>
-          </a:p>
-          <a:p>
-            <a:pPr>
-              <a:defRPr/>
-            </a:pPr>
-            <a:r>
-              <a:rPr lang="en-US" dirty="0"/>
-              <a:t>encrypted using the same key. Typically </a:t>
-            </a:r>
-            <a:r>
-              <a:rPr lang="en-US" i="1" dirty="0"/>
-              <a:t>b =64 or b =128</a:t>
-            </a:r>
-            <a:endParaRPr lang="en-US" dirty="0"/>
-          </a:p>
-          <a:p>
-            <a:pPr>
-              <a:defRPr/>
-            </a:pPr>
-            <a:endParaRPr lang="en-US" dirty="0"/>
-          </a:p>
-          <a:p>
-            <a:pPr>
-              <a:defRPr/>
-            </a:pPr>
-            <a:r>
-              <a:rPr lang="en-US" dirty="0"/>
-              <a:t>For lengthy messages, the ECB mode may not be secure. A cryptanalyst may</a:t>
-            </a:r>
-          </a:p>
-          <a:p>
-            <a:pPr>
-              <a:defRPr/>
-            </a:pPr>
-            <a:r>
-              <a:rPr lang="en-US" dirty="0"/>
-              <a:t>be able to exploit regularities in the plaintext to ease the task of decryption. For</a:t>
-            </a:r>
-          </a:p>
-          <a:p>
-            <a:pPr>
-              <a:defRPr/>
-            </a:pPr>
-            <a:r>
-              <a:rPr lang="en-US" dirty="0"/>
-              <a:t>example, if it is known that the message always starts out with certain predefined</a:t>
-            </a:r>
-          </a:p>
-          <a:p>
-            <a:pPr>
-              <a:defRPr/>
-            </a:pPr>
-            <a:r>
-              <a:rPr lang="en-US" dirty="0"/>
-              <a:t>fields, then the cryptanalyst may have a number of known plaintext-</a:t>
-            </a:r>
-            <a:r>
-              <a:rPr lang="en-US" dirty="0" err="1"/>
-              <a:t>ciphertext</a:t>
-            </a:r>
-            <a:r>
-              <a:rPr lang="en-US" dirty="0"/>
-              <a:t> pairs</a:t>
-            </a:r>
-          </a:p>
-          <a:p>
-            <a:pPr>
-              <a:defRPr/>
-            </a:pPr>
-            <a:r>
-              <a:rPr lang="en-US" dirty="0"/>
-              <a:t>to work with.</a:t>
-            </a:r>
-          </a:p>
-          <a:p>
-            <a:pPr>
-              <a:defRPr/>
-            </a:pPr>
-            <a:endParaRPr lang="en-US" dirty="0"/>
-          </a:p>
-          <a:p>
-            <a:pPr>
-              <a:defRPr/>
-            </a:pPr>
-            <a:r>
-              <a:rPr lang="en-US" dirty="0"/>
-              <a:t>To increase the security of symmetric block encryption for large sequences</a:t>
-            </a:r>
-          </a:p>
-          <a:p>
-            <a:pPr>
-              <a:defRPr/>
-            </a:pPr>
-            <a:r>
-              <a:rPr lang="en-US" dirty="0"/>
-              <a:t>of data, a number of alternative techniques have been developed, called </a:t>
-            </a:r>
-            <a:r>
-              <a:rPr lang="en-US" b="1" dirty="0"/>
-              <a:t>modes of</a:t>
-            </a:r>
-          </a:p>
-          <a:p>
-            <a:pPr>
-              <a:defRPr/>
-            </a:pPr>
-            <a:r>
-              <a:rPr lang="en-US" b="1" dirty="0"/>
-              <a:t>operation. </a:t>
-            </a:r>
-            <a:r>
-              <a:rPr lang="en-US" dirty="0"/>
-              <a:t>These modes overcome the weaknesses of ECB; each mode has its own</a:t>
-            </a:r>
-          </a:p>
-          <a:p>
-            <a:r>
-              <a:rPr lang="en-US" dirty="0"/>
-              <a:t>particular advantages. This topic is explored in Chapter 20. </a:t>
-            </a:r>
-            <a:r>
-              <a:rPr lang="en-US" altLang="zh-CN" i="0" dirty="0">
-                <a:latin typeface="Arial" pitchFamily="-110" charset="0"/>
-                <a:ea typeface="ＭＳ Ｐゴシック" pitchFamily="-110" charset="-128"/>
-                <a:cs typeface="ＭＳ Ｐゴシック" pitchFamily="-110" charset="-128"/>
-              </a:rPr>
-              <a:t>Figure 2.2a shows the</a:t>
-            </a:r>
-          </a:p>
-          <a:p>
-            <a:r>
-              <a:rPr lang="en-US" altLang="zh-CN" dirty="0">
-                <a:latin typeface="Arial" pitchFamily="-110" charset="0"/>
-                <a:ea typeface="ＭＳ Ｐゴシック" pitchFamily="-110" charset="-128"/>
-                <a:cs typeface="ＭＳ Ｐゴシック" pitchFamily="-110" charset="-128"/>
-              </a:rPr>
-              <a:t>ECB mode. A plaintext of length </a:t>
-            </a:r>
-            <a:r>
-              <a:rPr lang="en-US" altLang="zh-CN" i="1" dirty="0" err="1">
-                <a:latin typeface="Arial" pitchFamily="-110" charset="0"/>
-                <a:ea typeface="ＭＳ Ｐゴシック" pitchFamily="-110" charset="-128"/>
-                <a:cs typeface="ＭＳ Ｐゴシック" pitchFamily="-110" charset="-128"/>
-              </a:rPr>
-              <a:t>nb</a:t>
-            </a:r>
-            <a:r>
-              <a:rPr lang="en-US" altLang="zh-CN" i="1" dirty="0">
-                <a:latin typeface="Arial" pitchFamily="-110" charset="0"/>
-                <a:ea typeface="ＭＳ Ｐゴシック" pitchFamily="-110" charset="-128"/>
-                <a:cs typeface="ＭＳ Ｐゴシック" pitchFamily="-110" charset="-128"/>
-              </a:rPr>
-              <a:t> is divided into n b-bit blocks (P</a:t>
-            </a:r>
-            <a:r>
-              <a:rPr lang="en-US" altLang="zh-CN" i="1" baseline="-25000" dirty="0">
-                <a:latin typeface="Arial" pitchFamily="-110" charset="0"/>
-                <a:ea typeface="ＭＳ Ｐゴシック" pitchFamily="-110" charset="-128"/>
-                <a:cs typeface="ＭＳ Ｐゴシック" pitchFamily="-110" charset="-128"/>
-              </a:rPr>
-              <a:t>1</a:t>
-            </a:r>
-            <a:r>
-              <a:rPr lang="en-US" altLang="zh-CN" i="1" dirty="0">
-                <a:latin typeface="Arial" pitchFamily="-110" charset="0"/>
-                <a:ea typeface="ＭＳ Ｐゴシック" pitchFamily="-110" charset="-128"/>
-                <a:cs typeface="ＭＳ Ｐゴシック" pitchFamily="-110" charset="-128"/>
-              </a:rPr>
-              <a:t>, P</a:t>
-            </a:r>
-            <a:r>
-              <a:rPr lang="en-US" altLang="zh-CN" i="1" baseline="-25000" dirty="0">
-                <a:latin typeface="Arial" pitchFamily="-110" charset="0"/>
-                <a:ea typeface="ＭＳ Ｐゴシック" pitchFamily="-110" charset="-128"/>
-                <a:cs typeface="ＭＳ Ｐゴシック" pitchFamily="-110" charset="-128"/>
-              </a:rPr>
-              <a:t>2</a:t>
-            </a:r>
-            <a:r>
-              <a:rPr lang="en-US" altLang="zh-CN" i="1" dirty="0">
-                <a:latin typeface="Arial" pitchFamily="-110" charset="0"/>
-                <a:ea typeface="ＭＳ Ｐゴシック" pitchFamily="-110" charset="-128"/>
-                <a:cs typeface="ＭＳ Ｐゴシック" pitchFamily="-110" charset="-128"/>
-              </a:rPr>
-              <a:t>,….,</a:t>
-            </a:r>
-            <a:r>
-              <a:rPr lang="en-US" altLang="zh-CN" i="1" dirty="0" err="1">
-                <a:latin typeface="Arial" pitchFamily="-110" charset="0"/>
-                <a:ea typeface="ＭＳ Ｐゴシック" pitchFamily="-110" charset="-128"/>
-                <a:cs typeface="ＭＳ Ｐゴシック" pitchFamily="-110" charset="-128"/>
-              </a:rPr>
-              <a:t>P</a:t>
-            </a:r>
-            <a:r>
-              <a:rPr lang="en-US" altLang="zh-CN" i="1" baseline="-25000" dirty="0" err="1">
-                <a:latin typeface="Arial" pitchFamily="-110" charset="0"/>
-                <a:ea typeface="ＭＳ Ｐゴシック" pitchFamily="-110" charset="-128"/>
-                <a:cs typeface="ＭＳ Ｐゴシック" pitchFamily="-110" charset="-128"/>
-              </a:rPr>
-              <a:t>n</a:t>
-            </a:r>
-            <a:r>
-              <a:rPr lang="en-US" altLang="zh-CN" i="1" dirty="0">
-                <a:latin typeface="Arial" pitchFamily="-110" charset="0"/>
-                <a:ea typeface="ＭＳ Ｐゴシック" pitchFamily="-110" charset="-128"/>
-                <a:cs typeface="ＭＳ Ｐゴシック" pitchFamily="-110" charset="-128"/>
-              </a:rPr>
-              <a:t>).</a:t>
-            </a:r>
-          </a:p>
-          <a:p>
-            <a:r>
-              <a:rPr lang="en-US" altLang="zh-CN" dirty="0">
-                <a:latin typeface="Arial" pitchFamily="-110" charset="0"/>
-                <a:ea typeface="ＭＳ Ｐゴシック" pitchFamily="-110" charset="-128"/>
-                <a:cs typeface="ＭＳ Ｐゴシック" pitchFamily="-110" charset="-128"/>
-              </a:rPr>
-              <a:t>Each block is encrypted using the same algorithm and the same encryption key, to</a:t>
-            </a:r>
-          </a:p>
-          <a:p>
-            <a:r>
-              <a:rPr lang="en-US" altLang="zh-CN" dirty="0">
-                <a:latin typeface="Arial" pitchFamily="-110" charset="0"/>
-                <a:ea typeface="ＭＳ Ｐゴシック" pitchFamily="-110" charset="-128"/>
-                <a:cs typeface="ＭＳ Ｐゴシック" pitchFamily="-110" charset="-128"/>
-              </a:rPr>
-              <a:t>produce a sequence of </a:t>
-            </a:r>
-            <a:r>
-              <a:rPr lang="en-US" altLang="zh-CN" i="1" dirty="0">
-                <a:latin typeface="Arial" pitchFamily="-110" charset="0"/>
-                <a:ea typeface="ＭＳ Ｐゴシック" pitchFamily="-110" charset="-128"/>
-                <a:cs typeface="ＭＳ Ｐゴシック" pitchFamily="-110" charset="-128"/>
-              </a:rPr>
-              <a:t>n b-bit blocks of </a:t>
-            </a:r>
-            <a:r>
-              <a:rPr lang="en-US" altLang="zh-CN" i="1" dirty="0" err="1">
-                <a:latin typeface="Arial" pitchFamily="-110" charset="0"/>
-                <a:ea typeface="ＭＳ Ｐゴシック" pitchFamily="-110" charset="-128"/>
-                <a:cs typeface="ＭＳ Ｐゴシック" pitchFamily="-110" charset="-128"/>
-              </a:rPr>
-              <a:t>ciphertext</a:t>
-            </a:r>
-            <a:r>
-              <a:rPr lang="en-US" altLang="zh-CN" i="1" dirty="0">
-                <a:latin typeface="Arial" pitchFamily="-110" charset="0"/>
-                <a:ea typeface="ＭＳ Ｐゴシック" pitchFamily="-110" charset="-128"/>
-                <a:cs typeface="ＭＳ Ｐゴシック" pitchFamily="-110" charset="-128"/>
-              </a:rPr>
-              <a:t> (C</a:t>
-            </a:r>
-            <a:r>
-              <a:rPr lang="en-US" altLang="zh-CN" i="1" baseline="-25000" dirty="0">
-                <a:latin typeface="Arial" pitchFamily="-110" charset="0"/>
-                <a:ea typeface="ＭＳ Ｐゴシック" pitchFamily="-110" charset="-128"/>
-                <a:cs typeface="ＭＳ Ｐゴシック" pitchFamily="-110" charset="-128"/>
-              </a:rPr>
-              <a:t>1</a:t>
-            </a:r>
-            <a:r>
-              <a:rPr lang="en-US" altLang="zh-CN" i="1" dirty="0">
-                <a:latin typeface="Arial" pitchFamily="-110" charset="0"/>
-                <a:ea typeface="ＭＳ Ｐゴシック" pitchFamily="-110" charset="-128"/>
-                <a:cs typeface="ＭＳ Ｐゴシック" pitchFamily="-110" charset="-128"/>
-              </a:rPr>
-              <a:t>, C</a:t>
-            </a:r>
-            <a:r>
-              <a:rPr lang="en-US" altLang="zh-CN" i="1" baseline="-25000" dirty="0">
-                <a:latin typeface="Arial" pitchFamily="-110" charset="0"/>
-                <a:ea typeface="ＭＳ Ｐゴシック" pitchFamily="-110" charset="-128"/>
-                <a:cs typeface="ＭＳ Ｐゴシック" pitchFamily="-110" charset="-128"/>
-              </a:rPr>
-              <a:t>2</a:t>
-            </a:r>
-            <a:r>
-              <a:rPr lang="en-US" altLang="zh-CN" i="1" dirty="0">
-                <a:latin typeface="Arial" pitchFamily="-110" charset="0"/>
-                <a:ea typeface="ＭＳ Ｐゴシック" pitchFamily="-110" charset="-128"/>
-                <a:cs typeface="ＭＳ Ｐゴシック" pitchFamily="-110" charset="-128"/>
-              </a:rPr>
-              <a:t>,….,C</a:t>
-            </a:r>
-            <a:r>
-              <a:rPr lang="en-US" altLang="zh-CN" i="1" baseline="-25000" dirty="0">
-                <a:latin typeface="Arial" pitchFamily="-110" charset="0"/>
-                <a:ea typeface="ＭＳ Ｐゴシック" pitchFamily="-110" charset="-128"/>
-                <a:cs typeface="ＭＳ Ｐゴシック" pitchFamily="-110" charset="-128"/>
-              </a:rPr>
-              <a:t>n</a:t>
-            </a:r>
-            <a:r>
-              <a:rPr lang="en-US" altLang="zh-CN" i="1" dirty="0">
-                <a:latin typeface="Arial" pitchFamily="-110" charset="0"/>
-                <a:ea typeface="ＭＳ Ｐゴシック" pitchFamily="-110" charset="-128"/>
-                <a:cs typeface="ＭＳ Ｐゴシック" pitchFamily="-110" charset="-128"/>
-              </a:rPr>
-              <a:t>).</a:t>
-            </a:r>
-          </a:p>
-          <a:p>
-            <a:endParaRPr lang="en-US" altLang="zh-CN" i="1" dirty="0">
-              <a:latin typeface="Arial" pitchFamily="-110" charset="0"/>
-              <a:ea typeface="ＭＳ Ｐゴシック" pitchFamily="-110" charset="-128"/>
-              <a:cs typeface="ＭＳ Ｐゴシック" pitchFamily="-110" charset="-128"/>
-            </a:endParaRPr>
-          </a:p>
-          <a:p>
-            <a:r>
-              <a:rPr lang="en-US" altLang="zh-CN" dirty="0">
-                <a:latin typeface="Arial" pitchFamily="-110" charset="0"/>
-                <a:ea typeface="ＭＳ Ｐゴシック" pitchFamily="-110" charset="-128"/>
-                <a:cs typeface="ＭＳ Ｐゴシック" pitchFamily="-110" charset="-128"/>
-              </a:rPr>
-              <a:t>Figure 2.2b is a representative diagram of stream cipher structure. In this</a:t>
-            </a:r>
-          </a:p>
-          <a:p>
-            <a:r>
-              <a:rPr lang="en-US" altLang="zh-CN" dirty="0">
-                <a:latin typeface="Arial" pitchFamily="-110" charset="0"/>
-                <a:ea typeface="ＭＳ Ｐゴシック" pitchFamily="-110" charset="-128"/>
-                <a:cs typeface="ＭＳ Ｐゴシック" pitchFamily="-110" charset="-128"/>
-              </a:rPr>
-              <a:t>structure a key is input to a pseudorandom bit generator that produces a stream</a:t>
-            </a:r>
-          </a:p>
-          <a:p>
-            <a:r>
-              <a:rPr lang="en-US" altLang="zh-CN" dirty="0">
-                <a:latin typeface="Arial" pitchFamily="-110" charset="0"/>
-                <a:ea typeface="ＭＳ Ｐゴシック" pitchFamily="-110" charset="-128"/>
-                <a:cs typeface="ＭＳ Ｐゴシック" pitchFamily="-110" charset="-128"/>
-              </a:rPr>
-              <a:t>of 8-bit numbers that are apparently random. A pseudorandom stream is one that</a:t>
-            </a:r>
-          </a:p>
-          <a:p>
-            <a:r>
-              <a:rPr lang="en-US" altLang="zh-CN" dirty="0">
-                <a:latin typeface="Arial" pitchFamily="-110" charset="0"/>
-                <a:ea typeface="ＭＳ Ｐゴシック" pitchFamily="-110" charset="-128"/>
-                <a:cs typeface="ＭＳ Ｐゴシック" pitchFamily="-110" charset="-128"/>
-              </a:rPr>
-              <a:t>is unpredictable without knowledge of the input key and which has an apparently</a:t>
-            </a:r>
-          </a:p>
-          <a:p>
-            <a:r>
-              <a:rPr lang="en-US" altLang="zh-CN" dirty="0">
-                <a:latin typeface="Arial" pitchFamily="-110" charset="0"/>
-                <a:ea typeface="ＭＳ Ｐゴシック" pitchFamily="-110" charset="-128"/>
-                <a:cs typeface="ＭＳ Ｐゴシック" pitchFamily="-110" charset="-128"/>
-              </a:rPr>
-              <a:t>random character (see Section 2.5). The output of the generator, called a </a:t>
-            </a:r>
-            <a:r>
-              <a:rPr lang="en-US" altLang="zh-CN" b="1" dirty="0">
-                <a:latin typeface="Arial" pitchFamily="-110" charset="0"/>
-                <a:ea typeface="ＭＳ Ｐゴシック" pitchFamily="-110" charset="-128"/>
-                <a:cs typeface="ＭＳ Ｐゴシック" pitchFamily="-110" charset="-128"/>
-              </a:rPr>
-              <a:t>keystream,</a:t>
-            </a:r>
-          </a:p>
-          <a:p>
-            <a:r>
-              <a:rPr lang="en-US" altLang="zh-CN" dirty="0">
-                <a:latin typeface="Arial" pitchFamily="-110" charset="0"/>
-                <a:ea typeface="ＭＳ Ｐゴシック" pitchFamily="-110" charset="-128"/>
-                <a:cs typeface="ＭＳ Ｐゴシック" pitchFamily="-110" charset="-128"/>
-              </a:rPr>
-              <a:t>is combined one byte at a time with the plaintext stream using the bitwise exclusive-</a:t>
-            </a:r>
-          </a:p>
-          <a:p>
-            <a:r>
-              <a:rPr lang="en-US" altLang="zh-CN" dirty="0">
-                <a:latin typeface="Arial" pitchFamily="-110" charset="0"/>
-                <a:ea typeface="ＭＳ Ｐゴシック" pitchFamily="-110" charset="-128"/>
-                <a:cs typeface="ＭＳ Ｐゴシック" pitchFamily="-110" charset="-128"/>
-              </a:rPr>
-              <a:t>OR (XOR) operation.</a:t>
-            </a:r>
-            <a:endParaRPr lang="en-US" altLang="zh-CN" i="1" dirty="0">
-              <a:latin typeface="Arial" pitchFamily="-110" charset="0"/>
-              <a:ea typeface="ＭＳ Ｐゴシック" pitchFamily="-110" charset="-128"/>
-              <a:cs typeface="ＭＳ Ｐゴシック" pitchFamily="-110" charset="-128"/>
-            </a:endParaRPr>
-          </a:p>
-          <a:p>
-            <a:endParaRPr lang="en-US" altLang="zh-CN" i="1" dirty="0">
-              <a:latin typeface="Arial" pitchFamily="-110" charset="0"/>
-              <a:ea typeface="ＭＳ Ｐゴシック" pitchFamily="-110" charset="-128"/>
-              <a:cs typeface="ＭＳ Ｐゴシック" pitchFamily="-110" charset="-128"/>
-            </a:endParaRPr>
-          </a:p>
-          <a:p>
-            <a:endParaRPr lang="en-US" altLang="zh-CN" dirty="0">
-              <a:latin typeface="Arial" pitchFamily="-110" charset="0"/>
-              <a:ea typeface="ＭＳ Ｐゴシック" pitchFamily="-110" charset="-128"/>
-              <a:cs typeface="ＭＳ Ｐゴシック" pitchFamily="-110" charset="-128"/>
-            </a:endParaRPr>
-          </a:p>
-          <a:p>
-            <a:pPr eaLnBrk="1" hangingPunct="1"/>
-            <a:endParaRPr lang="en-US" altLang="zh-CN" dirty="0">
-              <a:latin typeface="Times New Roman" pitchFamily="-110" charset="0"/>
-              <a:ea typeface="ＭＳ Ｐゴシック" pitchFamily="-110" charset="-128"/>
-              <a:cs typeface="ＭＳ Ｐゴシック" pitchFamily="-110" charset="-128"/>
-            </a:endParaRPr>
-          </a:p>
-          <a:p>
-            <a:pPr>
-              <a:defRPr/>
-            </a:pPr>
-            <a:endParaRPr lang="en-US" dirty="0"/>
-          </a:p>
-        </p:txBody>
-      </p:sp>
-      <p:sp>
-        <p:nvSpPr>
-          <p:cNvPr id="38916" name="Slide Number Placeholder 3"/>
-          <p:cNvSpPr>
-            <a:spLocks noGrp="1"/>
-          </p:cNvSpPr>
-          <p:nvPr>
-            <p:ph type="sldNum" sz="quarter" idx="5"/>
-          </p:nvPr>
-        </p:nvSpPr>
-        <p:spPr>
-          <a:noFill/>
-        </p:spPr>
-        <p:txBody>
-          <a:bodyPr/>
-          <a:lstStyle/>
-          <a:p>
-            <a:fld id="{F53386E0-290C-8A40-901F-50999F697ABC}" type="slidenum">
-              <a:rPr lang="en-AU" smtClean="0">
-                <a:latin typeface="Arial" pitchFamily="-110" charset="0"/>
-              </a:rPr>
-              <a:pPr/>
-              <a:t>6</a:t>
-            </a:fld>
-            <a:endParaRPr lang="en-AU">
-              <a:latin typeface="Arial" pitchFamily="-110" charset="0"/>
-            </a:endParaRPr>
-          </a:p>
-        </p:txBody>
-      </p:sp>
-    </p:spTree>
-    <p:extLst>
-      <p:ext uri="{BB962C8B-B14F-4D97-AF65-F5344CB8AC3E}">
-        <p14:creationId xmlns:p14="http://schemas.microsoft.com/office/powerpoint/2010/main" val="2911986505"/>
       </p:ext>
     </p:extLst>
   </p:cSld>
@@ -33786,7 +33855,581 @@
                 <a:latin typeface="Arial" pitchFamily="-110" charset="0"/>
               </a:rPr>
               <a:pPr/>
-              <a:t>7</a:t>
+              <a:t>10</a:t>
+            </a:fld>
+            <a:endParaRPr lang="en-AU">
+              <a:latin typeface="Arial" pitchFamily="-110" charset="0"/>
+            </a:endParaRPr>
+          </a:p>
+        </p:txBody>
+      </p:sp>
+    </p:spTree>
+    <p:extLst>
+      <p:ext uri="{BB962C8B-B14F-4D97-AF65-F5344CB8AC3E}">
+        <p14:creationId xmlns:p14="http://schemas.microsoft.com/office/powerpoint/2010/main" val="2911986505"/>
+      </p:ext>
+    </p:extLst>
+  </p:cSld>
+  <p:clrMapOvr>
+    <a:masterClrMapping/>
+  </p:clrMapOvr>
+</p:notes>
+</file>
+
+<file path=ppt/notesSlides/notesSlide7.xml><?xml version="1.0" encoding="utf-8"?>
+<p:notes xmlns:a="http://schemas.openxmlformats.org/drawingml/2006/main" xmlns:r="http://schemas.openxmlformats.org/officeDocument/2006/relationships" xmlns:p="http://schemas.openxmlformats.org/presentationml/2006/main">
+  <p:cSld>
+    <p:spTree>
+      <p:nvGrpSpPr>
+        <p:cNvPr id="1" name=""/>
+        <p:cNvGrpSpPr/>
+        <p:nvPr/>
+      </p:nvGrpSpPr>
+      <p:grpSpPr>
+        <a:xfrm>
+          <a:off x="0" y="0"/>
+          <a:ext cx="0" cy="0"/>
+          <a:chOff x="0" y="0"/>
+          <a:chExt cx="0" cy="0"/>
+        </a:xfrm>
+      </p:grpSpPr>
+      <p:sp>
+        <p:nvSpPr>
+          <p:cNvPr id="38914" name="Slide Image Placeholder 1"/>
+          <p:cNvSpPr>
+            <a:spLocks noGrp="1" noRot="1" noChangeAspect="1"/>
+          </p:cNvSpPr>
+          <p:nvPr>
+            <p:ph type="sldImg"/>
+          </p:nvPr>
+        </p:nvSpPr>
+        <p:spPr>
+          <a:ln/>
+        </p:spPr>
+      </p:sp>
+      <p:sp>
+        <p:nvSpPr>
+          <p:cNvPr id="3" name="Notes Placeholder 2"/>
+          <p:cNvSpPr>
+            <a:spLocks noGrp="1"/>
+          </p:cNvSpPr>
+          <p:nvPr>
+            <p:ph type="body" idx="1"/>
+          </p:nvPr>
+        </p:nvSpPr>
+        <p:spPr/>
+        <p:txBody>
+          <a:bodyPr>
+            <a:normAutofit fontScale="70000" lnSpcReduction="20000"/>
+          </a:bodyPr>
+          <a:lstStyle/>
+          <a:p>
+            <a:pPr>
+              <a:defRPr/>
+            </a:pPr>
+            <a:r>
+              <a:rPr lang="en-US" dirty="0"/>
+              <a:t>Typically, symmetric encryption is applied to a</a:t>
+            </a:r>
+          </a:p>
+          <a:p>
+            <a:pPr>
+              <a:defRPr/>
+            </a:pPr>
+            <a:r>
+              <a:rPr lang="en-US" dirty="0"/>
+              <a:t>unit of data larger than a single 64-bit or 128-bit block. E-mail messages, network</a:t>
+            </a:r>
+          </a:p>
+          <a:p>
+            <a:pPr>
+              <a:defRPr/>
+            </a:pPr>
+            <a:r>
+              <a:rPr lang="en-US" dirty="0"/>
+              <a:t>packets, database records, and other plaintext sources must be broken up into a</a:t>
+            </a:r>
+          </a:p>
+          <a:p>
+            <a:pPr>
+              <a:defRPr/>
+            </a:pPr>
+            <a:r>
+              <a:rPr lang="en-US" dirty="0"/>
+              <a:t>series of fixed-length block for encryption by a symmetric block cipher. The simplest</a:t>
+            </a:r>
+          </a:p>
+          <a:p>
+            <a:pPr>
+              <a:defRPr/>
+            </a:pPr>
+            <a:r>
+              <a:rPr lang="en-US" dirty="0"/>
+              <a:t>approach to multiple-block encryption is known as electronic codebook (ECB)</a:t>
+            </a:r>
+          </a:p>
+          <a:p>
+            <a:pPr>
+              <a:defRPr/>
+            </a:pPr>
+            <a:r>
+              <a:rPr lang="en-US" dirty="0"/>
+              <a:t>mode, in which plaintext is handled </a:t>
+            </a:r>
+            <a:r>
+              <a:rPr lang="en-US" i="1" dirty="0" err="1"/>
+              <a:t>b</a:t>
+            </a:r>
+            <a:r>
+              <a:rPr lang="en-US" i="1" dirty="0"/>
+              <a:t> bits at a time and each block of plaintext is</a:t>
+            </a:r>
+          </a:p>
+          <a:p>
+            <a:pPr>
+              <a:defRPr/>
+            </a:pPr>
+            <a:r>
+              <a:rPr lang="en-US" dirty="0"/>
+              <a:t>encrypted using the same key. Typically </a:t>
+            </a:r>
+            <a:r>
+              <a:rPr lang="en-US" i="1" dirty="0"/>
+              <a:t>b =64 or b =128</a:t>
+            </a:r>
+            <a:endParaRPr lang="en-US" dirty="0"/>
+          </a:p>
+          <a:p>
+            <a:pPr>
+              <a:defRPr/>
+            </a:pPr>
+            <a:endParaRPr lang="en-US" dirty="0"/>
+          </a:p>
+          <a:p>
+            <a:pPr>
+              <a:defRPr/>
+            </a:pPr>
+            <a:r>
+              <a:rPr lang="en-US" dirty="0"/>
+              <a:t>For lengthy messages, the ECB mode may not be secure. A cryptanalyst may</a:t>
+            </a:r>
+          </a:p>
+          <a:p>
+            <a:pPr>
+              <a:defRPr/>
+            </a:pPr>
+            <a:r>
+              <a:rPr lang="en-US" dirty="0"/>
+              <a:t>be able to exploit regularities in the plaintext to ease the task of decryption. For</a:t>
+            </a:r>
+          </a:p>
+          <a:p>
+            <a:pPr>
+              <a:defRPr/>
+            </a:pPr>
+            <a:r>
+              <a:rPr lang="en-US" dirty="0"/>
+              <a:t>example, if it is known that the message always starts out with certain predefined</a:t>
+            </a:r>
+          </a:p>
+          <a:p>
+            <a:pPr>
+              <a:defRPr/>
+            </a:pPr>
+            <a:r>
+              <a:rPr lang="en-US" dirty="0"/>
+              <a:t>fields, then the cryptanalyst may have a number of known plaintext-</a:t>
+            </a:r>
+            <a:r>
+              <a:rPr lang="en-US" dirty="0" err="1"/>
+              <a:t>ciphertext</a:t>
+            </a:r>
+            <a:r>
+              <a:rPr lang="en-US" dirty="0"/>
+              <a:t> pairs</a:t>
+            </a:r>
+          </a:p>
+          <a:p>
+            <a:pPr>
+              <a:defRPr/>
+            </a:pPr>
+            <a:r>
+              <a:rPr lang="en-US" dirty="0"/>
+              <a:t>to work with.</a:t>
+            </a:r>
+          </a:p>
+          <a:p>
+            <a:pPr>
+              <a:defRPr/>
+            </a:pPr>
+            <a:endParaRPr lang="en-US" dirty="0"/>
+          </a:p>
+          <a:p>
+            <a:pPr>
+              <a:defRPr/>
+            </a:pPr>
+            <a:r>
+              <a:rPr lang="en-US" dirty="0"/>
+              <a:t>To increase the security of symmetric block encryption for large sequences</a:t>
+            </a:r>
+          </a:p>
+          <a:p>
+            <a:pPr>
+              <a:defRPr/>
+            </a:pPr>
+            <a:r>
+              <a:rPr lang="en-US" dirty="0"/>
+              <a:t>of data, a number of alternative techniques have been developed, called </a:t>
+            </a:r>
+            <a:r>
+              <a:rPr lang="en-US" b="1" dirty="0"/>
+              <a:t>modes of</a:t>
+            </a:r>
+          </a:p>
+          <a:p>
+            <a:pPr>
+              <a:defRPr/>
+            </a:pPr>
+            <a:r>
+              <a:rPr lang="en-US" b="1" dirty="0"/>
+              <a:t>operation. </a:t>
+            </a:r>
+            <a:r>
+              <a:rPr lang="en-US" dirty="0"/>
+              <a:t>These modes overcome the weaknesses of ECB; each mode has its own</a:t>
+            </a:r>
+          </a:p>
+          <a:p>
+            <a:r>
+              <a:rPr lang="en-US" dirty="0"/>
+              <a:t>particular advantages. This topic is explored in Chapter 20. </a:t>
+            </a:r>
+            <a:r>
+              <a:rPr lang="en-US" altLang="zh-CN" i="0" dirty="0">
+                <a:latin typeface="Arial" pitchFamily="-110" charset="0"/>
+                <a:ea typeface="ＭＳ Ｐゴシック" pitchFamily="-110" charset="-128"/>
+                <a:cs typeface="ＭＳ Ｐゴシック" pitchFamily="-110" charset="-128"/>
+              </a:rPr>
+              <a:t>Figure 2.2a shows the</a:t>
+            </a:r>
+          </a:p>
+          <a:p>
+            <a:r>
+              <a:rPr lang="en-US" altLang="zh-CN" dirty="0">
+                <a:latin typeface="Arial" pitchFamily="-110" charset="0"/>
+                <a:ea typeface="ＭＳ Ｐゴシック" pitchFamily="-110" charset="-128"/>
+                <a:cs typeface="ＭＳ Ｐゴシック" pitchFamily="-110" charset="-128"/>
+              </a:rPr>
+              <a:t>ECB mode. A plaintext of length </a:t>
+            </a:r>
+            <a:r>
+              <a:rPr lang="en-US" altLang="zh-CN" i="1" dirty="0" err="1">
+                <a:latin typeface="Arial" pitchFamily="-110" charset="0"/>
+                <a:ea typeface="ＭＳ Ｐゴシック" pitchFamily="-110" charset="-128"/>
+                <a:cs typeface="ＭＳ Ｐゴシック" pitchFamily="-110" charset="-128"/>
+              </a:rPr>
+              <a:t>nb</a:t>
+            </a:r>
+            <a:r>
+              <a:rPr lang="en-US" altLang="zh-CN" i="1" dirty="0">
+                <a:latin typeface="Arial" pitchFamily="-110" charset="0"/>
+                <a:ea typeface="ＭＳ Ｐゴシック" pitchFamily="-110" charset="-128"/>
+                <a:cs typeface="ＭＳ Ｐゴシック" pitchFamily="-110" charset="-128"/>
+              </a:rPr>
+              <a:t> is divided into n b-bit blocks (P</a:t>
+            </a:r>
+            <a:r>
+              <a:rPr lang="en-US" altLang="zh-CN" i="1" baseline="-25000" dirty="0">
+                <a:latin typeface="Arial" pitchFamily="-110" charset="0"/>
+                <a:ea typeface="ＭＳ Ｐゴシック" pitchFamily="-110" charset="-128"/>
+                <a:cs typeface="ＭＳ Ｐゴシック" pitchFamily="-110" charset="-128"/>
+              </a:rPr>
+              <a:t>1</a:t>
+            </a:r>
+            <a:r>
+              <a:rPr lang="en-US" altLang="zh-CN" i="1" dirty="0">
+                <a:latin typeface="Arial" pitchFamily="-110" charset="0"/>
+                <a:ea typeface="ＭＳ Ｐゴシック" pitchFamily="-110" charset="-128"/>
+                <a:cs typeface="ＭＳ Ｐゴシック" pitchFamily="-110" charset="-128"/>
+              </a:rPr>
+              <a:t>, P</a:t>
+            </a:r>
+            <a:r>
+              <a:rPr lang="en-US" altLang="zh-CN" i="1" baseline="-25000" dirty="0">
+                <a:latin typeface="Arial" pitchFamily="-110" charset="0"/>
+                <a:ea typeface="ＭＳ Ｐゴシック" pitchFamily="-110" charset="-128"/>
+                <a:cs typeface="ＭＳ Ｐゴシック" pitchFamily="-110" charset="-128"/>
+              </a:rPr>
+              <a:t>2</a:t>
+            </a:r>
+            <a:r>
+              <a:rPr lang="en-US" altLang="zh-CN" i="1" dirty="0">
+                <a:latin typeface="Arial" pitchFamily="-110" charset="0"/>
+                <a:ea typeface="ＭＳ Ｐゴシック" pitchFamily="-110" charset="-128"/>
+                <a:cs typeface="ＭＳ Ｐゴシック" pitchFamily="-110" charset="-128"/>
+              </a:rPr>
+              <a:t>,….,</a:t>
+            </a:r>
+            <a:r>
+              <a:rPr lang="en-US" altLang="zh-CN" i="1" dirty="0" err="1">
+                <a:latin typeface="Arial" pitchFamily="-110" charset="0"/>
+                <a:ea typeface="ＭＳ Ｐゴシック" pitchFamily="-110" charset="-128"/>
+                <a:cs typeface="ＭＳ Ｐゴシック" pitchFamily="-110" charset="-128"/>
+              </a:rPr>
+              <a:t>P</a:t>
+            </a:r>
+            <a:r>
+              <a:rPr lang="en-US" altLang="zh-CN" i="1" baseline="-25000" dirty="0" err="1">
+                <a:latin typeface="Arial" pitchFamily="-110" charset="0"/>
+                <a:ea typeface="ＭＳ Ｐゴシック" pitchFamily="-110" charset="-128"/>
+                <a:cs typeface="ＭＳ Ｐゴシック" pitchFamily="-110" charset="-128"/>
+              </a:rPr>
+              <a:t>n</a:t>
+            </a:r>
+            <a:r>
+              <a:rPr lang="en-US" altLang="zh-CN" i="1" dirty="0">
+                <a:latin typeface="Arial" pitchFamily="-110" charset="0"/>
+                <a:ea typeface="ＭＳ Ｐゴシック" pitchFamily="-110" charset="-128"/>
+                <a:cs typeface="ＭＳ Ｐゴシック" pitchFamily="-110" charset="-128"/>
+              </a:rPr>
+              <a:t>).</a:t>
+            </a:r>
+          </a:p>
+          <a:p>
+            <a:r>
+              <a:rPr lang="en-US" altLang="zh-CN" dirty="0">
+                <a:latin typeface="Arial" pitchFamily="-110" charset="0"/>
+                <a:ea typeface="ＭＳ Ｐゴシック" pitchFamily="-110" charset="-128"/>
+                <a:cs typeface="ＭＳ Ｐゴシック" pitchFamily="-110" charset="-128"/>
+              </a:rPr>
+              <a:t>Each block is encrypted using the same algorithm and the same encryption key, to</a:t>
+            </a:r>
+          </a:p>
+          <a:p>
+            <a:r>
+              <a:rPr lang="en-US" altLang="zh-CN" dirty="0">
+                <a:latin typeface="Arial" pitchFamily="-110" charset="0"/>
+                <a:ea typeface="ＭＳ Ｐゴシック" pitchFamily="-110" charset="-128"/>
+                <a:cs typeface="ＭＳ Ｐゴシック" pitchFamily="-110" charset="-128"/>
+              </a:rPr>
+              <a:t>produce a sequence of </a:t>
+            </a:r>
+            <a:r>
+              <a:rPr lang="en-US" altLang="zh-CN" i="1" dirty="0">
+                <a:latin typeface="Arial" pitchFamily="-110" charset="0"/>
+                <a:ea typeface="ＭＳ Ｐゴシック" pitchFamily="-110" charset="-128"/>
+                <a:cs typeface="ＭＳ Ｐゴシック" pitchFamily="-110" charset="-128"/>
+              </a:rPr>
+              <a:t>n b-bit blocks of </a:t>
+            </a:r>
+            <a:r>
+              <a:rPr lang="en-US" altLang="zh-CN" i="1" dirty="0" err="1">
+                <a:latin typeface="Arial" pitchFamily="-110" charset="0"/>
+                <a:ea typeface="ＭＳ Ｐゴシック" pitchFamily="-110" charset="-128"/>
+                <a:cs typeface="ＭＳ Ｐゴシック" pitchFamily="-110" charset="-128"/>
+              </a:rPr>
+              <a:t>ciphertext</a:t>
+            </a:r>
+            <a:r>
+              <a:rPr lang="en-US" altLang="zh-CN" i="1" dirty="0">
+                <a:latin typeface="Arial" pitchFamily="-110" charset="0"/>
+                <a:ea typeface="ＭＳ Ｐゴシック" pitchFamily="-110" charset="-128"/>
+                <a:cs typeface="ＭＳ Ｐゴシック" pitchFamily="-110" charset="-128"/>
+              </a:rPr>
+              <a:t> (C</a:t>
+            </a:r>
+            <a:r>
+              <a:rPr lang="en-US" altLang="zh-CN" i="1" baseline="-25000" dirty="0">
+                <a:latin typeface="Arial" pitchFamily="-110" charset="0"/>
+                <a:ea typeface="ＭＳ Ｐゴシック" pitchFamily="-110" charset="-128"/>
+                <a:cs typeface="ＭＳ Ｐゴシック" pitchFamily="-110" charset="-128"/>
+              </a:rPr>
+              <a:t>1</a:t>
+            </a:r>
+            <a:r>
+              <a:rPr lang="en-US" altLang="zh-CN" i="1" dirty="0">
+                <a:latin typeface="Arial" pitchFamily="-110" charset="0"/>
+                <a:ea typeface="ＭＳ Ｐゴシック" pitchFamily="-110" charset="-128"/>
+                <a:cs typeface="ＭＳ Ｐゴシック" pitchFamily="-110" charset="-128"/>
+              </a:rPr>
+              <a:t>, C</a:t>
+            </a:r>
+            <a:r>
+              <a:rPr lang="en-US" altLang="zh-CN" i="1" baseline="-25000" dirty="0">
+                <a:latin typeface="Arial" pitchFamily="-110" charset="0"/>
+                <a:ea typeface="ＭＳ Ｐゴシック" pitchFamily="-110" charset="-128"/>
+                <a:cs typeface="ＭＳ Ｐゴシック" pitchFamily="-110" charset="-128"/>
+              </a:rPr>
+              <a:t>2</a:t>
+            </a:r>
+            <a:r>
+              <a:rPr lang="en-US" altLang="zh-CN" i="1" dirty="0">
+                <a:latin typeface="Arial" pitchFamily="-110" charset="0"/>
+                <a:ea typeface="ＭＳ Ｐゴシック" pitchFamily="-110" charset="-128"/>
+                <a:cs typeface="ＭＳ Ｐゴシック" pitchFamily="-110" charset="-128"/>
+              </a:rPr>
+              <a:t>,….,C</a:t>
+            </a:r>
+            <a:r>
+              <a:rPr lang="en-US" altLang="zh-CN" i="1" baseline="-25000" dirty="0">
+                <a:latin typeface="Arial" pitchFamily="-110" charset="0"/>
+                <a:ea typeface="ＭＳ Ｐゴシック" pitchFamily="-110" charset="-128"/>
+                <a:cs typeface="ＭＳ Ｐゴシック" pitchFamily="-110" charset="-128"/>
+              </a:rPr>
+              <a:t>n</a:t>
+            </a:r>
+            <a:r>
+              <a:rPr lang="en-US" altLang="zh-CN" i="1" dirty="0">
+                <a:latin typeface="Arial" pitchFamily="-110" charset="0"/>
+                <a:ea typeface="ＭＳ Ｐゴシック" pitchFamily="-110" charset="-128"/>
+                <a:cs typeface="ＭＳ Ｐゴシック" pitchFamily="-110" charset="-128"/>
+              </a:rPr>
+              <a:t>).</a:t>
+            </a:r>
+          </a:p>
+          <a:p>
+            <a:endParaRPr lang="en-US" altLang="zh-CN" i="1" dirty="0">
+              <a:latin typeface="Arial" pitchFamily="-110" charset="0"/>
+              <a:ea typeface="ＭＳ Ｐゴシック" pitchFamily="-110" charset="-128"/>
+              <a:cs typeface="ＭＳ Ｐゴシック" pitchFamily="-110" charset="-128"/>
+            </a:endParaRPr>
+          </a:p>
+          <a:p>
+            <a:r>
+              <a:rPr lang="en-US" altLang="zh-CN" dirty="0">
+                <a:latin typeface="Arial" pitchFamily="-110" charset="0"/>
+                <a:ea typeface="ＭＳ Ｐゴシック" pitchFamily="-110" charset="-128"/>
+                <a:cs typeface="ＭＳ Ｐゴシック" pitchFamily="-110" charset="-128"/>
+              </a:rPr>
+              <a:t>Figure 2.2b is a representative diagram of stream cipher structure. In this</a:t>
+            </a:r>
+          </a:p>
+          <a:p>
+            <a:r>
+              <a:rPr lang="en-US" altLang="zh-CN" dirty="0">
+                <a:latin typeface="Arial" pitchFamily="-110" charset="0"/>
+                <a:ea typeface="ＭＳ Ｐゴシック" pitchFamily="-110" charset="-128"/>
+                <a:cs typeface="ＭＳ Ｐゴシック" pitchFamily="-110" charset="-128"/>
+              </a:rPr>
+              <a:t>structure a key is input to a pseudorandom bit generator that produces a stream</a:t>
+            </a:r>
+          </a:p>
+          <a:p>
+            <a:r>
+              <a:rPr lang="en-US" altLang="zh-CN" dirty="0">
+                <a:latin typeface="Arial" pitchFamily="-110" charset="0"/>
+                <a:ea typeface="ＭＳ Ｐゴシック" pitchFamily="-110" charset="-128"/>
+                <a:cs typeface="ＭＳ Ｐゴシック" pitchFamily="-110" charset="-128"/>
+              </a:rPr>
+              <a:t>of 8-bit numbers that are apparently random. A pseudorandom stream is one that</a:t>
+            </a:r>
+          </a:p>
+          <a:p>
+            <a:r>
+              <a:rPr lang="en-US" altLang="zh-CN" dirty="0">
+                <a:latin typeface="Arial" pitchFamily="-110" charset="0"/>
+                <a:ea typeface="ＭＳ Ｐゴシック" pitchFamily="-110" charset="-128"/>
+                <a:cs typeface="ＭＳ Ｐゴシック" pitchFamily="-110" charset="-128"/>
+              </a:rPr>
+              <a:t>is unpredictable without knowledge of the input key and which has an apparently</a:t>
+            </a:r>
+          </a:p>
+          <a:p>
+            <a:r>
+              <a:rPr lang="en-US" altLang="zh-CN" dirty="0">
+                <a:latin typeface="Arial" pitchFamily="-110" charset="0"/>
+                <a:ea typeface="ＭＳ Ｐゴシック" pitchFamily="-110" charset="-128"/>
+                <a:cs typeface="ＭＳ Ｐゴシック" pitchFamily="-110" charset="-128"/>
+              </a:rPr>
+              <a:t>random character (see Section 2.5). The output of the generator, called a </a:t>
+            </a:r>
+            <a:r>
+              <a:rPr lang="en-US" altLang="zh-CN" b="1" dirty="0">
+                <a:latin typeface="Arial" pitchFamily="-110" charset="0"/>
+                <a:ea typeface="ＭＳ Ｐゴシック" pitchFamily="-110" charset="-128"/>
+                <a:cs typeface="ＭＳ Ｐゴシック" pitchFamily="-110" charset="-128"/>
+              </a:rPr>
+              <a:t>keystream,</a:t>
+            </a:r>
+          </a:p>
+          <a:p>
+            <a:r>
+              <a:rPr lang="en-US" altLang="zh-CN" dirty="0">
+                <a:latin typeface="Arial" pitchFamily="-110" charset="0"/>
+                <a:ea typeface="ＭＳ Ｐゴシック" pitchFamily="-110" charset="-128"/>
+                <a:cs typeface="ＭＳ Ｐゴシック" pitchFamily="-110" charset="-128"/>
+              </a:rPr>
+              <a:t>is combined one byte at a time with the plaintext stream using the bitwise exclusive-</a:t>
+            </a:r>
+          </a:p>
+          <a:p>
+            <a:r>
+              <a:rPr lang="en-US" altLang="zh-CN" dirty="0">
+                <a:latin typeface="Arial" pitchFamily="-110" charset="0"/>
+                <a:ea typeface="ＭＳ Ｐゴシック" pitchFamily="-110" charset="-128"/>
+                <a:cs typeface="ＭＳ Ｐゴシック" pitchFamily="-110" charset="-128"/>
+              </a:rPr>
+              <a:t>OR (XOR) operation.</a:t>
+            </a:r>
+            <a:endParaRPr lang="en-US" altLang="zh-CN" i="1" dirty="0">
+              <a:latin typeface="Arial" pitchFamily="-110" charset="0"/>
+              <a:ea typeface="ＭＳ Ｐゴシック" pitchFamily="-110" charset="-128"/>
+              <a:cs typeface="ＭＳ Ｐゴシック" pitchFamily="-110" charset="-128"/>
+            </a:endParaRPr>
+          </a:p>
+          <a:p>
+            <a:endParaRPr lang="en-US" altLang="zh-CN" i="1" dirty="0">
+              <a:latin typeface="Arial" pitchFamily="-110" charset="0"/>
+              <a:ea typeface="ＭＳ Ｐゴシック" pitchFamily="-110" charset="-128"/>
+              <a:cs typeface="ＭＳ Ｐゴシック" pitchFamily="-110" charset="-128"/>
+            </a:endParaRPr>
+          </a:p>
+          <a:p>
+            <a:endParaRPr lang="en-US" altLang="zh-CN" dirty="0">
+              <a:latin typeface="Arial" pitchFamily="-110" charset="0"/>
+              <a:ea typeface="ＭＳ Ｐゴシック" pitchFamily="-110" charset="-128"/>
+              <a:cs typeface="ＭＳ Ｐゴシック" pitchFamily="-110" charset="-128"/>
+            </a:endParaRPr>
+          </a:p>
+          <a:p>
+            <a:pPr eaLnBrk="1" hangingPunct="1"/>
+            <a:endParaRPr lang="en-US" altLang="zh-CN" dirty="0">
+              <a:latin typeface="Times New Roman" pitchFamily="-110" charset="0"/>
+              <a:ea typeface="ＭＳ Ｐゴシック" pitchFamily="-110" charset="-128"/>
+              <a:cs typeface="ＭＳ Ｐゴシック" pitchFamily="-110" charset="-128"/>
+            </a:endParaRPr>
+          </a:p>
+          <a:p>
+            <a:pPr>
+              <a:defRPr/>
+            </a:pPr>
+            <a:endParaRPr lang="en-US" dirty="0"/>
+          </a:p>
+        </p:txBody>
+      </p:sp>
+      <p:sp>
+        <p:nvSpPr>
+          <p:cNvPr id="38916" name="Slide Number Placeholder 3"/>
+          <p:cNvSpPr>
+            <a:spLocks noGrp="1"/>
+          </p:cNvSpPr>
+          <p:nvPr>
+            <p:ph type="sldNum" sz="quarter" idx="5"/>
+          </p:nvPr>
+        </p:nvSpPr>
+        <p:spPr>
+          <a:noFill/>
+        </p:spPr>
+        <p:txBody>
+          <a:bodyPr/>
+          <a:lstStyle/>
+          <a:p>
+            <a:fld id="{F53386E0-290C-8A40-901F-50999F697ABC}" type="slidenum">
+              <a:rPr lang="en-AU" smtClean="0">
+                <a:latin typeface="Arial" pitchFamily="-110" charset="0"/>
+              </a:rPr>
+              <a:pPr/>
+              <a:t>11</a:t>
             </a:fld>
             <a:endParaRPr lang="en-AU">
               <a:latin typeface="Arial" pitchFamily="-110" charset="0"/>
@@ -33807,7 +34450,7 @@
 </p:notes>
 </file>
 
-<file path=ppt/notesSlides/notesSlide7.xml><?xml version="1.0" encoding="utf-8"?>
+<file path=ppt/notesSlides/notesSlide8.xml><?xml version="1.0" encoding="utf-8"?>
 <p:notes xmlns:a="http://schemas.openxmlformats.org/drawingml/2006/main" xmlns:r="http://schemas.openxmlformats.org/officeDocument/2006/relationships" xmlns:p="http://schemas.openxmlformats.org/presentationml/2006/main">
   <p:cSld>
     <p:spTree>
@@ -33846,7 +34489,7 @@
                 <a:latin typeface="Arial" pitchFamily="-110" charset="0"/>
               </a:rPr>
               <a:pPr/>
-              <a:t>8</a:t>
+              <a:t>12</a:t>
             </a:fld>
             <a:endParaRPr lang="en-AU">
               <a:latin typeface="Arial" pitchFamily="-110" charset="0"/>
@@ -33927,7 +34570,7 @@
 </p:notes>
 </file>
 
-<file path=ppt/notesSlides/notesSlide8.xml><?xml version="1.0" encoding="utf-8"?>
+<file path=ppt/notesSlides/notesSlide9.xml><?xml version="1.0" encoding="utf-8"?>
 <p:notes xmlns:a="http://schemas.openxmlformats.org/drawingml/2006/main" xmlns:r="http://schemas.openxmlformats.org/officeDocument/2006/relationships" xmlns:p="http://schemas.openxmlformats.org/presentationml/2006/main">
   <p:cSld>
     <p:spTree>
@@ -33966,7 +34609,7 @@
                 <a:latin typeface="Arial" pitchFamily="-110" charset="0"/>
               </a:rPr>
               <a:pPr/>
-              <a:t>9</a:t>
+              <a:t>13</a:t>
             </a:fld>
             <a:endParaRPr lang="en-AU">
               <a:latin typeface="Arial" pitchFamily="-110" charset="0"/>
@@ -34580,234 +35223,6 @@
     <p:extLst>
       <p:ext uri="{BB962C8B-B14F-4D97-AF65-F5344CB8AC3E}">
         <p14:creationId xmlns:p14="http://schemas.microsoft.com/office/powerpoint/2010/main" val="874248610"/>
-      </p:ext>
-    </p:extLst>
-  </p:cSld>
-  <p:clrMapOvr>
-    <a:masterClrMapping/>
-  </p:clrMapOvr>
-</p:notes>
-</file>
-
-<file path=ppt/notesSlides/notesSlide9.xml><?xml version="1.0" encoding="utf-8"?>
-<p:notes xmlns:a="http://schemas.openxmlformats.org/drawingml/2006/main" xmlns:r="http://schemas.openxmlformats.org/officeDocument/2006/relationships" xmlns:p="http://schemas.openxmlformats.org/presentationml/2006/main">
-  <p:cSld>
-    <p:spTree>
-      <p:nvGrpSpPr>
-        <p:cNvPr id="1" name=""/>
-        <p:cNvGrpSpPr/>
-        <p:nvPr/>
-      </p:nvGrpSpPr>
-      <p:grpSpPr>
-        <a:xfrm>
-          <a:off x="0" y="0"/>
-          <a:ext cx="0" cy="0"/>
-          <a:chOff x="0" y="0"/>
-          <a:chExt cx="0" cy="0"/>
-        </a:xfrm>
-      </p:grpSpPr>
-      <p:sp>
-        <p:nvSpPr>
-          <p:cNvPr id="26626" name="Rectangle 7"/>
-          <p:cNvSpPr>
-            <a:spLocks noGrp="1" noChangeArrowheads="1"/>
-          </p:cNvSpPr>
-          <p:nvPr>
-            <p:ph type="sldNum" sz="quarter" idx="5"/>
-          </p:nvPr>
-        </p:nvSpPr>
-        <p:spPr>
-          <a:noFill/>
-        </p:spPr>
-        <p:txBody>
-          <a:bodyPr/>
-          <a:lstStyle/>
-          <a:p>
-            <a:fld id="{A928C4FB-7298-D14C-96D7-BA07164FC86F}" type="slidenum">
-              <a:rPr lang="en-AU">
-                <a:latin typeface="Arial" pitchFamily="-110" charset="0"/>
-              </a:rPr>
-              <a:pPr/>
-              <a:t>10</a:t>
-            </a:fld>
-            <a:endParaRPr lang="en-AU">
-              <a:latin typeface="Arial" pitchFamily="-110" charset="0"/>
-            </a:endParaRPr>
-          </a:p>
-        </p:txBody>
-      </p:sp>
-      <p:sp>
-        <p:nvSpPr>
-          <p:cNvPr id="26627" name="Rectangle 2"/>
-          <p:cNvSpPr>
-            <a:spLocks noGrp="1" noRot="1" noChangeAspect="1" noChangeArrowheads="1" noTextEdit="1"/>
-          </p:cNvSpPr>
-          <p:nvPr>
-            <p:ph type="sldImg"/>
-          </p:nvPr>
-        </p:nvSpPr>
-        <p:spPr>
-          <a:ln/>
-        </p:spPr>
-      </p:sp>
-      <p:sp>
-        <p:nvSpPr>
-          <p:cNvPr id="26628" name="Rectangle 3"/>
-          <p:cNvSpPr>
-            <a:spLocks noGrp="1" noChangeArrowheads="1"/>
-          </p:cNvSpPr>
-          <p:nvPr>
-            <p:ph type="body" idx="1"/>
-          </p:nvPr>
-        </p:nvSpPr>
-        <p:spPr>
-          <a:xfrm>
-            <a:off x="685800" y="4343400"/>
-            <a:ext cx="5562600" cy="4495800"/>
-          </a:xfrm>
-          <a:noFill/>
-          <a:ln/>
-        </p:spPr>
-        <p:txBody>
-          <a:bodyPr/>
-          <a:lstStyle/>
-          <a:p>
-            <a:r>
-              <a:rPr lang="en-US" sz="1200" b="0" i="0" u="none" strike="noStrike" kern="1200" baseline="0" dirty="0">
-                <a:solidFill>
-                  <a:schemeClr val="tx1"/>
-                </a:solidFill>
-                <a:latin typeface="Arial" pitchFamily="-108" charset="0"/>
-                <a:ea typeface="ＭＳ Ｐゴシック" pitchFamily="33" charset="-128"/>
-                <a:cs typeface="ＭＳ Ｐゴシック" pitchFamily="33" charset="-128"/>
-              </a:rPr>
-              <a:t> Table 2.2 shows how much time is required for</a:t>
-            </a:r>
-          </a:p>
-          <a:p>
-            <a:r>
-              <a:rPr lang="en-US" sz="1200" b="0" i="0" u="none" strike="noStrike" kern="1200" baseline="0" dirty="0">
-                <a:solidFill>
-                  <a:schemeClr val="tx1"/>
-                </a:solidFill>
-                <a:latin typeface="Arial" pitchFamily="-108" charset="0"/>
-                <a:ea typeface="ＭＳ Ｐゴシック" pitchFamily="33" charset="-128"/>
-                <a:cs typeface="ＭＳ Ｐゴシック" pitchFamily="33" charset="-128"/>
-              </a:rPr>
-              <a:t>a brute-force attack for various key sizes. As can be seen, a single PC can break</a:t>
-            </a:r>
-          </a:p>
-          <a:p>
-            <a:r>
-              <a:rPr lang="en-US" sz="1200" b="0" i="0" u="none" strike="noStrike" kern="1200" baseline="0" dirty="0">
-                <a:solidFill>
-                  <a:schemeClr val="tx1"/>
-                </a:solidFill>
-                <a:latin typeface="Arial" pitchFamily="-108" charset="0"/>
-                <a:ea typeface="ＭＳ Ｐゴシック" pitchFamily="33" charset="-128"/>
-                <a:cs typeface="ＭＳ Ｐゴシック" pitchFamily="33" charset="-128"/>
-              </a:rPr>
-              <a:t>DES in about a year; if multiple PCs work in parallel, the time is drastically shortened.</a:t>
-            </a:r>
-          </a:p>
-          <a:p>
-            <a:r>
-              <a:rPr lang="en-US" sz="1200" b="0" i="0" u="none" strike="noStrike" kern="1200" baseline="0" dirty="0">
-                <a:solidFill>
-                  <a:schemeClr val="tx1"/>
-                </a:solidFill>
-                <a:latin typeface="Arial" pitchFamily="-108" charset="0"/>
-                <a:ea typeface="ＭＳ Ｐゴシック" pitchFamily="33" charset="-128"/>
-                <a:cs typeface="ＭＳ Ｐゴシック" pitchFamily="33" charset="-128"/>
-              </a:rPr>
-              <a:t>And today’s supercomputers should be able to find a key in about an hour.</a:t>
-            </a:r>
-          </a:p>
-          <a:p>
-            <a:r>
-              <a:rPr lang="en-US" sz="1200" b="0" i="0" u="none" strike="noStrike" kern="1200" baseline="0" dirty="0">
-                <a:solidFill>
-                  <a:schemeClr val="tx1"/>
-                </a:solidFill>
-                <a:latin typeface="Arial" pitchFamily="-108" charset="0"/>
-                <a:ea typeface="ＭＳ Ｐゴシック" pitchFamily="33" charset="-128"/>
-                <a:cs typeface="ＭＳ Ｐゴシック" pitchFamily="33" charset="-128"/>
-              </a:rPr>
-              <a:t>Key sizes of 128 bits or greater are effectively unbreakable using simply a brute-force</a:t>
-            </a:r>
-          </a:p>
-          <a:p>
-            <a:r>
-              <a:rPr lang="en-US" sz="1200" b="0" i="0" u="none" strike="noStrike" kern="1200" baseline="0" dirty="0">
-                <a:solidFill>
-                  <a:schemeClr val="tx1"/>
-                </a:solidFill>
-                <a:latin typeface="Arial" pitchFamily="-108" charset="0"/>
-                <a:ea typeface="ＭＳ Ｐゴシック" pitchFamily="33" charset="-128"/>
-                <a:cs typeface="ＭＳ Ｐゴシック" pitchFamily="33" charset="-128"/>
-              </a:rPr>
-              <a:t>approach. Even if we managed to speed up the attacking system by a factor</a:t>
-            </a:r>
-          </a:p>
-          <a:p>
-            <a:r>
-              <a:rPr lang="en-US" sz="1200" b="0" i="0" u="none" strike="noStrike" kern="1200" baseline="0" dirty="0">
-                <a:solidFill>
-                  <a:schemeClr val="tx1"/>
-                </a:solidFill>
-                <a:latin typeface="Arial" pitchFamily="-108" charset="0"/>
-                <a:ea typeface="ＭＳ Ｐゴシック" pitchFamily="33" charset="-128"/>
-                <a:cs typeface="ＭＳ Ｐゴシック" pitchFamily="33" charset="-128"/>
-              </a:rPr>
-              <a:t>of 1 trillion (10</a:t>
-            </a:r>
-            <a:r>
-              <a:rPr lang="en-US" sz="1200" b="0" i="0" u="none" strike="noStrike" kern="1200" baseline="30000" dirty="0">
-                <a:solidFill>
-                  <a:schemeClr val="tx1"/>
-                </a:solidFill>
-                <a:latin typeface="Arial" pitchFamily="-108" charset="0"/>
-                <a:ea typeface="ＭＳ Ｐゴシック" pitchFamily="33" charset="-128"/>
-                <a:cs typeface="ＭＳ Ｐゴシック" pitchFamily="33" charset="-128"/>
-              </a:rPr>
-              <a:t>12</a:t>
-            </a:r>
-            <a:r>
-              <a:rPr lang="en-US" sz="1200" b="0" i="0" u="none" strike="noStrike" kern="1200" baseline="0" dirty="0">
-                <a:solidFill>
-                  <a:schemeClr val="tx1"/>
-                </a:solidFill>
-                <a:latin typeface="Arial" pitchFamily="-108" charset="0"/>
-                <a:ea typeface="ＭＳ Ｐゴシック" pitchFamily="33" charset="-128"/>
-                <a:cs typeface="ＭＳ Ｐゴシック" pitchFamily="33" charset="-128"/>
-              </a:rPr>
-              <a:t> ), it would still take over 100,000 years to break a code using a</a:t>
-            </a:r>
-          </a:p>
-          <a:p>
-            <a:r>
-              <a:rPr lang="en-US" sz="1200" b="0" i="0" u="none" strike="noStrike" kern="1200" baseline="0" dirty="0">
-                <a:solidFill>
-                  <a:schemeClr val="tx1"/>
-                </a:solidFill>
-                <a:latin typeface="Arial" pitchFamily="-108" charset="0"/>
-                <a:ea typeface="ＭＳ Ｐゴシック" pitchFamily="33" charset="-128"/>
-                <a:cs typeface="ＭＳ Ｐゴシック" pitchFamily="33" charset="-128"/>
-              </a:rPr>
-              <a:t>128-bit key.</a:t>
-            </a:r>
-            <a:endParaRPr lang="en-US" dirty="0">
-              <a:latin typeface="Times New Roman" pitchFamily="-110" charset="0"/>
-              <a:ea typeface="ＭＳ Ｐゴシック" pitchFamily="-110" charset="-128"/>
-              <a:cs typeface="ＭＳ Ｐゴシック" pitchFamily="-110" charset="-128"/>
-            </a:endParaRPr>
-          </a:p>
-        </p:txBody>
-      </p:sp>
-    </p:spTree>
-    <p:extLst>
-      <p:ext uri="{BB962C8B-B14F-4D97-AF65-F5344CB8AC3E}">
-        <p14:creationId xmlns:p14="http://schemas.microsoft.com/office/powerpoint/2010/main" val="360876573"/>
       </p:ext>
     </p:extLst>
   </p:cSld>
@@ -38832,6 +39247,814 @@
       </p:grpSpPr>
       <p:sp>
         <p:nvSpPr>
+          <p:cNvPr id="2" name="Title 1"/>
+          <p:cNvSpPr>
+            <a:spLocks noGrp="1"/>
+          </p:cNvSpPr>
+          <p:nvPr>
+            <p:ph type="title"/>
+          </p:nvPr>
+        </p:nvSpPr>
+        <p:spPr>
+          <a:xfrm>
+            <a:off x="0" y="228600"/>
+            <a:ext cx="9144000" cy="1143000"/>
+          </a:xfrm>
+        </p:spPr>
+        <p:txBody>
+          <a:bodyPr/>
+          <a:lstStyle/>
+          <a:p>
+            <a:pPr eaLnBrk="1" hangingPunct="1">
+              <a:defRPr/>
+            </a:pPr>
+            <a:r>
+              <a:rPr lang="en-US" altLang="zh-CN" sz="4400" dirty="0">
+                <a:solidFill>
+                  <a:schemeClr val="accent6">
+                    <a:lumMod val="40000"/>
+                    <a:lumOff val="60000"/>
+                  </a:schemeClr>
+                </a:solidFill>
+              </a:rPr>
+              <a:t>Stream Ciphers</a:t>
+            </a:r>
+            <a:endParaRPr lang="en-US" sz="4400" dirty="0">
+              <a:solidFill>
+                <a:schemeClr val="accent6">
+                  <a:lumMod val="40000"/>
+                  <a:lumOff val="60000"/>
+                </a:schemeClr>
+              </a:solidFill>
+            </a:endParaRPr>
+          </a:p>
+        </p:txBody>
+      </p:sp>
+      <p:sp>
+        <p:nvSpPr>
+          <p:cNvPr id="3" name="Content Placeholder 2"/>
+          <p:cNvSpPr>
+            <a:spLocks noGrp="1"/>
+          </p:cNvSpPr>
+          <p:nvPr>
+            <p:ph idx="1"/>
+          </p:nvPr>
+        </p:nvSpPr>
+        <p:spPr>
+          <a:xfrm>
+            <a:off x="208779" y="1302262"/>
+            <a:ext cx="8683701" cy="5486400"/>
+          </a:xfrm>
+        </p:spPr>
+        <p:txBody>
+          <a:bodyPr>
+            <a:normAutofit/>
+          </a:bodyPr>
+          <a:lstStyle/>
+          <a:p>
+            <a:pPr fontAlgn="auto">
+              <a:spcAft>
+                <a:spcPts val="0"/>
+              </a:spcAft>
+              <a:buClr>
+                <a:schemeClr val="accent1"/>
+              </a:buClr>
+              <a:buSzPct val="85000"/>
+              <a:buFont typeface="Wingdings" pitchFamily="33" charset="2"/>
+              <a:buChar char=""/>
+              <a:defRPr/>
+            </a:pPr>
+            <a:r>
+              <a:rPr lang="en-US" altLang="zh-CN" dirty="0"/>
+              <a:t>Process message bit by bit (as a stream): a pseudo-random </a:t>
+            </a:r>
+            <a:r>
+              <a:rPr lang="en-US" altLang="zh-CN" b="1" dirty="0"/>
+              <a:t>keystream </a:t>
+            </a:r>
+            <a:r>
+              <a:rPr lang="en-US" altLang="zh-CN" dirty="0" err="1"/>
+              <a:t>XOR’ed</a:t>
+            </a:r>
+            <a:r>
+              <a:rPr lang="en-US" altLang="zh-CN" dirty="0"/>
+              <a:t> with plaintext bit by bit:</a:t>
+            </a:r>
+          </a:p>
+          <a:p>
+            <a:pPr lvl="1" fontAlgn="auto">
+              <a:spcAft>
+                <a:spcPts val="0"/>
+              </a:spcAft>
+              <a:buClr>
+                <a:schemeClr val="accent1"/>
+              </a:buClr>
+              <a:buSzPct val="85000"/>
+              <a:buFont typeface="Wingdings" pitchFamily="33" charset="2"/>
+              <a:buChar char=""/>
+              <a:defRPr/>
+            </a:pPr>
+            <a:r>
+              <a:rPr lang="en-US" altLang="zh-CN" sz="1800" dirty="0"/>
+              <a:t>C</a:t>
+            </a:r>
+            <a:r>
+              <a:rPr lang="en-US" altLang="zh-CN" sz="1800" baseline="-25000" dirty="0"/>
+              <a:t>i</a:t>
+            </a:r>
+            <a:r>
+              <a:rPr lang="en-US" altLang="zh-CN" sz="1800" dirty="0"/>
+              <a:t> = M</a:t>
+            </a:r>
+            <a:r>
+              <a:rPr lang="en-US" altLang="zh-CN" sz="1800" baseline="-25000" dirty="0"/>
+              <a:t>i</a:t>
+            </a:r>
+            <a:r>
+              <a:rPr lang="en-US" altLang="zh-CN" sz="1800" dirty="0"/>
+              <a:t> XOR </a:t>
+            </a:r>
+            <a:r>
+              <a:rPr lang="en-US" altLang="zh-CN" sz="1800" dirty="0" err="1"/>
+              <a:t>StreamKey</a:t>
+            </a:r>
+            <a:r>
+              <a:rPr lang="en-US" altLang="zh-CN" sz="1800" baseline="-25000" dirty="0" err="1"/>
+              <a:t>i</a:t>
+            </a:r>
+            <a:endParaRPr lang="en-US" altLang="zh-CN" sz="1050" dirty="0"/>
+          </a:p>
+          <a:p>
+            <a:pPr>
+              <a:buClr>
+                <a:schemeClr val="tx1">
+                  <a:lumMod val="95000"/>
+                </a:schemeClr>
+              </a:buClr>
+              <a:buSzPct val="80000"/>
+              <a:buFont typeface="Wingdings" pitchFamily="33" charset="2"/>
+              <a:buChar char=""/>
+              <a:defRPr/>
+            </a:pPr>
+            <a:endParaRPr lang="en-US" sz="2600" dirty="0"/>
+          </a:p>
+        </p:txBody>
+      </p:sp>
+      <p:sp>
+        <p:nvSpPr>
+          <p:cNvPr id="4" name="灯片编号占位符 3"/>
+          <p:cNvSpPr>
+            <a:spLocks noGrp="1"/>
+          </p:cNvSpPr>
+          <p:nvPr>
+            <p:ph type="sldNum" sz="quarter" idx="12"/>
+          </p:nvPr>
+        </p:nvSpPr>
+        <p:spPr/>
+        <p:txBody>
+          <a:bodyPr/>
+          <a:lstStyle/>
+          <a:p>
+            <a:fld id="{5F36C9FC-DA22-1F47-8722-58727A1D436E}" type="slidenum">
+              <a:rPr lang="en-US" smtClean="0">
+                <a:solidFill>
+                  <a:prstClr val="white">
+                    <a:lumMod val="65000"/>
+                    <a:lumOff val="35000"/>
+                  </a:prstClr>
+                </a:solidFill>
+              </a:rPr>
+              <a:pPr/>
+              <a:t>10</a:t>
+            </a:fld>
+            <a:endParaRPr lang="en-US" dirty="0">
+              <a:solidFill>
+                <a:prstClr val="white">
+                  <a:lumMod val="65000"/>
+                  <a:lumOff val="35000"/>
+                </a:prstClr>
+              </a:solidFill>
+            </a:endParaRPr>
+          </a:p>
+        </p:txBody>
+      </p:sp>
+      <p:pic>
+        <p:nvPicPr>
+          <p:cNvPr id="5" name="图片 4">
+            <a:extLst>
+              <a:ext uri="{FF2B5EF4-FFF2-40B4-BE49-F238E27FC236}">
+                <a16:creationId xmlns:a16="http://schemas.microsoft.com/office/drawing/2014/main" id="{1148346B-7664-4927-9B36-7062B6BB5057}"/>
+              </a:ext>
+            </a:extLst>
+          </p:cNvPr>
+          <p:cNvPicPr>
+            <a:picLocks noChangeAspect="1"/>
+          </p:cNvPicPr>
+          <p:nvPr/>
+        </p:nvPicPr>
+        <p:blipFill>
+          <a:blip r:embed="rId3"/>
+          <a:stretch>
+            <a:fillRect/>
+          </a:stretch>
+        </p:blipFill>
+        <p:spPr>
+          <a:xfrm>
+            <a:off x="643137" y="2727910"/>
+            <a:ext cx="7795751" cy="3744416"/>
+          </a:xfrm>
+          <a:prstGeom prst="rect">
+            <a:avLst/>
+          </a:prstGeom>
+        </p:spPr>
+      </p:pic>
+    </p:spTree>
+    <p:extLst>
+      <p:ext uri="{BB962C8B-B14F-4D97-AF65-F5344CB8AC3E}">
+        <p14:creationId xmlns:p14="http://schemas.microsoft.com/office/powerpoint/2010/main" val="1402479228"/>
+      </p:ext>
+    </p:extLst>
+  </p:cSld>
+  <p:clrMapOvr>
+    <a:masterClrMapping/>
+  </p:clrMapOvr>
+</p:sld>
+</file>
+
+<file path=ppt/slides/slide11.xml><?xml version="1.0" encoding="utf-8"?>
+<p:sld xmlns:a="http://schemas.openxmlformats.org/drawingml/2006/main" xmlns:r="http://schemas.openxmlformats.org/officeDocument/2006/relationships" xmlns:p="http://schemas.openxmlformats.org/presentationml/2006/main">
+  <p:cSld>
+    <p:spTree>
+      <p:nvGrpSpPr>
+        <p:cNvPr id="1" name=""/>
+        <p:cNvGrpSpPr/>
+        <p:nvPr/>
+      </p:nvGrpSpPr>
+      <p:grpSpPr>
+        <a:xfrm>
+          <a:off x="0" y="0"/>
+          <a:ext cx="0" cy="0"/>
+          <a:chOff x="0" y="0"/>
+          <a:chExt cx="0" cy="0"/>
+        </a:xfrm>
+      </p:grpSpPr>
+      <p:sp>
+        <p:nvSpPr>
+          <p:cNvPr id="2" name="Title 1"/>
+          <p:cNvSpPr>
+            <a:spLocks noGrp="1"/>
+          </p:cNvSpPr>
+          <p:nvPr>
+            <p:ph type="title"/>
+          </p:nvPr>
+        </p:nvSpPr>
+        <p:spPr>
+          <a:xfrm>
+            <a:off x="0" y="228600"/>
+            <a:ext cx="9144000" cy="995536"/>
+          </a:xfrm>
+        </p:spPr>
+        <p:txBody>
+          <a:bodyPr/>
+          <a:lstStyle/>
+          <a:p>
+            <a:pPr eaLnBrk="1" hangingPunct="1">
+              <a:defRPr/>
+            </a:pPr>
+            <a:r>
+              <a:rPr lang="en-US" sz="4400" dirty="0">
+                <a:solidFill>
+                  <a:schemeClr val="accent6">
+                    <a:lumMod val="40000"/>
+                    <a:lumOff val="60000"/>
+                  </a:schemeClr>
+                </a:solidFill>
+              </a:rPr>
+              <a:t>Block Cipher: Mode of Operation</a:t>
+            </a:r>
+          </a:p>
+        </p:txBody>
+      </p:sp>
+      <p:sp>
+        <p:nvSpPr>
+          <p:cNvPr id="3" name="Content Placeholder 2"/>
+          <p:cNvSpPr>
+            <a:spLocks noGrp="1"/>
+          </p:cNvSpPr>
+          <p:nvPr>
+            <p:ph idx="1"/>
+          </p:nvPr>
+        </p:nvSpPr>
+        <p:spPr>
+          <a:xfrm>
+            <a:off x="208779" y="1302262"/>
+            <a:ext cx="8896474" cy="5486400"/>
+          </a:xfrm>
+        </p:spPr>
+        <p:txBody>
+          <a:bodyPr>
+            <a:normAutofit/>
+          </a:bodyPr>
+          <a:lstStyle/>
+          <a:p>
+            <a:r>
+              <a:rPr lang="en-US" altLang="zh-CN" sz="2000" dirty="0"/>
+              <a:t>Electronic </a:t>
+            </a:r>
+            <a:r>
+              <a:rPr lang="en-US" altLang="zh-CN" sz="2000" dirty="0" err="1"/>
+              <a:t>CodeBook</a:t>
+            </a:r>
+            <a:r>
+              <a:rPr lang="en-US" altLang="zh-CN" sz="2000" dirty="0"/>
+              <a:t> (ECB): each plaintext block (e.g., 64 bits) is encoded independently using the same key</a:t>
+            </a:r>
+          </a:p>
+          <a:p>
+            <a:pPr lvl="1"/>
+            <a:r>
+              <a:rPr lang="en-US" altLang="zh-CN" sz="1400" dirty="0"/>
+              <a:t>Attacker may exploit regularities in the plaintext to perform cryptoanalysis, since same plaintext block generates same cyphertext block</a:t>
+            </a:r>
+          </a:p>
+          <a:p>
+            <a:pPr lvl="1"/>
+            <a:r>
+              <a:rPr lang="en-US" altLang="zh-CN" sz="1400" dirty="0"/>
+              <a:t>Attacker may reorder blocks of ciphertext, then each block will still decrypt successfully, but message content is altered</a:t>
+            </a:r>
+          </a:p>
+          <a:p>
+            <a:r>
+              <a:rPr lang="en-US" altLang="zh-CN" sz="2000" dirty="0"/>
+              <a:t>Cipher Block Chaining (CBC):</a:t>
+            </a:r>
+            <a:r>
+              <a:rPr lang="zh-CN" altLang="en-US" sz="2000" dirty="0"/>
+              <a:t> </a:t>
+            </a:r>
+            <a:r>
+              <a:rPr lang="en-US" altLang="zh-CN" sz="2000" dirty="0"/>
+              <a:t>input to the encryption algorithm is the XOR of the next plaintext block and the preceding ciphertext block</a:t>
+            </a:r>
+          </a:p>
+          <a:p>
+            <a:pPr lvl="1"/>
+            <a:r>
+              <a:rPr lang="en-US" altLang="zh-CN" sz="1400" dirty="0"/>
+              <a:t>More secure than ECB</a:t>
+            </a:r>
+          </a:p>
+          <a:p>
+            <a:pPr>
+              <a:buClr>
+                <a:schemeClr val="tx1">
+                  <a:lumMod val="95000"/>
+                </a:schemeClr>
+              </a:buClr>
+              <a:buSzPct val="80000"/>
+              <a:buFont typeface="Wingdings" pitchFamily="33" charset="2"/>
+              <a:buChar char=""/>
+              <a:defRPr/>
+            </a:pPr>
+            <a:endParaRPr lang="en-US" dirty="0"/>
+          </a:p>
+        </p:txBody>
+      </p:sp>
+      <p:sp>
+        <p:nvSpPr>
+          <p:cNvPr id="4" name="灯片编号占位符 3"/>
+          <p:cNvSpPr>
+            <a:spLocks noGrp="1"/>
+          </p:cNvSpPr>
+          <p:nvPr>
+            <p:ph type="sldNum" sz="quarter" idx="12"/>
+          </p:nvPr>
+        </p:nvSpPr>
+        <p:spPr/>
+        <p:txBody>
+          <a:bodyPr/>
+          <a:lstStyle/>
+          <a:p>
+            <a:fld id="{5F36C9FC-DA22-1F47-8722-58727A1D436E}" type="slidenum">
+              <a:rPr lang="en-US" smtClean="0">
+                <a:solidFill>
+                  <a:prstClr val="white">
+                    <a:lumMod val="65000"/>
+                    <a:lumOff val="35000"/>
+                  </a:prstClr>
+                </a:solidFill>
+              </a:rPr>
+              <a:pPr/>
+              <a:t>11</a:t>
+            </a:fld>
+            <a:endParaRPr lang="en-US" dirty="0">
+              <a:solidFill>
+                <a:prstClr val="white">
+                  <a:lumMod val="65000"/>
+                  <a:lumOff val="35000"/>
+                </a:prstClr>
+              </a:solidFill>
+            </a:endParaRPr>
+          </a:p>
+        </p:txBody>
+      </p:sp>
+      <p:pic>
+        <p:nvPicPr>
+          <p:cNvPr id="5" name="图片 4">
+            <a:extLst>
+              <a:ext uri="{FF2B5EF4-FFF2-40B4-BE49-F238E27FC236}">
+                <a16:creationId xmlns:a16="http://schemas.microsoft.com/office/drawing/2014/main" id="{432C135F-0EC0-45F5-A761-3C7BB19FA60B}"/>
+              </a:ext>
+            </a:extLst>
+          </p:cNvPr>
+          <p:cNvPicPr>
+            <a:picLocks noChangeAspect="1"/>
+          </p:cNvPicPr>
+          <p:nvPr/>
+        </p:nvPicPr>
+        <p:blipFill>
+          <a:blip r:embed="rId3"/>
+          <a:stretch>
+            <a:fillRect/>
+          </a:stretch>
+        </p:blipFill>
+        <p:spPr>
+          <a:xfrm>
+            <a:off x="395535" y="4177143"/>
+            <a:ext cx="4508251" cy="2514718"/>
+          </a:xfrm>
+          <a:prstGeom prst="rect">
+            <a:avLst/>
+          </a:prstGeom>
+        </p:spPr>
+      </p:pic>
+      <p:pic>
+        <p:nvPicPr>
+          <p:cNvPr id="7" name="图片 6">
+            <a:extLst>
+              <a:ext uri="{FF2B5EF4-FFF2-40B4-BE49-F238E27FC236}">
+                <a16:creationId xmlns:a16="http://schemas.microsoft.com/office/drawing/2014/main" id="{42CA2AB1-4478-4610-AC6B-B9D4A4316F03}"/>
+              </a:ext>
+            </a:extLst>
+          </p:cNvPr>
+          <p:cNvPicPr>
+            <a:picLocks noChangeAspect="1"/>
+          </p:cNvPicPr>
+          <p:nvPr/>
+        </p:nvPicPr>
+        <p:blipFill>
+          <a:blip r:embed="rId4"/>
+          <a:stretch>
+            <a:fillRect/>
+          </a:stretch>
+        </p:blipFill>
+        <p:spPr>
+          <a:xfrm>
+            <a:off x="5148064" y="4020605"/>
+            <a:ext cx="3491880" cy="2676936"/>
+          </a:xfrm>
+          <a:prstGeom prst="rect">
+            <a:avLst/>
+          </a:prstGeom>
+        </p:spPr>
+      </p:pic>
+    </p:spTree>
+    <p:extLst>
+      <p:ext uri="{BB962C8B-B14F-4D97-AF65-F5344CB8AC3E}">
+        <p14:creationId xmlns:p14="http://schemas.microsoft.com/office/powerpoint/2010/main" val="2931325706"/>
+      </p:ext>
+    </p:extLst>
+  </p:cSld>
+  <p:clrMapOvr>
+    <a:masterClrMapping/>
+  </p:clrMapOvr>
+</p:sld>
+</file>
+
+<file path=ppt/slides/slide12.xml><?xml version="1.0" encoding="utf-8"?>
+<p:sld xmlns:a="http://schemas.openxmlformats.org/drawingml/2006/main" xmlns:r="http://schemas.openxmlformats.org/officeDocument/2006/relationships" xmlns:p="http://schemas.openxmlformats.org/presentationml/2006/main">
+  <p:cSld>
+    <p:spTree>
+      <p:nvGrpSpPr>
+        <p:cNvPr id="1" name=""/>
+        <p:cNvGrpSpPr/>
+        <p:nvPr/>
+      </p:nvGrpSpPr>
+      <p:grpSpPr>
+        <a:xfrm>
+          <a:off x="0" y="0"/>
+          <a:ext cx="0" cy="0"/>
+          <a:chOff x="0" y="0"/>
+          <a:chExt cx="0" cy="0"/>
+        </a:xfrm>
+      </p:grpSpPr>
+      <p:sp>
+        <p:nvSpPr>
+          <p:cNvPr id="210946" name="Rectangle 2"/>
+          <p:cNvSpPr>
+            <a:spLocks noGrp="1" noChangeArrowheads="1"/>
+          </p:cNvSpPr>
+          <p:nvPr>
+            <p:ph type="title"/>
+          </p:nvPr>
+        </p:nvSpPr>
+        <p:spPr>
+          <a:xfrm>
+            <a:off x="457200" y="304800"/>
+            <a:ext cx="8229600" cy="1139825"/>
+          </a:xfrm>
+        </p:spPr>
+        <p:txBody>
+          <a:bodyPr/>
+          <a:lstStyle/>
+          <a:p>
+            <a:pPr>
+              <a:defRPr/>
+            </a:pPr>
+            <a:r>
+              <a:rPr lang="en-US" altLang="zh-CN" sz="3600" dirty="0">
+                <a:solidFill>
+                  <a:schemeClr val="accent6">
+                    <a:lumMod val="40000"/>
+                    <a:lumOff val="60000"/>
+                  </a:schemeClr>
+                </a:solidFill>
+              </a:rPr>
+              <a:t>Comparison of 3 Symmetric Encryption Standards (Block Ciphers)</a:t>
+            </a:r>
+            <a:endParaRPr lang="en-US" altLang="zh-CN" sz="3600" dirty="0">
+              <a:solidFill>
+                <a:schemeClr val="accent6">
+                  <a:lumMod val="40000"/>
+                  <a:lumOff val="60000"/>
+                </a:schemeClr>
+              </a:solidFill>
+              <a:effectLst>
+                <a:outerShdw blurRad="38100" dist="38100" dir="2700000" algn="tl">
+                  <a:srgbClr val="000000">
+                    <a:alpha val="43137"/>
+                  </a:srgbClr>
+                </a:outerShdw>
+              </a:effectLst>
+            </a:endParaRPr>
+          </a:p>
+        </p:txBody>
+      </p:sp>
+      <p:pic>
+        <p:nvPicPr>
+          <p:cNvPr id="2" name="Picture 1"/>
+          <p:cNvPicPr>
+            <a:picLocks noChangeAspect="1"/>
+          </p:cNvPicPr>
+          <p:nvPr/>
+        </p:nvPicPr>
+        <p:blipFill rotWithShape="1">
+          <a:blip r:embed="rId3"/>
+          <a:srcRect t="-19918" b="-15935"/>
+          <a:stretch/>
+        </p:blipFill>
+        <p:spPr>
+          <a:xfrm>
+            <a:off x="129785" y="1869947"/>
+            <a:ext cx="8975468" cy="3150055"/>
+          </a:xfrm>
+          <a:prstGeom prst="rect">
+            <a:avLst/>
+          </a:prstGeom>
+          <a:solidFill>
+            <a:schemeClr val="accent3">
+              <a:lumMod val="20000"/>
+              <a:lumOff val="80000"/>
+            </a:schemeClr>
+          </a:solidFill>
+        </p:spPr>
+      </p:pic>
+      <p:sp>
+        <p:nvSpPr>
+          <p:cNvPr id="3" name="灯片编号占位符 2"/>
+          <p:cNvSpPr>
+            <a:spLocks noGrp="1"/>
+          </p:cNvSpPr>
+          <p:nvPr>
+            <p:ph type="sldNum" sz="quarter" idx="12"/>
+          </p:nvPr>
+        </p:nvSpPr>
+        <p:spPr/>
+        <p:txBody>
+          <a:bodyPr/>
+          <a:lstStyle/>
+          <a:p>
+            <a:fld id="{5F36C9FC-DA22-1F47-8722-58727A1D436E}" type="slidenum">
+              <a:rPr lang="en-US" smtClean="0">
+                <a:solidFill>
+                  <a:prstClr val="white">
+                    <a:lumMod val="65000"/>
+                    <a:lumOff val="35000"/>
+                  </a:prstClr>
+                </a:solidFill>
+              </a:rPr>
+              <a:pPr/>
+              <a:t>12</a:t>
+            </a:fld>
+            <a:endParaRPr lang="en-US" dirty="0">
+              <a:solidFill>
+                <a:prstClr val="white">
+                  <a:lumMod val="65000"/>
+                  <a:lumOff val="35000"/>
+                </a:prstClr>
+              </a:solidFill>
+            </a:endParaRPr>
+          </a:p>
+        </p:txBody>
+      </p:sp>
+    </p:spTree>
+  </p:cSld>
+  <p:clrMapOvr>
+    <a:masterClrMapping/>
+  </p:clrMapOvr>
+  <p:transition spd="slow">
+    <p:wipe/>
+  </p:transition>
+</p:sld>
+</file>
+
+<file path=ppt/slides/slide13.xml><?xml version="1.0" encoding="utf-8"?>
+<p:sld xmlns:a="http://schemas.openxmlformats.org/drawingml/2006/main" xmlns:r="http://schemas.openxmlformats.org/officeDocument/2006/relationships" xmlns:p="http://schemas.openxmlformats.org/presentationml/2006/main">
+  <p:cSld>
+    <p:spTree>
+      <p:nvGrpSpPr>
+        <p:cNvPr id="1" name=""/>
+        <p:cNvGrpSpPr/>
+        <p:nvPr/>
+      </p:nvGrpSpPr>
+      <p:grpSpPr>
+        <a:xfrm>
+          <a:off x="0" y="0"/>
+          <a:ext cx="0" cy="0"/>
+          <a:chOff x="0" y="0"/>
+          <a:chExt cx="0" cy="0"/>
+        </a:xfrm>
+      </p:grpSpPr>
+      <p:sp>
+        <p:nvSpPr>
+          <p:cNvPr id="234498" name="Rectangle 2"/>
+          <p:cNvSpPr>
+            <a:spLocks noGrp="1" noChangeArrowheads="1"/>
+          </p:cNvSpPr>
+          <p:nvPr>
+            <p:ph type="title"/>
+          </p:nvPr>
+        </p:nvSpPr>
+        <p:spPr>
+          <a:xfrm>
+            <a:off x="467544" y="260648"/>
+            <a:ext cx="8229600" cy="1265238"/>
+          </a:xfrm>
+        </p:spPr>
+        <p:txBody>
+          <a:bodyPr>
+            <a:normAutofit fontScale="90000"/>
+          </a:bodyPr>
+          <a:lstStyle/>
+          <a:p>
+            <a:pPr eaLnBrk="1" fontAlgn="auto" hangingPunct="1">
+              <a:spcAft>
+                <a:spcPts val="0"/>
+              </a:spcAft>
+              <a:defRPr/>
+            </a:pPr>
+            <a:r>
+              <a:rPr lang="en-US" dirty="0">
+                <a:solidFill>
+                  <a:schemeClr val="accent6">
+                    <a:lumMod val="40000"/>
+                    <a:lumOff val="60000"/>
+                  </a:schemeClr>
+                </a:solidFill>
+                <a:ea typeface="+mj-ea"/>
+                <a:cs typeface="+mj-cs"/>
+              </a:rPr>
+              <a:t>Data Encryption Standard</a:t>
+            </a:r>
+            <a:br>
+              <a:rPr lang="en-US" dirty="0">
+                <a:solidFill>
+                  <a:schemeClr val="accent6">
+                    <a:lumMod val="40000"/>
+                    <a:lumOff val="60000"/>
+                  </a:schemeClr>
+                </a:solidFill>
+                <a:ea typeface="+mj-ea"/>
+                <a:cs typeface="+mj-cs"/>
+              </a:rPr>
+            </a:br>
+            <a:r>
+              <a:rPr lang="en-US" dirty="0">
+                <a:solidFill>
+                  <a:schemeClr val="accent6">
+                    <a:lumMod val="40000"/>
+                    <a:lumOff val="60000"/>
+                  </a:schemeClr>
+                </a:solidFill>
+                <a:ea typeface="+mj-ea"/>
+                <a:cs typeface="+mj-cs"/>
+              </a:rPr>
+              <a:t>(DES)</a:t>
+            </a:r>
+          </a:p>
+        </p:txBody>
+      </p:sp>
+      <p:graphicFrame>
+        <p:nvGraphicFramePr>
+          <p:cNvPr id="4" name="Content Placeholder 3"/>
+          <p:cNvGraphicFramePr>
+            <a:graphicFrameLocks noGrp="1"/>
+          </p:cNvGraphicFramePr>
+          <p:nvPr>
+            <p:ph idx="1"/>
+            <p:extLst>
+              <p:ext uri="{D42A27DB-BD31-4B8C-83A1-F6EECF244321}">
+                <p14:modId xmlns:p14="http://schemas.microsoft.com/office/powerpoint/2010/main" val="256288054"/>
+              </p:ext>
+            </p:extLst>
+          </p:nvPr>
+        </p:nvGraphicFramePr>
+        <p:xfrm>
+          <a:off x="251520" y="1403350"/>
+          <a:ext cx="8686800" cy="4953000"/>
+        </p:xfrm>
+        <a:graphic>
+          <a:graphicData uri="http://schemas.openxmlformats.org/drawingml/2006/diagram">
+            <dgm:relIds xmlns:dgm="http://schemas.openxmlformats.org/drawingml/2006/diagram" xmlns:r="http://schemas.openxmlformats.org/officeDocument/2006/relationships" r:dm="rId3" r:lo="rId4" r:qs="rId5" r:cs="rId6"/>
+          </a:graphicData>
+        </a:graphic>
+      </p:graphicFrame>
+      <p:sp>
+        <p:nvSpPr>
+          <p:cNvPr id="2" name="灯片编号占位符 1"/>
+          <p:cNvSpPr>
+            <a:spLocks noGrp="1"/>
+          </p:cNvSpPr>
+          <p:nvPr>
+            <p:ph type="sldNum" sz="quarter" idx="12"/>
+          </p:nvPr>
+        </p:nvSpPr>
+        <p:spPr/>
+        <p:txBody>
+          <a:bodyPr/>
+          <a:lstStyle/>
+          <a:p>
+            <a:fld id="{5F36C9FC-DA22-1F47-8722-58727A1D436E}" type="slidenum">
+              <a:rPr lang="en-US" smtClean="0">
+                <a:solidFill>
+                  <a:prstClr val="white">
+                    <a:lumMod val="65000"/>
+                    <a:lumOff val="35000"/>
+                  </a:prstClr>
+                </a:solidFill>
+              </a:rPr>
+              <a:pPr/>
+              <a:t>13</a:t>
+            </a:fld>
+            <a:endParaRPr lang="en-US" dirty="0">
+              <a:solidFill>
+                <a:prstClr val="white">
+                  <a:lumMod val="65000"/>
+                  <a:lumOff val="35000"/>
+                </a:prstClr>
+              </a:solidFill>
+            </a:endParaRPr>
+          </a:p>
+        </p:txBody>
+      </p:sp>
+    </p:spTree>
+  </p:cSld>
+  <p:clrMapOvr>
+    <a:masterClrMapping/>
+  </p:clrMapOvr>
+</p:sld>
+</file>
+
+<file path=ppt/slides/slide14.xml><?xml version="1.0" encoding="utf-8"?>
+<p:sld xmlns:a="http://schemas.openxmlformats.org/drawingml/2006/main" xmlns:r="http://schemas.openxmlformats.org/officeDocument/2006/relationships" xmlns:p="http://schemas.openxmlformats.org/presentationml/2006/main">
+  <p:cSld>
+    <p:spTree>
+      <p:nvGrpSpPr>
+        <p:cNvPr id="1" name=""/>
+        <p:cNvGrpSpPr/>
+        <p:nvPr/>
+      </p:nvGrpSpPr>
+      <p:grpSpPr>
+        <a:xfrm>
+          <a:off x="0" y="0"/>
+          <a:ext cx="0" cy="0"/>
+          <a:chOff x="0" y="0"/>
+          <a:chExt cx="0" cy="0"/>
+        </a:xfrm>
+      </p:grpSpPr>
+      <p:sp>
+        <p:nvSpPr>
           <p:cNvPr id="209922" name="Rectangle 2"/>
           <p:cNvSpPr>
             <a:spLocks noGrp="1" noChangeArrowheads="1"/>
@@ -38918,7 +40141,7 @@
                 </a:solidFill>
               </a:rPr>
               <a:pPr/>
-              <a:t>10</a:t>
+              <a:t>14</a:t>
             </a:fld>
             <a:endParaRPr lang="en-US" dirty="0">
               <a:solidFill>
@@ -38942,7 +40165,7 @@
 </p:sld>
 </file>
 
-<file path=ppt/slides/slide11.xml><?xml version="1.0" encoding="utf-8"?>
+<file path=ppt/slides/slide15.xml><?xml version="1.0" encoding="utf-8"?>
 <p:sld xmlns:a="http://schemas.openxmlformats.org/drawingml/2006/main" xmlns:r="http://schemas.openxmlformats.org/officeDocument/2006/relationships" xmlns:p="http://schemas.openxmlformats.org/presentationml/2006/main">
   <p:cSld>
     <p:spTree>
@@ -39386,7 +40609,7 @@
                 </a:solidFill>
               </a:rPr>
               <a:pPr/>
-              <a:t>11</a:t>
+              <a:t>15</a:t>
             </a:fld>
             <a:endParaRPr lang="en-US" dirty="0">
               <a:solidFill>
@@ -39437,7 +40660,7 @@
 </p:sld>
 </file>
 
-<file path=ppt/slides/slide12.xml><?xml version="1.0" encoding="utf-8"?>
+<file path=ppt/slides/slide16.xml><?xml version="1.0" encoding="utf-8"?>
 <p:sld xmlns:a="http://schemas.openxmlformats.org/drawingml/2006/main" xmlns:r="http://schemas.openxmlformats.org/officeDocument/2006/relationships" xmlns:p="http://schemas.openxmlformats.org/presentationml/2006/main">
   <p:cSld>
     <p:spTree>
@@ -39548,7 +40771,7 @@
                 </a:solidFill>
               </a:rPr>
               <a:pPr/>
-              <a:t>12</a:t>
+              <a:t>16</a:t>
             </a:fld>
             <a:endParaRPr lang="en-US" dirty="0">
               <a:solidFill>
@@ -39569,7 +40792,7 @@
 </p:sld>
 </file>
 
-<file path=ppt/slides/slide13.xml><?xml version="1.0" encoding="utf-8"?>
+<file path=ppt/slides/slide17.xml><?xml version="1.0" encoding="utf-8"?>
 <p:sld xmlns:a="http://schemas.openxmlformats.org/drawingml/2006/main" xmlns:r="http://schemas.openxmlformats.org/officeDocument/2006/relationships" xmlns:p="http://schemas.openxmlformats.org/presentationml/2006/main">
   <p:cSld>
     <p:spTree>
@@ -39707,7 +40930,7 @@
                 </a:solidFill>
               </a:rPr>
               <a:pPr/>
-              <a:t>13</a:t>
+              <a:t>17</a:t>
             </a:fld>
             <a:endParaRPr lang="en-US" dirty="0">
               <a:solidFill>
@@ -39733,7 +40956,7 @@
 </p:sld>
 </file>
 
-<file path=ppt/slides/slide14.xml><?xml version="1.0" encoding="utf-8"?>
+<file path=ppt/slides/slide18.xml><?xml version="1.0" encoding="utf-8"?>
 <p:sld xmlns:a="http://schemas.openxmlformats.org/drawingml/2006/main" xmlns:r="http://schemas.openxmlformats.org/officeDocument/2006/relationships" xmlns:p="http://schemas.openxmlformats.org/presentationml/2006/main">
   <p:cSld>
     <p:spTree>
@@ -39994,7 +41217,7 @@
                 </a:solidFill>
               </a:rPr>
               <a:pPr/>
-              <a:t>14</a:t>
+              <a:t>18</a:t>
             </a:fld>
             <a:endParaRPr lang="en-US" dirty="0">
               <a:solidFill>
@@ -40018,7 +41241,7 @@
 </p:sld>
 </file>
 
-<file path=ppt/slides/slide15.xml><?xml version="1.0" encoding="utf-8"?>
+<file path=ppt/slides/slide19.xml><?xml version="1.0" encoding="utf-8"?>
 <p:sld xmlns:a="http://schemas.openxmlformats.org/drawingml/2006/main" xmlns:r="http://schemas.openxmlformats.org/officeDocument/2006/relationships" xmlns:p="http://schemas.openxmlformats.org/presentationml/2006/main" showMasterSp="0">
   <p:cSld>
     <p:spTree>
@@ -40196,7 +41419,7 @@
                 </a:solidFill>
               </a:rPr>
               <a:pPr/>
-              <a:t>15</a:t>
+              <a:t>19</a:t>
             </a:fld>
             <a:endParaRPr lang="en-US" dirty="0">
               <a:solidFill>
@@ -40250,7 +41473,131 @@
 </p:sld>
 </file>
 
-<file path=ppt/slides/slide16.xml><?xml version="1.0" encoding="utf-8"?>
+<file path=ppt/slides/slide2.xml><?xml version="1.0" encoding="utf-8"?>
+<p:sld xmlns:a="http://schemas.openxmlformats.org/drawingml/2006/main" xmlns:r="http://schemas.openxmlformats.org/officeDocument/2006/relationships" xmlns:p="http://schemas.openxmlformats.org/presentationml/2006/main">
+  <p:cSld>
+    <p:spTree>
+      <p:nvGrpSpPr>
+        <p:cNvPr id="1" name=""/>
+        <p:cNvGrpSpPr/>
+        <p:nvPr/>
+      </p:nvGrpSpPr>
+      <p:grpSpPr>
+        <a:xfrm>
+          <a:off x="0" y="0"/>
+          <a:ext cx="0" cy="0"/>
+          <a:chOff x="0" y="0"/>
+          <a:chExt cx="0" cy="0"/>
+        </a:xfrm>
+      </p:grpSpPr>
+      <p:sp>
+        <p:nvSpPr>
+          <p:cNvPr id="2" name="Title 1">
+            <a:extLst>
+              <a:ext uri="{FF2B5EF4-FFF2-40B4-BE49-F238E27FC236}">
+                <a16:creationId xmlns:a16="http://schemas.microsoft.com/office/drawing/2014/main" id="{A89818BD-4B98-4D20-B84E-4DCBE3A93B4C}"/>
+              </a:ext>
+            </a:extLst>
+          </p:cNvPr>
+          <p:cNvSpPr>
+            <a:spLocks noGrp="1"/>
+          </p:cNvSpPr>
+          <p:nvPr>
+            <p:ph type="title"/>
+          </p:nvPr>
+        </p:nvSpPr>
+        <p:spPr/>
+        <p:txBody>
+          <a:bodyPr/>
+          <a:lstStyle/>
+          <a:p>
+            <a:endParaRPr lang="en-SE"/>
+          </a:p>
+        </p:txBody>
+      </p:sp>
+      <p:sp>
+        <p:nvSpPr>
+          <p:cNvPr id="3" name="Content Placeholder 2">
+            <a:extLst>
+              <a:ext uri="{FF2B5EF4-FFF2-40B4-BE49-F238E27FC236}">
+                <a16:creationId xmlns:a16="http://schemas.microsoft.com/office/drawing/2014/main" id="{34C37C0D-E3AE-4D4E-8A7A-F2378D4EBF14}"/>
+              </a:ext>
+            </a:extLst>
+          </p:cNvPr>
+          <p:cNvSpPr>
+            <a:spLocks noGrp="1"/>
+          </p:cNvSpPr>
+          <p:nvPr>
+            <p:ph idx="1"/>
+          </p:nvPr>
+        </p:nvSpPr>
+        <p:spPr/>
+        <p:txBody>
+          <a:bodyPr/>
+          <a:lstStyle/>
+          <a:p>
+            <a:endParaRPr lang="en-SE"/>
+          </a:p>
+        </p:txBody>
+      </p:sp>
+      <p:sp>
+        <p:nvSpPr>
+          <p:cNvPr id="4" name="Slide Number Placeholder 3">
+            <a:extLst>
+              <a:ext uri="{FF2B5EF4-FFF2-40B4-BE49-F238E27FC236}">
+                <a16:creationId xmlns:a16="http://schemas.microsoft.com/office/drawing/2014/main" id="{7D1A8CD7-3D00-497A-8C7C-F1AFB9A4405C}"/>
+              </a:ext>
+            </a:extLst>
+          </p:cNvPr>
+          <p:cNvSpPr>
+            <a:spLocks noGrp="1"/>
+          </p:cNvSpPr>
+          <p:nvPr>
+            <p:ph type="sldNum" sz="quarter" idx="12"/>
+          </p:nvPr>
+        </p:nvSpPr>
+        <p:spPr/>
+        <p:txBody>
+          <a:bodyPr/>
+          <a:lstStyle/>
+          <a:p>
+            <a:fld id="{5F36C9FC-DA22-1F47-8722-58727A1D436E}" type="slidenum">
+              <a:rPr lang="en-US" smtClean="0">
+                <a:solidFill>
+                  <a:prstClr val="white">
+                    <a:lumMod val="65000"/>
+                    <a:lumOff val="35000"/>
+                  </a:prstClr>
+                </a:solidFill>
+              </a:rPr>
+              <a:pPr/>
+              <a:t>2</a:t>
+            </a:fld>
+            <a:endParaRPr lang="en-US" dirty="0">
+              <a:solidFill>
+                <a:prstClr val="white">
+                  <a:lumMod val="65000"/>
+                  <a:lumOff val="35000"/>
+                </a:prstClr>
+              </a:solidFill>
+            </a:endParaRPr>
+          </a:p>
+        </p:txBody>
+      </p:sp>
+    </p:spTree>
+    <p:extLst>
+      <p:ext uri="{BB962C8B-B14F-4D97-AF65-F5344CB8AC3E}">
+        <p14:creationId xmlns:p14="http://schemas.microsoft.com/office/powerpoint/2010/main" val="734825790"/>
+      </p:ext>
+    </p:extLst>
+  </p:cSld>
+  <p:clrMapOvr>
+    <a:masterClrMapping/>
+  </p:clrMapOvr>
+</p:sld>
+</file>
+
+<file path=ppt/slides/slide20.xml><?xml version="1.0" encoding="utf-8"?>
 <p:sld xmlns:a="http://schemas.openxmlformats.org/drawingml/2006/main" xmlns:r="http://schemas.openxmlformats.org/officeDocument/2006/relationships" xmlns:p="http://schemas.openxmlformats.org/presentationml/2006/main">
   <p:cSld>
     <p:spTree>
@@ -40362,7 +41709,7 @@
                 </a:solidFill>
               </a:rPr>
               <a:pPr/>
-              <a:t>16</a:t>
+              <a:t>20</a:t>
             </a:fld>
             <a:endParaRPr lang="en-US" dirty="0">
               <a:solidFill>
@@ -40422,7 +41769,7 @@
 </p:sld>
 </file>
 
-<file path=ppt/slides/slide17.xml><?xml version="1.0" encoding="utf-8"?>
+<file path=ppt/slides/slide21.xml><?xml version="1.0" encoding="utf-8"?>
 <p:sld xmlns:a="http://schemas.openxmlformats.org/drawingml/2006/main" xmlns:r="http://schemas.openxmlformats.org/officeDocument/2006/relationships" xmlns:p="http://schemas.openxmlformats.org/presentationml/2006/main">
   <p:cSld>
     <p:spTree>
@@ -40558,7 +41905,7 @@
                 </a:solidFill>
               </a:rPr>
               <a:pPr/>
-              <a:t>17</a:t>
+              <a:t>21</a:t>
             </a:fld>
             <a:endParaRPr lang="en-US" dirty="0">
               <a:solidFill>
@@ -40579,7 +41926,7 @@
 </p:sld>
 </file>
 
-<file path=ppt/slides/slide18.xml><?xml version="1.0" encoding="utf-8"?>
+<file path=ppt/slides/slide22.xml><?xml version="1.0" encoding="utf-8"?>
 <p:sld xmlns:a="http://schemas.openxmlformats.org/drawingml/2006/main" xmlns:r="http://schemas.openxmlformats.org/officeDocument/2006/relationships" xmlns:p="http://schemas.openxmlformats.org/presentationml/2006/main">
   <p:cSld>
     <p:spTree>
@@ -40686,7 +42033,7 @@
                 </a:solidFill>
               </a:rPr>
               <a:pPr/>
-              <a:t>18</a:t>
+              <a:t>22</a:t>
             </a:fld>
             <a:endParaRPr lang="en-US" dirty="0">
               <a:solidFill>
@@ -40712,7 +42059,7 @@
 </p:sld>
 </file>
 
-<file path=ppt/slides/slide19.xml><?xml version="1.0" encoding="utf-8"?>
+<file path=ppt/slides/slide23.xml><?xml version="1.0" encoding="utf-8"?>
 <p:sld xmlns:a="http://schemas.openxmlformats.org/drawingml/2006/main" xmlns:r="http://schemas.openxmlformats.org/officeDocument/2006/relationships" xmlns:p="http://schemas.openxmlformats.org/presentationml/2006/main">
   <p:cSld>
     <p:spTree>
@@ -40912,7 +42259,7 @@
                 </a:solidFill>
               </a:rPr>
               <a:pPr/>
-              <a:t>19</a:t>
+              <a:t>23</a:t>
             </a:fld>
             <a:endParaRPr lang="en-US" dirty="0">
               <a:solidFill>
@@ -40938,431 +42285,7 @@
 </p:sld>
 </file>
 
-<file path=ppt/slides/slide2.xml><?xml version="1.0" encoding="utf-8"?>
-<p:sld xmlns:a="http://schemas.openxmlformats.org/drawingml/2006/main" xmlns:r="http://schemas.openxmlformats.org/officeDocument/2006/relationships" xmlns:p="http://schemas.openxmlformats.org/presentationml/2006/main">
-  <p:cSld>
-    <p:spTree>
-      <p:nvGrpSpPr>
-        <p:cNvPr id="1" name=""/>
-        <p:cNvGrpSpPr/>
-        <p:nvPr/>
-      </p:nvGrpSpPr>
-      <p:grpSpPr>
-        <a:xfrm>
-          <a:off x="0" y="0"/>
-          <a:ext cx="0" cy="0"/>
-          <a:chOff x="0" y="0"/>
-          <a:chExt cx="0" cy="0"/>
-        </a:xfrm>
-      </p:grpSpPr>
-      <p:sp>
-        <p:nvSpPr>
-          <p:cNvPr id="2" name="标题 1"/>
-          <p:cNvSpPr>
-            <a:spLocks noGrp="1"/>
-          </p:cNvSpPr>
-          <p:nvPr>
-            <p:ph type="title"/>
-          </p:nvPr>
-        </p:nvSpPr>
-        <p:spPr>
-          <a:xfrm>
-            <a:off x="317505" y="-99392"/>
-            <a:ext cx="8229600" cy="1600200"/>
-          </a:xfrm>
-        </p:spPr>
-        <p:txBody>
-          <a:bodyPr/>
-          <a:lstStyle/>
-          <a:p>
-            <a:r>
-              <a:rPr lang="en-US" altLang="zh-CN" dirty="0">
-                <a:solidFill>
-                  <a:schemeClr val="accent6">
-                    <a:lumMod val="60000"/>
-                    <a:lumOff val="40000"/>
-                  </a:schemeClr>
-                </a:solidFill>
-              </a:rPr>
-              <a:t>Basic Terminology</a:t>
-            </a:r>
-            <a:endParaRPr lang="zh-CN" altLang="en-US" dirty="0">
-              <a:solidFill>
-                <a:schemeClr val="accent6">
-                  <a:lumMod val="60000"/>
-                  <a:lumOff val="40000"/>
-                </a:schemeClr>
-              </a:solidFill>
-            </a:endParaRPr>
-          </a:p>
-        </p:txBody>
-      </p:sp>
-      <p:sp>
-        <p:nvSpPr>
-          <p:cNvPr id="4" name="灯片编号占位符 3"/>
-          <p:cNvSpPr>
-            <a:spLocks noGrp="1"/>
-          </p:cNvSpPr>
-          <p:nvPr>
-            <p:ph type="sldNum" sz="quarter" idx="12"/>
-          </p:nvPr>
-        </p:nvSpPr>
-        <p:spPr/>
-        <p:txBody>
-          <a:bodyPr/>
-          <a:lstStyle/>
-          <a:p>
-            <a:fld id="{5F36C9FC-DA22-1F47-8722-58727A1D436E}" type="slidenum">
-              <a:rPr lang="en-US" smtClean="0">
-                <a:solidFill>
-                  <a:prstClr val="white">
-                    <a:lumMod val="65000"/>
-                    <a:lumOff val="35000"/>
-                  </a:prstClr>
-                </a:solidFill>
-              </a:rPr>
-              <a:pPr/>
-              <a:t>2</a:t>
-            </a:fld>
-            <a:endParaRPr lang="en-US" dirty="0">
-              <a:solidFill>
-                <a:prstClr val="white">
-                  <a:lumMod val="65000"/>
-                  <a:lumOff val="35000"/>
-                </a:prstClr>
-              </a:solidFill>
-            </a:endParaRPr>
-          </a:p>
-        </p:txBody>
-      </p:sp>
-      <p:sp>
-        <p:nvSpPr>
-          <p:cNvPr id="5" name="TextBox 14"/>
-          <p:cNvSpPr txBox="1"/>
-          <p:nvPr/>
-        </p:nvSpPr>
-        <p:spPr>
-          <a:xfrm>
-            <a:off x="260280" y="1988840"/>
-            <a:ext cx="8282998" cy="3564053"/>
-          </a:xfrm>
-          <a:prstGeom prst="rect">
-            <a:avLst/>
-          </a:prstGeom>
-          <a:noFill/>
-        </p:spPr>
-        <p:txBody>
-          <a:bodyPr wrap="square">
-            <a:prstTxWarp prst="textNoShape">
-              <a:avLst/>
-            </a:prstTxWarp>
-            <a:spAutoFit/>
-          </a:bodyPr>
-          <a:lstStyle/>
-          <a:p>
-            <a:pPr marL="685800" lvl="1" indent="-336550">
-              <a:lnSpc>
-                <a:spcPct val="70000"/>
-              </a:lnSpc>
-              <a:spcBef>
-                <a:spcPts val="600"/>
-              </a:spcBef>
-              <a:buClr>
-                <a:schemeClr val="accent2"/>
-              </a:buClr>
-              <a:buSzPct val="90000"/>
-              <a:buFont typeface="Wingdings" pitchFamily="33" charset="2"/>
-              <a:buChar char=""/>
-              <a:defRPr/>
-            </a:pPr>
-            <a:r>
-              <a:rPr lang="en-US" sz="2800" dirty="0">
-                <a:effectLst>
-                  <a:outerShdw blurRad="38100" dist="38100" dir="2700000" algn="tl">
-                    <a:srgbClr val="0064E2"/>
-                  </a:outerShdw>
-                </a:effectLst>
-                <a:latin typeface="+mn-lt"/>
-              </a:rPr>
-              <a:t>Plaintext</a:t>
-            </a:r>
-          </a:p>
-          <a:p>
-            <a:pPr marL="1492250" lvl="3" indent="-349250">
-              <a:lnSpc>
-                <a:spcPct val="70000"/>
-              </a:lnSpc>
-              <a:spcBef>
-                <a:spcPts val="600"/>
-              </a:spcBef>
-              <a:buClr>
-                <a:schemeClr val="accent1"/>
-              </a:buClr>
-              <a:buSzPct val="90000"/>
-              <a:buFont typeface="Wingdings" pitchFamily="33" charset="2"/>
-              <a:buChar char=""/>
-              <a:defRPr/>
-            </a:pPr>
-            <a:r>
-              <a:rPr lang="en-US" sz="2000" dirty="0">
-                <a:effectLst>
-                  <a:outerShdw blurRad="38100" dist="38100" dir="2700000" algn="tl">
-                    <a:srgbClr val="0064E2"/>
-                  </a:outerShdw>
-                </a:effectLst>
-                <a:latin typeface="+mj-lt"/>
-              </a:rPr>
-              <a:t>Readable message or data that is fed into the algorithm as input</a:t>
-            </a:r>
-          </a:p>
-          <a:p>
-            <a:pPr marL="685800" lvl="1" indent="-336550">
-              <a:lnSpc>
-                <a:spcPct val="70000"/>
-              </a:lnSpc>
-              <a:spcBef>
-                <a:spcPts val="600"/>
-              </a:spcBef>
-              <a:buClr>
-                <a:schemeClr val="accent2"/>
-              </a:buClr>
-              <a:buSzPct val="90000"/>
-              <a:buFont typeface="Wingdings" pitchFamily="33" charset="2"/>
-              <a:buChar char=""/>
-              <a:defRPr/>
-            </a:pPr>
-            <a:r>
-              <a:rPr lang="en-US" sz="2800" dirty="0">
-                <a:effectLst>
-                  <a:outerShdw blurRad="38100" dist="38100" dir="2700000" algn="tl">
-                    <a:srgbClr val="0064E2"/>
-                  </a:outerShdw>
-                </a:effectLst>
-                <a:latin typeface="+mn-lt"/>
-              </a:rPr>
-              <a:t>Encryption algorithm</a:t>
-            </a:r>
-          </a:p>
-          <a:p>
-            <a:pPr marL="1492250" lvl="3" indent="-349250">
-              <a:lnSpc>
-                <a:spcPct val="70000"/>
-              </a:lnSpc>
-              <a:spcBef>
-                <a:spcPts val="600"/>
-              </a:spcBef>
-              <a:buClr>
-                <a:schemeClr val="accent1"/>
-              </a:buClr>
-              <a:buSzPct val="90000"/>
-              <a:buFont typeface="Wingdings" pitchFamily="33" charset="2"/>
-              <a:buChar char=""/>
-              <a:defRPr/>
-            </a:pPr>
-            <a:r>
-              <a:rPr lang="en-US" sz="2000" dirty="0">
-                <a:effectLst>
-                  <a:outerShdw blurRad="38100" dist="38100" dir="2700000" algn="tl">
-                    <a:srgbClr val="0064E2"/>
-                  </a:outerShdw>
-                </a:effectLst>
-                <a:latin typeface="+mj-lt"/>
-              </a:rPr>
-              <a:t>Performs transformations on the plaintext</a:t>
-            </a:r>
-          </a:p>
-          <a:p>
-            <a:pPr marL="685800" lvl="1" indent="-336550">
-              <a:lnSpc>
-                <a:spcPct val="70000"/>
-              </a:lnSpc>
-              <a:spcBef>
-                <a:spcPts val="600"/>
-              </a:spcBef>
-              <a:buClr>
-                <a:schemeClr val="accent2"/>
-              </a:buClr>
-              <a:buSzPct val="90000"/>
-              <a:buFont typeface="Wingdings" pitchFamily="33" charset="2"/>
-              <a:buChar char=""/>
-              <a:defRPr/>
-            </a:pPr>
-            <a:r>
-              <a:rPr lang="en-US" sz="2800" dirty="0">
-                <a:effectLst>
-                  <a:outerShdw blurRad="38100" dist="38100" dir="2700000" algn="tl">
-                    <a:srgbClr val="0064E2"/>
-                  </a:outerShdw>
-                </a:effectLst>
-                <a:latin typeface="+mn-lt"/>
-              </a:rPr>
-              <a:t>Public and private key</a:t>
-            </a:r>
-          </a:p>
-          <a:p>
-            <a:pPr marL="1492250" lvl="3" indent="-349250">
-              <a:lnSpc>
-                <a:spcPct val="70000"/>
-              </a:lnSpc>
-              <a:spcBef>
-                <a:spcPts val="600"/>
-              </a:spcBef>
-              <a:buClr>
-                <a:schemeClr val="accent1"/>
-              </a:buClr>
-              <a:buSzPct val="90000"/>
-              <a:buFont typeface="Wingdings" pitchFamily="33" charset="2"/>
-              <a:buChar char=""/>
-              <a:defRPr/>
-            </a:pPr>
-            <a:r>
-              <a:rPr lang="en-US" sz="2000" dirty="0">
-                <a:effectLst>
-                  <a:outerShdw blurRad="38100" dist="38100" dir="2700000" algn="tl">
-                    <a:srgbClr val="0064E2"/>
-                  </a:outerShdw>
-                </a:effectLst>
-                <a:latin typeface="+mj-lt"/>
-              </a:rPr>
-              <a:t>Pair of keys, one for encryption, one for decryption</a:t>
-            </a:r>
-          </a:p>
-          <a:p>
-            <a:pPr marL="685800" lvl="1" indent="-336550">
-              <a:lnSpc>
-                <a:spcPct val="70000"/>
-              </a:lnSpc>
-              <a:spcBef>
-                <a:spcPts val="600"/>
-              </a:spcBef>
-              <a:buClr>
-                <a:schemeClr val="accent2"/>
-              </a:buClr>
-              <a:buSzPct val="90000"/>
-              <a:buFont typeface="Wingdings" pitchFamily="33" charset="2"/>
-              <a:buChar char=""/>
-              <a:defRPr/>
-            </a:pPr>
-            <a:r>
-              <a:rPr lang="en-US" sz="2800" dirty="0" err="1">
-                <a:effectLst>
-                  <a:outerShdw blurRad="38100" dist="38100" dir="2700000" algn="tl">
-                    <a:srgbClr val="0064E2"/>
-                  </a:outerShdw>
-                </a:effectLst>
-                <a:latin typeface="+mn-lt"/>
-              </a:rPr>
-              <a:t>Ciphertext</a:t>
-            </a:r>
-            <a:endParaRPr lang="en-US" sz="2800" dirty="0">
-              <a:effectLst>
-                <a:outerShdw blurRad="38100" dist="38100" dir="2700000" algn="tl">
-                  <a:srgbClr val="0064E2"/>
-                </a:outerShdw>
-              </a:effectLst>
-              <a:latin typeface="+mn-lt"/>
-            </a:endParaRPr>
-          </a:p>
-          <a:p>
-            <a:pPr marL="1492250" lvl="3" indent="-349250">
-              <a:lnSpc>
-                <a:spcPct val="70000"/>
-              </a:lnSpc>
-              <a:spcBef>
-                <a:spcPts val="600"/>
-              </a:spcBef>
-              <a:buClr>
-                <a:schemeClr val="accent1"/>
-              </a:buClr>
-              <a:buSzPct val="90000"/>
-              <a:buFont typeface="Wingdings" pitchFamily="33" charset="2"/>
-              <a:buChar char=""/>
-              <a:defRPr/>
-            </a:pPr>
-            <a:r>
-              <a:rPr lang="en-US" sz="2000" dirty="0">
-                <a:effectLst>
-                  <a:outerShdw blurRad="38100" dist="38100" dir="2700000" algn="tl">
-                    <a:srgbClr val="0064E2"/>
-                  </a:outerShdw>
-                </a:effectLst>
-                <a:latin typeface="+mj-lt"/>
-              </a:rPr>
-              <a:t>Scrambled message produced as output</a:t>
-            </a:r>
-          </a:p>
-          <a:p>
-            <a:pPr marL="685800" lvl="1" indent="-336550">
-              <a:lnSpc>
-                <a:spcPct val="70000"/>
-              </a:lnSpc>
-              <a:spcBef>
-                <a:spcPts val="600"/>
-              </a:spcBef>
-              <a:buClr>
-                <a:schemeClr val="accent2"/>
-              </a:buClr>
-              <a:buSzPct val="90000"/>
-              <a:buFont typeface="Wingdings" pitchFamily="33" charset="2"/>
-              <a:buChar char=""/>
-              <a:defRPr/>
-            </a:pPr>
-            <a:r>
-              <a:rPr lang="en-US" sz="2800" dirty="0">
-                <a:effectLst>
-                  <a:outerShdw blurRad="38100" dist="38100" dir="2700000" algn="tl">
-                    <a:srgbClr val="0064E2"/>
-                  </a:outerShdw>
-                </a:effectLst>
-                <a:latin typeface="+mn-lt"/>
-              </a:rPr>
-              <a:t>Decryption key</a:t>
-            </a:r>
-          </a:p>
-          <a:p>
-            <a:pPr marL="1492250" lvl="3" indent="-349250">
-              <a:lnSpc>
-                <a:spcPct val="70000"/>
-              </a:lnSpc>
-              <a:spcBef>
-                <a:spcPts val="600"/>
-              </a:spcBef>
-              <a:buClr>
-                <a:schemeClr val="accent1"/>
-              </a:buClr>
-              <a:buSzPct val="90000"/>
-              <a:buFont typeface="Wingdings" pitchFamily="33" charset="2"/>
-              <a:buChar char=""/>
-              <a:defRPr/>
-            </a:pPr>
-            <a:r>
-              <a:rPr lang="en-US" sz="2000" dirty="0">
-                <a:effectLst>
-                  <a:outerShdw blurRad="38100" dist="38100" dir="2700000" algn="tl">
-                    <a:srgbClr val="0064E2"/>
-                  </a:outerShdw>
-                </a:effectLst>
-                <a:latin typeface="+mj-lt"/>
-              </a:rPr>
-              <a:t>Produces the original plaintext</a:t>
-            </a:r>
-          </a:p>
-        </p:txBody>
-      </p:sp>
-    </p:spTree>
-    <p:extLst>
-      <p:ext uri="{BB962C8B-B14F-4D97-AF65-F5344CB8AC3E}">
-        <p14:creationId xmlns:p14="http://schemas.microsoft.com/office/powerpoint/2010/main" val="2226536547"/>
-      </p:ext>
-    </p:extLst>
-  </p:cSld>
-  <p:clrMapOvr>
-    <a:masterClrMapping/>
-  </p:clrMapOvr>
-</p:sld>
-</file>
-
-<file path=ppt/slides/slide20.xml><?xml version="1.0" encoding="utf-8"?>
+<file path=ppt/slides/slide24.xml><?xml version="1.0" encoding="utf-8"?>
 <p:sld xmlns:a="http://schemas.openxmlformats.org/drawingml/2006/main" xmlns:r="http://schemas.openxmlformats.org/officeDocument/2006/relationships" xmlns:p="http://schemas.openxmlformats.org/presentationml/2006/main">
   <p:cSld>
     <p:spTree>
@@ -41436,7 +42359,7 @@
                 </a:solidFill>
               </a:rPr>
               <a:pPr/>
-              <a:t>20</a:t>
+              <a:t>24</a:t>
             </a:fld>
             <a:endParaRPr lang="en-US" dirty="0">
               <a:solidFill>
@@ -41783,7 +42706,7 @@
 </p:sld>
 </file>
 
-<file path=ppt/slides/slide21.xml><?xml version="1.0" encoding="utf-8"?>
+<file path=ppt/slides/slide25.xml><?xml version="1.0" encoding="utf-8"?>
 <p:sld xmlns:a="http://schemas.openxmlformats.org/drawingml/2006/main" xmlns:r="http://schemas.openxmlformats.org/officeDocument/2006/relationships" xmlns:p="http://schemas.openxmlformats.org/presentationml/2006/main">
   <p:cSld>
     <p:spTree>
@@ -41831,7 +42754,7 @@
                 </a:solidFill>
               </a:rPr>
               <a:pPr/>
-              <a:t>21</a:t>
+              <a:t>25</a:t>
             </a:fld>
             <a:endParaRPr lang="en-US" dirty="0">
               <a:solidFill>
@@ -42225,7 +43148,7 @@
 </p:sld>
 </file>
 
-<file path=ppt/slides/slide22.xml><?xml version="1.0" encoding="utf-8"?>
+<file path=ppt/slides/slide26.xml><?xml version="1.0" encoding="utf-8"?>
 <p:sld xmlns:a="http://schemas.openxmlformats.org/drawingml/2006/main" xmlns:r="http://schemas.openxmlformats.org/officeDocument/2006/relationships" xmlns:p="http://schemas.openxmlformats.org/presentationml/2006/main">
   <p:cSld>
     <p:spTree>
@@ -42267,7 +43190,7 @@
                 </a:solidFill>
               </a:rPr>
               <a:pPr/>
-              <a:t>22</a:t>
+              <a:t>26</a:t>
             </a:fld>
             <a:endParaRPr lang="en-US" dirty="0">
               <a:solidFill>
@@ -42570,7 +43493,7 @@
 </p:sld>
 </file>
 
-<file path=ppt/slides/slide23.xml><?xml version="1.0" encoding="utf-8"?>
+<file path=ppt/slides/slide27.xml><?xml version="1.0" encoding="utf-8"?>
 <p:sld xmlns:a="http://schemas.openxmlformats.org/drawingml/2006/main" xmlns:r="http://schemas.openxmlformats.org/officeDocument/2006/relationships" xmlns:p="http://schemas.openxmlformats.org/presentationml/2006/main">
   <p:cSld>
     <p:spTree>
@@ -42618,7 +43541,7 @@
                 </a:solidFill>
               </a:rPr>
               <a:pPr/>
-              <a:t>23</a:t>
+              <a:t>27</a:t>
             </a:fld>
             <a:endParaRPr lang="en-US" dirty="0">
               <a:solidFill>
@@ -42866,7 +43789,7 @@
 </p:sld>
 </file>
 
-<file path=ppt/slides/slide24.xml><?xml version="1.0" encoding="utf-8"?>
+<file path=ppt/slides/slide28.xml><?xml version="1.0" encoding="utf-8"?>
 <p:sld xmlns:a="http://schemas.openxmlformats.org/drawingml/2006/main" xmlns:r="http://schemas.openxmlformats.org/officeDocument/2006/relationships" xmlns:p="http://schemas.openxmlformats.org/presentationml/2006/main">
   <p:cSld>
     <p:spTree>
@@ -43196,7 +44119,7 @@
                 </a:solidFill>
               </a:rPr>
               <a:pPr/>
-              <a:t>24</a:t>
+              <a:t>28</a:t>
             </a:fld>
             <a:endParaRPr lang="en-US" dirty="0">
               <a:solidFill>
@@ -43217,7 +44140,7 @@
 </p:sld>
 </file>
 
-<file path=ppt/slides/slide25.xml><?xml version="1.0" encoding="utf-8"?>
+<file path=ppt/slides/slide29.xml><?xml version="1.0" encoding="utf-8"?>
 <p:sld xmlns:a="http://schemas.openxmlformats.org/drawingml/2006/main" xmlns:r="http://schemas.openxmlformats.org/officeDocument/2006/relationships" xmlns:p="http://schemas.openxmlformats.org/presentationml/2006/main">
   <p:cSld>
     <p:spTree>
@@ -43514,7 +44437,7 @@
                 </a:solidFill>
               </a:rPr>
               <a:pPr/>
-              <a:t>25</a:t>
+              <a:t>29</a:t>
             </a:fld>
             <a:endParaRPr lang="en-US" dirty="0">
               <a:solidFill>
@@ -43535,7 +44458,214 @@
 </p:sld>
 </file>
 
-<file path=ppt/slides/slide26.xml><?xml version="1.0" encoding="utf-8"?>
+<file path=ppt/slides/slide3.xml><?xml version="1.0" encoding="utf-8"?>
+<p:sld xmlns:a="http://schemas.openxmlformats.org/drawingml/2006/main" xmlns:r="http://schemas.openxmlformats.org/officeDocument/2006/relationships" xmlns:p="http://schemas.openxmlformats.org/presentationml/2006/main">
+  <p:cSld>
+    <p:spTree>
+      <p:nvGrpSpPr>
+        <p:cNvPr id="1" name=""/>
+        <p:cNvGrpSpPr/>
+        <p:nvPr/>
+      </p:nvGrpSpPr>
+      <p:grpSpPr>
+        <a:xfrm>
+          <a:off x="0" y="0"/>
+          <a:ext cx="0" cy="0"/>
+          <a:chOff x="0" y="0"/>
+          <a:chExt cx="0" cy="0"/>
+        </a:xfrm>
+      </p:grpSpPr>
+      <p:pic>
+        <p:nvPicPr>
+          <p:cNvPr id="5" name="Picture 4">
+            <a:extLst>
+              <a:ext uri="{FF2B5EF4-FFF2-40B4-BE49-F238E27FC236}">
+                <a16:creationId xmlns:a16="http://schemas.microsoft.com/office/drawing/2014/main" id="{7D2B884F-60BD-4004-9F23-6F914C857531}"/>
+              </a:ext>
+            </a:extLst>
+          </p:cNvPr>
+          <p:cNvPicPr>
+            <a:picLocks noChangeAspect="1"/>
+          </p:cNvPicPr>
+          <p:nvPr/>
+        </p:nvPicPr>
+        <p:blipFill>
+          <a:blip r:embed="rId3"/>
+          <a:stretch>
+            <a:fillRect/>
+          </a:stretch>
+        </p:blipFill>
+        <p:spPr>
+          <a:xfrm>
+            <a:off x="3553943" y="0"/>
+            <a:ext cx="5590057" cy="6858000"/>
+          </a:xfrm>
+          <a:prstGeom prst="rect">
+            <a:avLst/>
+          </a:prstGeom>
+        </p:spPr>
+      </p:pic>
+      <p:sp>
+        <p:nvSpPr>
+          <p:cNvPr id="2" name="Title 1">
+            <a:extLst>
+              <a:ext uri="{FF2B5EF4-FFF2-40B4-BE49-F238E27FC236}">
+                <a16:creationId xmlns:a16="http://schemas.microsoft.com/office/drawing/2014/main" id="{8CC369F0-4DCF-4FAA-B5D9-6AF0D16AA140}"/>
+              </a:ext>
+            </a:extLst>
+          </p:cNvPr>
+          <p:cNvSpPr>
+            <a:spLocks noGrp="1"/>
+          </p:cNvSpPr>
+          <p:nvPr>
+            <p:ph type="title"/>
+          </p:nvPr>
+        </p:nvSpPr>
+        <p:spPr>
+          <a:xfrm>
+            <a:off x="323528" y="188640"/>
+            <a:ext cx="3839681" cy="868362"/>
+          </a:xfrm>
+        </p:spPr>
+        <p:txBody>
+          <a:bodyPr/>
+          <a:lstStyle/>
+          <a:p>
+            <a:r>
+              <a:rPr lang="en-US" sz="3600" dirty="0"/>
+              <a:t>Digital Signature</a:t>
+            </a:r>
+            <a:endParaRPr lang="en-SE" sz="3600" dirty="0"/>
+          </a:p>
+        </p:txBody>
+      </p:sp>
+      <p:sp>
+        <p:nvSpPr>
+          <p:cNvPr id="3" name="Content Placeholder 2">
+            <a:extLst>
+              <a:ext uri="{FF2B5EF4-FFF2-40B4-BE49-F238E27FC236}">
+                <a16:creationId xmlns:a16="http://schemas.microsoft.com/office/drawing/2014/main" id="{DBD9B90A-BF78-4DAF-8E22-6BC16ACB3003}"/>
+              </a:ext>
+            </a:extLst>
+          </p:cNvPr>
+          <p:cNvSpPr>
+            <a:spLocks noGrp="1"/>
+          </p:cNvSpPr>
+          <p:nvPr>
+            <p:ph idx="1"/>
+          </p:nvPr>
+        </p:nvSpPr>
+        <p:spPr>
+          <a:xfrm>
+            <a:off x="193638" y="1196752"/>
+            <a:ext cx="3539266" cy="5661248"/>
+          </a:xfrm>
+        </p:spPr>
+        <p:txBody>
+          <a:bodyPr>
+            <a:normAutofit fontScale="55000" lnSpcReduction="20000"/>
+          </a:bodyPr>
+          <a:lstStyle/>
+          <a:p>
+            <a:pPr marL="0" indent="0">
+              <a:buNone/>
+            </a:pPr>
+            <a:r>
+              <a:rPr lang="en-US" kern="1200" dirty="0">
+                <a:latin typeface="Arial" pitchFamily="-108" charset="0"/>
+                <a:ea typeface="ＭＳ Ｐゴシック" pitchFamily="33" charset="-128"/>
+                <a:cs typeface="ＭＳ Ｐゴシック" pitchFamily="33" charset="-128"/>
+              </a:rPr>
+              <a:t>Bob uses a crypto hash function to generate a hash value (message digest) for the message. That hash value, together with Bob’s private key, serve as input to a digital signature generation algorithm that produces a short block that functions as a digital signature. Bob sends the message with the signature attached.</a:t>
+            </a:r>
+          </a:p>
+          <a:p>
+            <a:pPr marL="0" indent="0">
+              <a:buNone/>
+            </a:pPr>
+            <a:r>
+              <a:rPr lang="en-US" kern="1200" dirty="0">
+                <a:latin typeface="Arial" pitchFamily="-108" charset="0"/>
+                <a:ea typeface="ＭＳ Ｐゴシック" pitchFamily="33" charset="-128"/>
+                <a:cs typeface="ＭＳ Ｐゴシック" pitchFamily="33" charset="-128"/>
+              </a:rPr>
+              <a:t>When Alice receives the message plus signature, she (1) calculates a hash value for the message; (2) provides the hash value and Bob’s public key as inputs to a digital signature verification algorithm. If the algorithm returns the result that the signature is valid, Alice is assured that the message must have been signed by Bob. </a:t>
+            </a:r>
+          </a:p>
+          <a:p>
+            <a:pPr marL="0" indent="0">
+              <a:buNone/>
+            </a:pPr>
+            <a:r>
+              <a:rPr lang="en-US" kern="1200" dirty="0">
+                <a:latin typeface="Arial" pitchFamily="-108" charset="0"/>
+                <a:ea typeface="ＭＳ Ｐゴシック" pitchFamily="33" charset="-128"/>
+                <a:cs typeface="ＭＳ Ｐゴシック" pitchFamily="33" charset="-128"/>
+              </a:rPr>
+              <a:t>No one else has Bob’s private key, and therefore no one else could have created a signature that could be verified for this message with Bob’s public key. In addition, it is impossible to alter the message without access to Bob’s private key, so the message is authenticated both in terms of source and in terms of data integrity.</a:t>
+            </a:r>
+          </a:p>
+          <a:p>
+            <a:pPr marL="0" indent="0">
+              <a:buNone/>
+            </a:pPr>
+            <a:r>
+              <a:rPr lang="en-US" dirty="0"/>
+              <a:t>More efficient than encrypting/decrypting the entire message, since hash is very short.</a:t>
+            </a:r>
+            <a:endParaRPr lang="en-SE" dirty="0"/>
+          </a:p>
+        </p:txBody>
+      </p:sp>
+      <p:sp>
+        <p:nvSpPr>
+          <p:cNvPr id="4" name="Slide Number Placeholder 3">
+            <a:extLst>
+              <a:ext uri="{FF2B5EF4-FFF2-40B4-BE49-F238E27FC236}">
+                <a16:creationId xmlns:a16="http://schemas.microsoft.com/office/drawing/2014/main" id="{A3C03566-6E45-4C85-84F1-E30D1FFECF70}"/>
+              </a:ext>
+            </a:extLst>
+          </p:cNvPr>
+          <p:cNvSpPr>
+            <a:spLocks noGrp="1"/>
+          </p:cNvSpPr>
+          <p:nvPr>
+            <p:ph type="sldNum" sz="quarter" idx="12"/>
+          </p:nvPr>
+        </p:nvSpPr>
+        <p:spPr/>
+        <p:txBody>
+          <a:bodyPr/>
+          <a:lstStyle/>
+          <a:p>
+            <a:pPr>
+              <a:defRPr/>
+            </a:pPr>
+            <a:fld id="{F57F456A-00AF-44E6-8D70-638C0D0130FF}" type="slidenum">
+              <a:rPr lang="en-US" altLang="zh-CN" smtClean="0"/>
+              <a:pPr>
+                <a:defRPr/>
+              </a:pPr>
+              <a:t>3</a:t>
+            </a:fld>
+            <a:endParaRPr lang="en-US" altLang="zh-CN" dirty="0"/>
+          </a:p>
+        </p:txBody>
+      </p:sp>
+    </p:spTree>
+    <p:extLst>
+      <p:ext uri="{BB962C8B-B14F-4D97-AF65-F5344CB8AC3E}">
+        <p14:creationId xmlns:p14="http://schemas.microsoft.com/office/powerpoint/2010/main" val="236810979"/>
+      </p:ext>
+    </p:extLst>
+  </p:cSld>
+  <p:clrMapOvr>
+    <a:masterClrMapping/>
+  </p:clrMapOvr>
+</p:sld>
+</file>
+
+<file path=ppt/slides/slide30.xml><?xml version="1.0" encoding="utf-8"?>
 <p:sld xmlns:a="http://schemas.openxmlformats.org/drawingml/2006/main" xmlns:r="http://schemas.openxmlformats.org/officeDocument/2006/relationships" xmlns:p="http://schemas.openxmlformats.org/presentationml/2006/main">
   <p:cSld>
     <p:spTree>
@@ -43655,7 +44785,7 @@
                 </a:solidFill>
               </a:rPr>
               <a:pPr/>
-              <a:t>26</a:t>
+              <a:t>30</a:t>
             </a:fld>
             <a:endParaRPr lang="en-US" dirty="0">
               <a:solidFill>
@@ -43676,7 +44806,7 @@
 </p:sld>
 </file>
 
-<file path=ppt/slides/slide27.xml><?xml version="1.0" encoding="utf-8"?>
+<file path=ppt/slides/slide31.xml><?xml version="1.0" encoding="utf-8"?>
 <p:sld xmlns:a="http://schemas.openxmlformats.org/drawingml/2006/main" xmlns:r="http://schemas.openxmlformats.org/officeDocument/2006/relationships" xmlns:p="http://schemas.openxmlformats.org/presentationml/2006/main" showMasterSp="0">
   <p:cSld>
     <p:spTree>
@@ -44051,7 +45181,7 @@
                 </a:solidFill>
               </a:rPr>
               <a:pPr/>
-              <a:t>27</a:t>
+              <a:t>31</a:t>
             </a:fld>
             <a:endParaRPr lang="en-US" dirty="0">
               <a:solidFill>
@@ -44072,7 +45202,1662 @@
 </p:sld>
 </file>
 
-<file path=ppt/slides/slide3.xml><?xml version="1.0" encoding="utf-8"?>
+<file path=ppt/slides/slide4.xml><?xml version="1.0" encoding="utf-8"?>
+<p:sld xmlns:a="http://schemas.openxmlformats.org/drawingml/2006/main" xmlns:r="http://schemas.openxmlformats.org/officeDocument/2006/relationships" xmlns:p="http://schemas.openxmlformats.org/presentationml/2006/main">
+  <p:cSld>
+    <p:spTree>
+      <p:nvGrpSpPr>
+        <p:cNvPr id="1" name=""/>
+        <p:cNvGrpSpPr/>
+        <p:nvPr/>
+      </p:nvGrpSpPr>
+      <p:grpSpPr>
+        <a:xfrm>
+          <a:off x="0" y="0"/>
+          <a:ext cx="0" cy="0"/>
+          <a:chOff x="0" y="0"/>
+          <a:chExt cx="0" cy="0"/>
+        </a:xfrm>
+      </p:grpSpPr>
+      <p:sp>
+        <p:nvSpPr>
+          <p:cNvPr id="4" name="Title 3">
+            <a:extLst>
+              <a:ext uri="{FF2B5EF4-FFF2-40B4-BE49-F238E27FC236}">
+                <a16:creationId xmlns:a16="http://schemas.microsoft.com/office/drawing/2014/main" id="{C7794AD3-98C1-4E10-BE0C-7086C65FD691}"/>
+              </a:ext>
+            </a:extLst>
+          </p:cNvPr>
+          <p:cNvSpPr>
+            <a:spLocks noGrp="1"/>
+          </p:cNvSpPr>
+          <p:nvPr>
+            <p:ph type="title"/>
+          </p:nvPr>
+        </p:nvSpPr>
+        <p:spPr/>
+        <p:txBody>
+          <a:bodyPr/>
+          <a:lstStyle/>
+          <a:p>
+            <a:endParaRPr lang="en-SE"/>
+          </a:p>
+        </p:txBody>
+      </p:sp>
+      <p:sp>
+        <p:nvSpPr>
+          <p:cNvPr id="2" name="灯片编号占位符 1">
+            <a:extLst>
+              <a:ext uri="{FF2B5EF4-FFF2-40B4-BE49-F238E27FC236}">
+                <a16:creationId xmlns:a16="http://schemas.microsoft.com/office/drawing/2014/main" id="{099C9457-9190-405D-907A-35A38345006F}"/>
+              </a:ext>
+            </a:extLst>
+          </p:cNvPr>
+          <p:cNvSpPr>
+            <a:spLocks noGrp="1"/>
+          </p:cNvSpPr>
+          <p:nvPr>
+            <p:ph type="sldNum" sz="quarter" idx="12"/>
+          </p:nvPr>
+        </p:nvSpPr>
+        <p:spPr/>
+        <p:txBody>
+          <a:bodyPr/>
+          <a:lstStyle/>
+          <a:p>
+            <a:fld id="{4711BA6F-B221-4442-B3E0-4DE91DDD2916}" type="slidenum">
+              <a:rPr lang="en-US" smtClean="0">
+                <a:solidFill>
+                  <a:prstClr val="white">
+                    <a:lumMod val="65000"/>
+                    <a:lumOff val="35000"/>
+                  </a:prstClr>
+                </a:solidFill>
+              </a:rPr>
+              <a:pPr/>
+              <a:t>4</a:t>
+            </a:fld>
+            <a:endParaRPr lang="en-US" dirty="0">
+              <a:solidFill>
+                <a:prstClr val="white">
+                  <a:lumMod val="65000"/>
+                  <a:lumOff val="35000"/>
+                </a:prstClr>
+              </a:solidFill>
+            </a:endParaRPr>
+          </a:p>
+        </p:txBody>
+      </p:sp>
+      <p:pic>
+        <p:nvPicPr>
+          <p:cNvPr id="3" name="图片 2">
+            <a:extLst>
+              <a:ext uri="{FF2B5EF4-FFF2-40B4-BE49-F238E27FC236}">
+                <a16:creationId xmlns:a16="http://schemas.microsoft.com/office/drawing/2014/main" id="{229A84F4-64C5-45D1-9F0E-674CE575268A}"/>
+              </a:ext>
+            </a:extLst>
+          </p:cNvPr>
+          <p:cNvPicPr>
+            <a:picLocks noChangeAspect="1"/>
+          </p:cNvPicPr>
+          <p:nvPr/>
+        </p:nvPicPr>
+        <p:blipFill>
+          <a:blip r:embed="rId2"/>
+          <a:stretch>
+            <a:fillRect/>
+          </a:stretch>
+        </p:blipFill>
+        <p:spPr>
+          <a:xfrm>
+            <a:off x="4236439" y="70079"/>
+            <a:ext cx="4831361" cy="6857999"/>
+          </a:xfrm>
+          <a:prstGeom prst="rect">
+            <a:avLst/>
+          </a:prstGeom>
+        </p:spPr>
+      </p:pic>
+      <mc:AlternateContent xmlns:mc="http://schemas.openxmlformats.org/markup-compatibility/2006">
+        <mc:Choice xmlns:a14="http://schemas.microsoft.com/office/drawing/2010/main" Requires="a14">
+          <p:sp>
+            <p:nvSpPr>
+              <p:cNvPr id="7" name="Content Placeholder 16">
+                <a:extLst>
+                  <a:ext uri="{FF2B5EF4-FFF2-40B4-BE49-F238E27FC236}">
+                    <a16:creationId xmlns:a16="http://schemas.microsoft.com/office/drawing/2014/main" id="{BA3A3148-4CCE-4A22-9166-9E3B703EB8BB}"/>
+                  </a:ext>
+                </a:extLst>
+              </p:cNvPr>
+              <p:cNvSpPr txBox="1">
+                <a:spLocks/>
+              </p:cNvSpPr>
+              <p:nvPr/>
+            </p:nvSpPr>
+            <p:spPr>
+              <a:xfrm>
+                <a:off x="-40086" y="622821"/>
+                <a:ext cx="4101205" cy="6857999"/>
+              </a:xfrm>
+              <a:prstGeom prst="rect">
+                <a:avLst/>
+              </a:prstGeom>
+            </p:spPr>
+            <p:txBody>
+              <a:bodyPr/>
+              <a:lstStyle>
+                <a:lvl1pPr marL="342900" indent="-342900" algn="l" defTabSz="914400" rtl="0" eaLnBrk="1" latinLnBrk="0" hangingPunct="1">
+                  <a:spcBef>
+                    <a:spcPct val="20000"/>
+                  </a:spcBef>
+                  <a:buFont typeface="Arial" pitchFamily="34" charset="0"/>
+                  <a:buChar char="•"/>
+                  <a:defRPr sz="2400" kern="1200">
+                    <a:solidFill>
+                      <a:schemeClr val="tx1">
+                        <a:lumMod val="50000"/>
+                        <a:lumOff val="50000"/>
+                      </a:schemeClr>
+                    </a:solidFill>
+                    <a:latin typeface="+mj-lt"/>
+                    <a:ea typeface="+mn-ea"/>
+                    <a:cs typeface="+mn-cs"/>
+                  </a:defRPr>
+                </a:lvl1pPr>
+                <a:lvl2pPr marL="742950" indent="-285750" algn="l" defTabSz="914400" rtl="0" eaLnBrk="1" latinLnBrk="0" hangingPunct="1">
+                  <a:spcBef>
+                    <a:spcPct val="20000"/>
+                  </a:spcBef>
+                  <a:buFont typeface="Courier New" pitchFamily="49" charset="0"/>
+                  <a:buChar char="o"/>
+                  <a:defRPr sz="1600" kern="1200">
+                    <a:solidFill>
+                      <a:schemeClr val="tx1">
+                        <a:lumMod val="50000"/>
+                        <a:lumOff val="50000"/>
+                      </a:schemeClr>
+                    </a:solidFill>
+                    <a:latin typeface="+mj-lt"/>
+                    <a:ea typeface="+mn-ea"/>
+                    <a:cs typeface="+mn-cs"/>
+                  </a:defRPr>
+                </a:lvl2pPr>
+                <a:lvl3pPr marL="1143000" indent="-228600" algn="l" defTabSz="914400" rtl="0" eaLnBrk="1" latinLnBrk="0" hangingPunct="1">
+                  <a:spcBef>
+                    <a:spcPct val="20000"/>
+                  </a:spcBef>
+                  <a:buFont typeface="Arial" pitchFamily="34" charset="0"/>
+                  <a:buChar char="•"/>
+                  <a:defRPr sz="1600" kern="1200">
+                    <a:solidFill>
+                      <a:schemeClr val="tx1">
+                        <a:lumMod val="50000"/>
+                        <a:lumOff val="50000"/>
+                      </a:schemeClr>
+                    </a:solidFill>
+                    <a:latin typeface="+mj-lt"/>
+                    <a:ea typeface="+mn-ea"/>
+                    <a:cs typeface="+mn-cs"/>
+                  </a:defRPr>
+                </a:lvl3pPr>
+                <a:lvl4pPr marL="1600200" indent="-228600" algn="l" defTabSz="914400" rtl="0" eaLnBrk="1" latinLnBrk="0" hangingPunct="1">
+                  <a:spcBef>
+                    <a:spcPct val="20000"/>
+                  </a:spcBef>
+                  <a:buFont typeface="Courier New" pitchFamily="49" charset="0"/>
+                  <a:buChar char="o"/>
+                  <a:defRPr sz="1600" kern="1200">
+                    <a:solidFill>
+                      <a:schemeClr val="tx1">
+                        <a:lumMod val="50000"/>
+                        <a:lumOff val="50000"/>
+                      </a:schemeClr>
+                    </a:solidFill>
+                    <a:latin typeface="+mj-lt"/>
+                    <a:ea typeface="+mn-ea"/>
+                    <a:cs typeface="+mn-cs"/>
+                  </a:defRPr>
+                </a:lvl4pPr>
+                <a:lvl5pPr marL="2057400" indent="-228600" algn="l" defTabSz="914400" rtl="0" eaLnBrk="1" latinLnBrk="0" hangingPunct="1">
+                  <a:spcBef>
+                    <a:spcPct val="20000"/>
+                  </a:spcBef>
+                  <a:buFont typeface="Arial" pitchFamily="34" charset="0"/>
+                  <a:buChar char="•"/>
+                  <a:defRPr sz="1600" kern="1200">
+                    <a:solidFill>
+                      <a:schemeClr val="tx1">
+                        <a:lumMod val="50000"/>
+                        <a:lumOff val="50000"/>
+                      </a:schemeClr>
+                    </a:solidFill>
+                    <a:latin typeface="+mj-lt"/>
+                    <a:ea typeface="+mn-ea"/>
+                    <a:cs typeface="+mn-cs"/>
+                  </a:defRPr>
+                </a:lvl5pPr>
+                <a:lvl6pPr marL="2514600" indent="-228600" algn="l" defTabSz="914400" rtl="0" eaLnBrk="1" latinLnBrk="0" hangingPunct="1">
+                  <a:spcBef>
+                    <a:spcPct val="20000"/>
+                  </a:spcBef>
+                  <a:buFont typeface="Courier New" pitchFamily="49" charset="0"/>
+                  <a:buChar char="o"/>
+                  <a:defRPr sz="1600" kern="1200">
+                    <a:solidFill>
+                      <a:schemeClr val="tx1">
+                        <a:lumMod val="50000"/>
+                        <a:lumOff val="50000"/>
+                      </a:schemeClr>
+                    </a:solidFill>
+                    <a:latin typeface="+mj-lt"/>
+                    <a:ea typeface="+mn-ea"/>
+                    <a:cs typeface="+mn-cs"/>
+                  </a:defRPr>
+                </a:lvl6pPr>
+                <a:lvl7pPr marL="2971800" indent="-228600" algn="l" defTabSz="914400" rtl="0" eaLnBrk="1" latinLnBrk="0" hangingPunct="1">
+                  <a:spcBef>
+                    <a:spcPct val="20000"/>
+                  </a:spcBef>
+                  <a:buFont typeface="Arial" pitchFamily="34" charset="0"/>
+                  <a:buChar char="•"/>
+                  <a:defRPr sz="1600" kern="1200">
+                    <a:solidFill>
+                      <a:schemeClr val="tx1">
+                        <a:lumMod val="50000"/>
+                        <a:lumOff val="50000"/>
+                      </a:schemeClr>
+                    </a:solidFill>
+                    <a:latin typeface="+mj-lt"/>
+                    <a:ea typeface="+mn-ea"/>
+                    <a:cs typeface="+mn-cs"/>
+                  </a:defRPr>
+                </a:lvl7pPr>
+                <a:lvl8pPr marL="3429000" indent="-228600" algn="l" defTabSz="914400" rtl="0" eaLnBrk="1" latinLnBrk="0" hangingPunct="1">
+                  <a:spcBef>
+                    <a:spcPct val="20000"/>
+                  </a:spcBef>
+                  <a:buFont typeface="Courier New" pitchFamily="49" charset="0"/>
+                  <a:buChar char="o"/>
+                  <a:defRPr sz="1600" kern="1200">
+                    <a:solidFill>
+                      <a:schemeClr val="tx1">
+                        <a:lumMod val="50000"/>
+                        <a:lumOff val="50000"/>
+                      </a:schemeClr>
+                    </a:solidFill>
+                    <a:latin typeface="+mj-lt"/>
+                    <a:ea typeface="+mn-ea"/>
+                    <a:cs typeface="+mn-cs"/>
+                  </a:defRPr>
+                </a:lvl8pPr>
+                <a:lvl9pPr marL="3886200" indent="-228600" algn="l" defTabSz="914400" rtl="0" eaLnBrk="1" latinLnBrk="0" hangingPunct="1">
+                  <a:spcBef>
+                    <a:spcPct val="20000"/>
+                  </a:spcBef>
+                  <a:buFont typeface="Arial" pitchFamily="34" charset="0"/>
+                  <a:buChar char="•"/>
+                  <a:defRPr sz="1600" kern="1200">
+                    <a:solidFill>
+                      <a:schemeClr val="tx1">
+                        <a:lumMod val="50000"/>
+                        <a:lumOff val="50000"/>
+                      </a:schemeClr>
+                    </a:solidFill>
+                    <a:latin typeface="+mj-lt"/>
+                    <a:ea typeface="+mn-ea"/>
+                    <a:cs typeface="+mn-cs"/>
+                  </a:defRPr>
+                </a:lvl9pPr>
+              </a:lstStyle>
+              <a:p>
+                <a:pPr fontAlgn="auto">
+                  <a:spcAft>
+                    <a:spcPts val="0"/>
+                  </a:spcAft>
+                  <a:buSzPct val="70000"/>
+                  <a:buFont typeface="Wingdings" pitchFamily="33" charset="2"/>
+                  <a:buChar char=""/>
+                  <a:defRPr/>
+                </a:pPr>
+                <a:r>
+                  <a:rPr lang="en-US" altLang="zh-CN" sz="1600" dirty="0">
+                    <a:solidFill>
+                      <a:schemeClr val="tx1"/>
+                    </a:solidFill>
+                  </a:rPr>
+                  <a:t>How can we perform message authentication with one-way hash function, without a secret key?</a:t>
+                </a:r>
+                <a:endParaRPr lang="en-US" altLang="zh-CN" sz="800" dirty="0">
+                  <a:solidFill>
+                    <a:schemeClr val="tx1"/>
+                  </a:solidFill>
+                </a:endParaRPr>
+              </a:p>
+              <a:p>
+                <a:pPr fontAlgn="auto">
+                  <a:spcAft>
+                    <a:spcPts val="0"/>
+                  </a:spcAft>
+                  <a:buSzPct val="70000"/>
+                  <a:buFont typeface="Wingdings" pitchFamily="33" charset="2"/>
+                  <a:buChar char=""/>
+                  <a:defRPr/>
+                </a:pPr>
+                <a:r>
+                  <a:rPr lang="en-US" altLang="zh-CN" sz="1600" dirty="0">
+                    <a:solidFill>
+                      <a:schemeClr val="tx1"/>
+                    </a:solidFill>
+                  </a:rPr>
+                  <a:t>Apply hash function H() to generate Message Digest </a:t>
+                </a:r>
+                <a14:m>
+                  <m:oMath xmlns:m="http://schemas.openxmlformats.org/officeDocument/2006/math">
+                    <m:r>
+                      <a:rPr lang="en-US" altLang="zh-CN" sz="1600" i="1" dirty="0" smtClean="0">
+                        <a:solidFill>
+                          <a:schemeClr val="tx1"/>
+                        </a:solidFill>
+                        <a:latin typeface="Cambria Math" panose="02040503050406030204" pitchFamily="18" charset="0"/>
+                      </a:rPr>
+                      <m:t>𝐻</m:t>
+                    </m:r>
+                    <m:r>
+                      <a:rPr lang="en-US" altLang="zh-CN" sz="1600" i="1" dirty="0" smtClean="0">
+                        <a:solidFill>
+                          <a:schemeClr val="tx1"/>
+                        </a:solidFill>
+                        <a:latin typeface="Cambria Math" panose="02040503050406030204" pitchFamily="18" charset="0"/>
+                      </a:rPr>
+                      <m:t>(</m:t>
+                    </m:r>
+                    <m:r>
+                      <a:rPr lang="en-US" altLang="zh-CN" sz="1600" i="1" dirty="0" smtClean="0">
+                        <a:solidFill>
+                          <a:schemeClr val="tx1"/>
+                        </a:solidFill>
+                        <a:latin typeface="Cambria Math" panose="02040503050406030204" pitchFamily="18" charset="0"/>
+                      </a:rPr>
+                      <m:t>𝑀</m:t>
+                    </m:r>
+                    <m:r>
+                      <a:rPr lang="en-US" altLang="zh-CN" sz="1600" i="1" dirty="0" smtClean="0">
+                        <a:solidFill>
+                          <a:schemeClr val="tx1"/>
+                        </a:solidFill>
+                        <a:latin typeface="Cambria Math" panose="02040503050406030204" pitchFamily="18" charset="0"/>
+                      </a:rPr>
+                      <m:t>)</m:t>
+                    </m:r>
+                  </m:oMath>
+                </a14:m>
+                <a:r>
+                  <a:rPr lang="en-US" altLang="zh-CN" sz="1600" dirty="0">
+                    <a:solidFill>
+                      <a:schemeClr val="tx1"/>
+                    </a:solidFill>
+                  </a:rPr>
+                  <a:t>, which is encrypted using either (a) symmetric encryption with shared secret key </a:t>
+                </a:r>
+                <a14:m>
+                  <m:oMath xmlns:m="http://schemas.openxmlformats.org/officeDocument/2006/math">
+                    <m:r>
+                      <a:rPr lang="en-US" altLang="zh-CN" sz="1600" i="1" dirty="0" smtClean="0">
+                        <a:solidFill>
+                          <a:schemeClr val="tx1"/>
+                        </a:solidFill>
+                        <a:latin typeface="Cambria Math" panose="02040503050406030204" pitchFamily="18" charset="0"/>
+                      </a:rPr>
+                      <m:t>𝐾</m:t>
+                    </m:r>
+                  </m:oMath>
+                </a14:m>
+                <a:r>
+                  <a:rPr lang="en-US" altLang="zh-CN" sz="1600" dirty="0">
+                    <a:solidFill>
+                      <a:schemeClr val="tx1"/>
+                    </a:solidFill>
+                  </a:rPr>
+                  <a:t>, or (b) public-key encryption with sender’s private key </a:t>
+                </a:r>
+                <a14:m>
+                  <m:oMath xmlns:m="http://schemas.openxmlformats.org/officeDocument/2006/math">
+                    <m:r>
+                      <a:rPr lang="en-US" altLang="zh-CN" sz="1600" i="1" dirty="0" smtClean="0">
+                        <a:solidFill>
+                          <a:schemeClr val="tx1"/>
+                        </a:solidFill>
+                        <a:latin typeface="Cambria Math" panose="02040503050406030204" pitchFamily="18" charset="0"/>
+                      </a:rPr>
+                      <m:t>𝑃𝑅</m:t>
+                    </m:r>
+                    <m:r>
+                      <a:rPr lang="en-US" altLang="zh-CN" sz="1600" i="1" baseline="-25000" dirty="0" err="1">
+                        <a:solidFill>
+                          <a:schemeClr val="tx1"/>
+                        </a:solidFill>
+                        <a:latin typeface="Cambria Math" panose="02040503050406030204" pitchFamily="18" charset="0"/>
+                      </a:rPr>
+                      <m:t>𝑎</m:t>
+                    </m:r>
+                  </m:oMath>
+                </a14:m>
+                <a:r>
+                  <a:rPr lang="en-US" altLang="zh-CN" sz="1600" dirty="0">
+                    <a:solidFill>
+                      <a:schemeClr val="tx1"/>
+                    </a:solidFill>
+                  </a:rPr>
+                  <a:t>. Receiver recomputes </a:t>
+                </a:r>
+                <a14:m>
+                  <m:oMath xmlns:m="http://schemas.openxmlformats.org/officeDocument/2006/math">
+                    <m:r>
+                      <a:rPr lang="en-US" altLang="zh-CN" sz="1600" i="1" dirty="0" smtClean="0">
+                        <a:solidFill>
+                          <a:schemeClr val="tx1"/>
+                        </a:solidFill>
+                        <a:latin typeface="Cambria Math" panose="02040503050406030204" pitchFamily="18" charset="0"/>
+                      </a:rPr>
+                      <m:t>𝐻</m:t>
+                    </m:r>
+                    <m:r>
+                      <a:rPr lang="en-US" altLang="zh-CN" sz="1600" i="1" dirty="0" smtClean="0">
+                        <a:solidFill>
+                          <a:schemeClr val="tx1"/>
+                        </a:solidFill>
+                        <a:latin typeface="Cambria Math" panose="02040503050406030204" pitchFamily="18" charset="0"/>
+                      </a:rPr>
+                      <m:t>(</m:t>
+                    </m:r>
+                    <m:r>
+                      <a:rPr lang="en-US" altLang="zh-CN" sz="1600" i="1" dirty="0" err="1">
+                        <a:solidFill>
+                          <a:schemeClr val="tx1"/>
+                        </a:solidFill>
+                        <a:latin typeface="Cambria Math" panose="02040503050406030204" pitchFamily="18" charset="0"/>
+                      </a:rPr>
+                      <m:t>𝑟𝑒𝑐𝑒𝑖𝑣𝑒𝑑𝑀𝑠𝑔</m:t>
+                    </m:r>
+                    <m:r>
+                      <a:rPr lang="en-US" altLang="zh-CN" sz="1600" i="1" dirty="0">
+                        <a:solidFill>
+                          <a:schemeClr val="tx1"/>
+                        </a:solidFill>
+                        <a:latin typeface="Cambria Math" panose="02040503050406030204" pitchFamily="18" charset="0"/>
+                      </a:rPr>
+                      <m:t>)</m:t>
+                    </m:r>
+                  </m:oMath>
+                </a14:m>
+                <a:r>
+                  <a:rPr lang="en-US" altLang="zh-CN" sz="1600" dirty="0">
+                    <a:solidFill>
+                      <a:schemeClr val="tx1"/>
+                    </a:solidFill>
+                  </a:rPr>
+                  <a:t>, and compares it with the received and decrypted </a:t>
+                </a:r>
+                <a14:m>
+                  <m:oMath xmlns:m="http://schemas.openxmlformats.org/officeDocument/2006/math">
+                    <m:r>
+                      <a:rPr lang="en-US" altLang="zh-CN" sz="1600" i="1" dirty="0" smtClean="0">
+                        <a:solidFill>
+                          <a:schemeClr val="tx1"/>
+                        </a:solidFill>
+                        <a:latin typeface="Cambria Math" panose="02040503050406030204" pitchFamily="18" charset="0"/>
+                      </a:rPr>
+                      <m:t>𝐻</m:t>
+                    </m:r>
+                    <m:r>
+                      <a:rPr lang="en-US" altLang="zh-CN" sz="1600" i="1" dirty="0" smtClean="0">
+                        <a:solidFill>
+                          <a:schemeClr val="tx1"/>
+                        </a:solidFill>
+                        <a:latin typeface="Cambria Math" panose="02040503050406030204" pitchFamily="18" charset="0"/>
+                      </a:rPr>
+                      <m:t>(</m:t>
+                    </m:r>
+                    <m:r>
+                      <a:rPr lang="en-US" altLang="zh-CN" sz="1600" i="1" dirty="0" smtClean="0">
+                        <a:solidFill>
+                          <a:schemeClr val="tx1"/>
+                        </a:solidFill>
+                        <a:latin typeface="Cambria Math" panose="02040503050406030204" pitchFamily="18" charset="0"/>
+                      </a:rPr>
+                      <m:t>𝑀</m:t>
+                    </m:r>
+                    <m:r>
+                      <a:rPr lang="en-US" altLang="zh-CN" sz="1600" i="1" dirty="0" smtClean="0">
+                        <a:solidFill>
+                          <a:schemeClr val="tx1"/>
+                        </a:solidFill>
+                        <a:latin typeface="Cambria Math" panose="02040503050406030204" pitchFamily="18" charset="0"/>
+                      </a:rPr>
+                      <m:t>)</m:t>
+                    </m:r>
+                  </m:oMath>
+                </a14:m>
+                <a:r>
+                  <a:rPr lang="en-US" altLang="zh-CN" sz="1600" dirty="0">
+                    <a:solidFill>
+                      <a:schemeClr val="tx1"/>
+                    </a:solidFill>
+                  </a:rPr>
+                  <a:t>. If they match, then message is authenticated </a:t>
+                </a:r>
+                <a14:m>
+                  <m:oMath xmlns:m="http://schemas.openxmlformats.org/officeDocument/2006/math">
+                    <m:r>
+                      <a:rPr lang="en-US" altLang="zh-CN" sz="1600" i="1" dirty="0" smtClean="0">
+                        <a:solidFill>
+                          <a:schemeClr val="tx1"/>
+                        </a:solidFill>
+                        <a:latin typeface="Cambria Math" panose="02040503050406030204" pitchFamily="18" charset="0"/>
+                      </a:rPr>
+                      <m:t>(</m:t>
+                    </m:r>
+                    <m:r>
+                      <a:rPr lang="en-US" altLang="zh-CN" sz="1600" i="1" dirty="0" err="1">
+                        <a:solidFill>
+                          <a:schemeClr val="tx1"/>
+                        </a:solidFill>
+                        <a:latin typeface="Cambria Math" panose="02040503050406030204" pitchFamily="18" charset="0"/>
+                      </a:rPr>
+                      <m:t>𝑟𝑒𝑐𝑒𝑖𝑣𝑒𝑑𝑀𝑠𝑔</m:t>
+                    </m:r>
+                    <m:r>
+                      <a:rPr lang="en-US" altLang="zh-CN" sz="1600" i="1" dirty="0">
+                        <a:solidFill>
+                          <a:schemeClr val="tx1"/>
+                        </a:solidFill>
+                        <a:latin typeface="Cambria Math" panose="02040503050406030204" pitchFamily="18" charset="0"/>
+                      </a:rPr>
+                      <m:t>==</m:t>
+                    </m:r>
+                    <m:r>
+                      <a:rPr lang="en-US" altLang="zh-CN" sz="1600" i="1" dirty="0">
+                        <a:solidFill>
+                          <a:schemeClr val="tx1"/>
+                        </a:solidFill>
+                        <a:latin typeface="Cambria Math" panose="02040503050406030204" pitchFamily="18" charset="0"/>
+                      </a:rPr>
+                      <m:t>𝑀</m:t>
+                    </m:r>
+                    <m:r>
+                      <a:rPr lang="en-US" altLang="zh-CN" sz="1600" i="1" dirty="0">
+                        <a:solidFill>
+                          <a:schemeClr val="tx1"/>
+                        </a:solidFill>
+                        <a:latin typeface="Cambria Math" panose="02040503050406030204" pitchFamily="18" charset="0"/>
+                      </a:rPr>
+                      <m:t>)</m:t>
+                    </m:r>
+                  </m:oMath>
+                </a14:m>
+                <a:endParaRPr lang="en-US" altLang="zh-CN" sz="1600" dirty="0">
+                  <a:solidFill>
+                    <a:schemeClr val="tx1"/>
+                  </a:solidFill>
+                </a:endParaRPr>
+              </a:p>
+              <a:p>
+                <a:pPr fontAlgn="auto">
+                  <a:spcAft>
+                    <a:spcPts val="0"/>
+                  </a:spcAft>
+                  <a:buSzPct val="70000"/>
+                  <a:buFont typeface="Wingdings" pitchFamily="33" charset="2"/>
+                  <a:buChar char=""/>
+                  <a:defRPr/>
+                </a:pPr>
+                <a:r>
+                  <a:rPr lang="en-US" altLang="zh-CN" sz="1600" dirty="0">
+                    <a:solidFill>
+                      <a:schemeClr val="tx1"/>
+                    </a:solidFill>
+                  </a:rPr>
+                  <a:t>(c) Keyed hash: sender and receiver share a secret key K. Apply hash function </a:t>
+                </a:r>
+                <a14:m>
+                  <m:oMath xmlns:m="http://schemas.openxmlformats.org/officeDocument/2006/math">
+                    <m:r>
+                      <a:rPr lang="en-US" altLang="zh-CN" sz="1600" i="1" dirty="0" smtClean="0">
+                        <a:solidFill>
+                          <a:schemeClr val="tx1"/>
+                        </a:solidFill>
+                        <a:latin typeface="Cambria Math" panose="02040503050406030204" pitchFamily="18" charset="0"/>
+                      </a:rPr>
+                      <m:t>𝐻</m:t>
+                    </m:r>
+                    <m:r>
+                      <a:rPr lang="en-US" altLang="zh-CN" sz="1600" i="1" dirty="0" smtClean="0">
+                        <a:solidFill>
+                          <a:schemeClr val="tx1"/>
+                        </a:solidFill>
+                        <a:latin typeface="Cambria Math" panose="02040503050406030204" pitchFamily="18" charset="0"/>
+                      </a:rPr>
+                      <m:t>()</m:t>
+                    </m:r>
+                  </m:oMath>
+                </a14:m>
+                <a:r>
+                  <a:rPr lang="en-US" altLang="zh-CN" sz="1600" dirty="0">
+                    <a:solidFill>
+                      <a:schemeClr val="tx1"/>
+                    </a:solidFill>
+                  </a:rPr>
+                  <a:t> on the concatenation of secret key K and the message to generate Message Digest </a:t>
+                </a:r>
+                <a14:m>
+                  <m:oMath xmlns:m="http://schemas.openxmlformats.org/officeDocument/2006/math">
+                    <m:r>
+                      <a:rPr lang="en-US" altLang="zh-CN" sz="1600" i="1" dirty="0" smtClean="0">
+                        <a:solidFill>
+                          <a:schemeClr val="tx1"/>
+                        </a:solidFill>
+                        <a:latin typeface="Cambria Math" panose="02040503050406030204" pitchFamily="18" charset="0"/>
+                      </a:rPr>
+                      <m:t>𝑀𝐷</m:t>
+                    </m:r>
+                    <m:r>
+                      <a:rPr lang="en-US" altLang="zh-CN" sz="1600" i="1" baseline="-25000" dirty="0">
+                        <a:solidFill>
+                          <a:schemeClr val="tx1"/>
+                        </a:solidFill>
+                        <a:latin typeface="Cambria Math" panose="02040503050406030204" pitchFamily="18" charset="0"/>
+                      </a:rPr>
+                      <m:t>𝑀</m:t>
+                    </m:r>
+                    <m:r>
+                      <a:rPr lang="en-US" altLang="zh-CN" sz="1600" i="1" dirty="0">
+                        <a:solidFill>
+                          <a:schemeClr val="tx1"/>
+                        </a:solidFill>
+                        <a:latin typeface="Cambria Math" panose="02040503050406030204" pitchFamily="18" charset="0"/>
+                      </a:rPr>
+                      <m:t> = </m:t>
+                    </m:r>
+                    <m:r>
+                      <a:rPr lang="en-US" altLang="zh-CN" sz="1600" i="1" dirty="0">
+                        <a:solidFill>
+                          <a:schemeClr val="tx1"/>
+                        </a:solidFill>
+                        <a:latin typeface="Cambria Math" panose="02040503050406030204" pitchFamily="18" charset="0"/>
+                      </a:rPr>
+                      <m:t>𝐻</m:t>
+                    </m:r>
+                    <m:r>
+                      <a:rPr lang="en-US" altLang="zh-CN" sz="1600" i="1" dirty="0">
+                        <a:solidFill>
+                          <a:schemeClr val="tx1"/>
+                        </a:solidFill>
+                        <a:latin typeface="Cambria Math" panose="02040503050406030204" pitchFamily="18" charset="0"/>
+                      </a:rPr>
+                      <m:t>(</m:t>
+                    </m:r>
+                    <m:r>
+                      <a:rPr lang="en-US" altLang="zh-CN" sz="1600" i="1" dirty="0">
+                        <a:solidFill>
+                          <a:schemeClr val="tx1"/>
+                        </a:solidFill>
+                        <a:latin typeface="Cambria Math" panose="02040503050406030204" pitchFamily="18" charset="0"/>
+                      </a:rPr>
+                      <m:t>𝐾</m:t>
+                    </m:r>
+                    <m:r>
+                      <a:rPr lang="en-US" altLang="zh-CN" sz="1600" b="0" i="1" dirty="0" smtClean="0">
+                        <a:solidFill>
+                          <a:schemeClr val="tx1"/>
+                        </a:solidFill>
+                        <a:latin typeface="Cambria Math" panose="02040503050406030204" pitchFamily="18" charset="0"/>
+                      </a:rPr>
+                      <m:t>||</m:t>
+                    </m:r>
+                    <m:r>
+                      <a:rPr lang="en-US" altLang="zh-CN" sz="1600" i="1" dirty="0">
+                        <a:solidFill>
+                          <a:schemeClr val="tx1"/>
+                        </a:solidFill>
+                        <a:latin typeface="Cambria Math" panose="02040503050406030204" pitchFamily="18" charset="0"/>
+                      </a:rPr>
+                      <m:t>𝑀</m:t>
+                    </m:r>
+                    <m:r>
+                      <a:rPr lang="en-US" altLang="zh-CN" sz="1600" i="1" dirty="0">
+                        <a:solidFill>
+                          <a:schemeClr val="tx1"/>
+                        </a:solidFill>
+                        <a:latin typeface="Cambria Math" panose="02040503050406030204" pitchFamily="18" charset="0"/>
+                      </a:rPr>
+                      <m:t>||</m:t>
+                    </m:r>
+                    <m:r>
+                      <a:rPr lang="en-US" altLang="zh-CN" sz="1600" i="1" dirty="0">
+                        <a:solidFill>
+                          <a:schemeClr val="tx1"/>
+                        </a:solidFill>
+                        <a:latin typeface="Cambria Math" panose="02040503050406030204" pitchFamily="18" charset="0"/>
+                      </a:rPr>
+                      <m:t>𝐾</m:t>
+                    </m:r>
+                    <m:r>
+                      <a:rPr lang="en-US" altLang="zh-CN" sz="1600" i="1" dirty="0">
+                        <a:solidFill>
+                          <a:schemeClr val="tx1"/>
+                        </a:solidFill>
+                        <a:latin typeface="Cambria Math" panose="02040503050406030204" pitchFamily="18" charset="0"/>
+                      </a:rPr>
+                      <m:t>)</m:t>
+                    </m:r>
+                  </m:oMath>
+                </a14:m>
+                <a:r>
+                  <a:rPr lang="en-US" altLang="zh-CN" sz="1600" dirty="0">
+                    <a:solidFill>
+                      <a:schemeClr val="tx1"/>
+                    </a:solidFill>
+                  </a:rPr>
+                  <a:t>. Receiver recomputes </a:t>
+                </a:r>
+                <a14:m>
+                  <m:oMath xmlns:m="http://schemas.openxmlformats.org/officeDocument/2006/math">
+                    <m:r>
+                      <a:rPr lang="en-US" altLang="zh-CN" sz="1600" i="1" dirty="0" smtClean="0">
+                        <a:solidFill>
+                          <a:schemeClr val="tx1"/>
+                        </a:solidFill>
+                        <a:latin typeface="Cambria Math" panose="02040503050406030204" pitchFamily="18" charset="0"/>
+                      </a:rPr>
+                      <m:t>𝐻</m:t>
+                    </m:r>
+                    <m:r>
+                      <a:rPr lang="en-US" altLang="zh-CN" sz="1600" i="1" dirty="0" smtClean="0">
+                        <a:solidFill>
+                          <a:schemeClr val="tx1"/>
+                        </a:solidFill>
+                        <a:latin typeface="Cambria Math" panose="02040503050406030204" pitchFamily="18" charset="0"/>
+                      </a:rPr>
+                      <m:t>(</m:t>
+                    </m:r>
+                    <m:r>
+                      <a:rPr lang="en-US" altLang="zh-CN" sz="1600" i="1" dirty="0" smtClean="0">
+                        <a:solidFill>
+                          <a:schemeClr val="tx1"/>
+                        </a:solidFill>
+                        <a:latin typeface="Cambria Math" panose="02040503050406030204" pitchFamily="18" charset="0"/>
+                      </a:rPr>
+                      <m:t>𝐾</m:t>
+                    </m:r>
+                    <m:r>
+                      <a:rPr lang="en-US" altLang="zh-CN" sz="1600" i="1" dirty="0">
+                        <a:solidFill>
+                          <a:schemeClr val="tx1"/>
+                        </a:solidFill>
+                        <a:latin typeface="Cambria Math" panose="02040503050406030204" pitchFamily="18" charset="0"/>
+                      </a:rPr>
+                      <m:t>||</m:t>
+                    </m:r>
+                    <m:r>
+                      <a:rPr lang="en-US" altLang="zh-CN" sz="1600" i="1" dirty="0" err="1">
+                        <a:solidFill>
+                          <a:schemeClr val="tx1"/>
+                        </a:solidFill>
+                        <a:latin typeface="Cambria Math" panose="02040503050406030204" pitchFamily="18" charset="0"/>
+                      </a:rPr>
+                      <m:t>𝑟𝑒𝑐𝑒𝑖𝑣𝑒𝑑𝑀𝑠𝑔</m:t>
+                    </m:r>
+                    <m:r>
+                      <a:rPr lang="en-US" altLang="zh-CN" sz="1600" i="1" dirty="0">
+                        <a:solidFill>
+                          <a:schemeClr val="tx1"/>
+                        </a:solidFill>
+                        <a:latin typeface="Cambria Math" panose="02040503050406030204" pitchFamily="18" charset="0"/>
+                      </a:rPr>
+                      <m:t>||</m:t>
+                    </m:r>
+                    <m:r>
+                      <a:rPr lang="en-US" altLang="zh-CN" sz="1600" i="1" dirty="0">
+                        <a:solidFill>
+                          <a:schemeClr val="tx1"/>
+                        </a:solidFill>
+                        <a:latin typeface="Cambria Math" panose="02040503050406030204" pitchFamily="18" charset="0"/>
+                      </a:rPr>
+                      <m:t>𝐾</m:t>
+                    </m:r>
+                    <m:r>
+                      <a:rPr lang="en-US" altLang="zh-CN" sz="1600" i="1" dirty="0">
+                        <a:solidFill>
+                          <a:schemeClr val="tx1"/>
+                        </a:solidFill>
+                        <a:latin typeface="Cambria Math" panose="02040503050406030204" pitchFamily="18" charset="0"/>
+                      </a:rPr>
+                      <m:t>)</m:t>
+                    </m:r>
+                  </m:oMath>
+                </a14:m>
+                <a:r>
+                  <a:rPr lang="en-US" altLang="zh-CN" sz="1600" dirty="0">
+                    <a:solidFill>
+                      <a:schemeClr val="tx1"/>
+                    </a:solidFill>
+                  </a:rPr>
+                  <a:t> and compares it with received </a:t>
+                </a:r>
+                <a14:m>
+                  <m:oMath xmlns:m="http://schemas.openxmlformats.org/officeDocument/2006/math">
+                    <m:r>
+                      <a:rPr lang="en-US" altLang="zh-CN" sz="1600" i="1" dirty="0" smtClean="0">
+                        <a:solidFill>
+                          <a:schemeClr val="tx1"/>
+                        </a:solidFill>
+                        <a:latin typeface="Cambria Math" panose="02040503050406030204" pitchFamily="18" charset="0"/>
+                      </a:rPr>
+                      <m:t>𝑀𝐷</m:t>
+                    </m:r>
+                    <m:r>
+                      <a:rPr lang="en-US" altLang="zh-CN" sz="1600" i="1" baseline="-25000" dirty="0">
+                        <a:solidFill>
+                          <a:schemeClr val="tx1"/>
+                        </a:solidFill>
+                        <a:latin typeface="Cambria Math" panose="02040503050406030204" pitchFamily="18" charset="0"/>
+                      </a:rPr>
+                      <m:t>𝑀</m:t>
+                    </m:r>
+                  </m:oMath>
+                </a14:m>
+                <a:r>
+                  <a:rPr lang="en-US" altLang="zh-CN" sz="1600" dirty="0">
+                    <a:solidFill>
+                      <a:schemeClr val="tx1"/>
+                    </a:solidFill>
+                  </a:rPr>
+                  <a:t>. </a:t>
+                </a:r>
+              </a:p>
+              <a:p>
+                <a:pPr fontAlgn="auto">
+                  <a:spcAft>
+                    <a:spcPts val="0"/>
+                  </a:spcAft>
+                  <a:buSzPct val="70000"/>
+                  <a:buFont typeface="Wingdings" pitchFamily="33" charset="2"/>
+                  <a:buChar char=""/>
+                  <a:defRPr/>
+                </a:pPr>
+                <a:r>
+                  <a:rPr lang="en-US" altLang="zh-CN" sz="1600" dirty="0">
+                    <a:solidFill>
+                      <a:schemeClr val="tx1"/>
+                    </a:solidFill>
+                  </a:rPr>
+                  <a:t>It is efficient since no encryption/decryption is used.</a:t>
+                </a:r>
+              </a:p>
+              <a:p>
+                <a:pPr fontAlgn="auto">
+                  <a:spcAft>
+                    <a:spcPts val="0"/>
+                  </a:spcAft>
+                  <a:buSzPct val="70000"/>
+                  <a:buFont typeface="Wingdings" pitchFamily="33" charset="2"/>
+                  <a:buChar char=""/>
+                  <a:defRPr/>
+                </a:pPr>
+                <a:endParaRPr lang="en-US" sz="1600" dirty="0">
+                  <a:solidFill>
+                    <a:schemeClr val="tx1"/>
+                  </a:solidFill>
+                </a:endParaRPr>
+              </a:p>
+            </p:txBody>
+          </p:sp>
+        </mc:Choice>
+        <mc:Fallback>
+          <p:sp>
+            <p:nvSpPr>
+              <p:cNvPr id="7" name="Content Placeholder 16">
+                <a:extLst>
+                  <a:ext uri="{FF2B5EF4-FFF2-40B4-BE49-F238E27FC236}">
+                    <a16:creationId xmlns:a16="http://schemas.microsoft.com/office/drawing/2014/main" id="{BA3A3148-4CCE-4A22-9166-9E3B703EB8BB}"/>
+                  </a:ext>
+                </a:extLst>
+              </p:cNvPr>
+              <p:cNvSpPr txBox="1">
+                <a:spLocks noRot="1" noChangeAspect="1" noMove="1" noResize="1" noEditPoints="1" noAdjustHandles="1" noChangeArrowheads="1" noChangeShapeType="1" noTextEdit="1"/>
+              </p:cNvSpPr>
+              <p:nvPr/>
+            </p:nvSpPr>
+            <p:spPr>
+              <a:xfrm>
+                <a:off x="-40086" y="622821"/>
+                <a:ext cx="4101205" cy="6857999"/>
+              </a:xfrm>
+              <a:prstGeom prst="rect">
+                <a:avLst/>
+              </a:prstGeom>
+              <a:blipFill>
+                <a:blip r:embed="rId3"/>
+                <a:stretch>
+                  <a:fillRect t="-267" r="-1932"/>
+                </a:stretch>
+              </a:blipFill>
+            </p:spPr>
+            <p:txBody>
+              <a:bodyPr/>
+              <a:lstStyle/>
+              <a:p>
+                <a:r>
+                  <a:rPr lang="en-SE">
+                    <a:noFill/>
+                  </a:rPr>
+                  <a:t> </a:t>
+                </a:r>
+              </a:p>
+            </p:txBody>
+          </p:sp>
+        </mc:Fallback>
+      </mc:AlternateContent>
+      <p:sp>
+        <p:nvSpPr>
+          <p:cNvPr id="5" name="TextBox 4">
+            <a:extLst>
+              <a:ext uri="{FF2B5EF4-FFF2-40B4-BE49-F238E27FC236}">
+                <a16:creationId xmlns:a16="http://schemas.microsoft.com/office/drawing/2014/main" id="{C0B16C23-E612-46A0-898D-F4D099A1C1BB}"/>
+              </a:ext>
+            </a:extLst>
+          </p:cNvPr>
+          <p:cNvSpPr txBox="1"/>
+          <p:nvPr/>
+        </p:nvSpPr>
+        <p:spPr>
+          <a:xfrm>
+            <a:off x="3363326" y="1334170"/>
+            <a:ext cx="5318635" cy="369332"/>
+          </a:xfrm>
+          <a:prstGeom prst="rect">
+            <a:avLst/>
+          </a:prstGeom>
+          <a:noFill/>
+        </p:spPr>
+        <p:txBody>
+          <a:bodyPr wrap="none" rtlCol="0">
+            <a:spAutoFit/>
+          </a:bodyPr>
+          <a:lstStyle/>
+          <a:p>
+            <a:r>
+              <a:rPr lang="en-US" dirty="0">
+                <a:solidFill>
+                  <a:srgbClr val="C00000"/>
+                </a:solidFill>
+              </a:rPr>
+              <a:t>(b) LOOKS THE SAME AS DIGITAL SIGNATURE </a:t>
+            </a:r>
+            <a:endParaRPr lang="en-SE" dirty="0">
+              <a:solidFill>
+                <a:srgbClr val="C00000"/>
+              </a:solidFill>
+            </a:endParaRPr>
+          </a:p>
+        </p:txBody>
+      </p:sp>
+    </p:spTree>
+    <p:extLst>
+      <p:ext uri="{BB962C8B-B14F-4D97-AF65-F5344CB8AC3E}">
+        <p14:creationId xmlns:p14="http://schemas.microsoft.com/office/powerpoint/2010/main" val="4062483831"/>
+      </p:ext>
+    </p:extLst>
+  </p:cSld>
+  <p:clrMapOvr>
+    <a:masterClrMapping/>
+  </p:clrMapOvr>
+</p:sld>
+</file>
+
+<file path=ppt/slides/slide5.xml><?xml version="1.0" encoding="utf-8"?>
+<p:sld xmlns:a="http://schemas.openxmlformats.org/drawingml/2006/main" xmlns:r="http://schemas.openxmlformats.org/officeDocument/2006/relationships" xmlns:p="http://schemas.openxmlformats.org/presentationml/2006/main">
+  <p:cSld>
+    <p:spTree>
+      <p:nvGrpSpPr>
+        <p:cNvPr id="1" name=""/>
+        <p:cNvGrpSpPr/>
+        <p:nvPr/>
+      </p:nvGrpSpPr>
+      <p:grpSpPr>
+        <a:xfrm>
+          <a:off x="0" y="0"/>
+          <a:ext cx="0" cy="0"/>
+          <a:chOff x="0" y="0"/>
+          <a:chExt cx="0" cy="0"/>
+        </a:xfrm>
+      </p:grpSpPr>
+      <p:sp>
+        <p:nvSpPr>
+          <p:cNvPr id="2" name="Title 1">
+            <a:extLst>
+              <a:ext uri="{FF2B5EF4-FFF2-40B4-BE49-F238E27FC236}">
+                <a16:creationId xmlns:a16="http://schemas.microsoft.com/office/drawing/2014/main" id="{BF1B3FF7-A70C-49C5-A7D7-A4DD128A7EF2}"/>
+              </a:ext>
+            </a:extLst>
+          </p:cNvPr>
+          <p:cNvSpPr>
+            <a:spLocks noGrp="1"/>
+          </p:cNvSpPr>
+          <p:nvPr>
+            <p:ph type="title"/>
+          </p:nvPr>
+        </p:nvSpPr>
+        <p:spPr/>
+        <p:txBody>
+          <a:bodyPr/>
+          <a:lstStyle/>
+          <a:p>
+            <a:r>
+              <a:rPr lang="en-US" dirty="0"/>
+              <a:t>Leftovers</a:t>
+            </a:r>
+            <a:endParaRPr lang="en-SE" dirty="0"/>
+          </a:p>
+        </p:txBody>
+      </p:sp>
+      <p:sp>
+        <p:nvSpPr>
+          <p:cNvPr id="3" name="Content Placeholder 2">
+            <a:extLst>
+              <a:ext uri="{FF2B5EF4-FFF2-40B4-BE49-F238E27FC236}">
+                <a16:creationId xmlns:a16="http://schemas.microsoft.com/office/drawing/2014/main" id="{4C587A30-B9BA-4641-8A6C-889E2BEDFC80}"/>
+              </a:ext>
+            </a:extLst>
+          </p:cNvPr>
+          <p:cNvSpPr>
+            <a:spLocks noGrp="1"/>
+          </p:cNvSpPr>
+          <p:nvPr>
+            <p:ph idx="1"/>
+          </p:nvPr>
+        </p:nvSpPr>
+        <p:spPr/>
+        <p:txBody>
+          <a:bodyPr/>
+          <a:lstStyle/>
+          <a:p>
+            <a:endParaRPr lang="en-SE"/>
+          </a:p>
+        </p:txBody>
+      </p:sp>
+      <p:sp>
+        <p:nvSpPr>
+          <p:cNvPr id="4" name="Slide Number Placeholder 3">
+            <a:extLst>
+              <a:ext uri="{FF2B5EF4-FFF2-40B4-BE49-F238E27FC236}">
+                <a16:creationId xmlns:a16="http://schemas.microsoft.com/office/drawing/2014/main" id="{F034488D-1334-4841-9CD6-E30E6C31CB9A}"/>
+              </a:ext>
+            </a:extLst>
+          </p:cNvPr>
+          <p:cNvSpPr>
+            <a:spLocks noGrp="1"/>
+          </p:cNvSpPr>
+          <p:nvPr>
+            <p:ph type="sldNum" sz="quarter" idx="12"/>
+          </p:nvPr>
+        </p:nvSpPr>
+        <p:spPr/>
+        <p:txBody>
+          <a:bodyPr/>
+          <a:lstStyle/>
+          <a:p>
+            <a:fld id="{5F36C9FC-DA22-1F47-8722-58727A1D436E}" type="slidenum">
+              <a:rPr lang="en-US" smtClean="0">
+                <a:solidFill>
+                  <a:prstClr val="white">
+                    <a:lumMod val="65000"/>
+                    <a:lumOff val="35000"/>
+                  </a:prstClr>
+                </a:solidFill>
+              </a:rPr>
+              <a:pPr/>
+              <a:t>5</a:t>
+            </a:fld>
+            <a:endParaRPr lang="en-US" dirty="0">
+              <a:solidFill>
+                <a:prstClr val="white">
+                  <a:lumMod val="65000"/>
+                  <a:lumOff val="35000"/>
+                </a:prstClr>
+              </a:solidFill>
+            </a:endParaRPr>
+          </a:p>
+        </p:txBody>
+      </p:sp>
+      <p:pic>
+        <p:nvPicPr>
+          <p:cNvPr id="5" name="Picture 4">
+            <a:extLst>
+              <a:ext uri="{FF2B5EF4-FFF2-40B4-BE49-F238E27FC236}">
+                <a16:creationId xmlns:a16="http://schemas.microsoft.com/office/drawing/2014/main" id="{728DAD59-E74D-4F80-962D-5C80C03B6968}"/>
+              </a:ext>
+            </a:extLst>
+          </p:cNvPr>
+          <p:cNvPicPr>
+            <a:picLocks noChangeAspect="1"/>
+          </p:cNvPicPr>
+          <p:nvPr/>
+        </p:nvPicPr>
+        <p:blipFill>
+          <a:blip r:embed="rId2"/>
+          <a:stretch>
+            <a:fillRect/>
+          </a:stretch>
+        </p:blipFill>
+        <p:spPr>
+          <a:xfrm>
+            <a:off x="-455918" y="1484784"/>
+            <a:ext cx="10055835" cy="2755888"/>
+          </a:xfrm>
+          <a:prstGeom prst="rect">
+            <a:avLst/>
+          </a:prstGeom>
+        </p:spPr>
+      </p:pic>
+      <p:pic>
+        <p:nvPicPr>
+          <p:cNvPr id="6" name="Picture 5">
+            <a:extLst>
+              <a:ext uri="{FF2B5EF4-FFF2-40B4-BE49-F238E27FC236}">
+                <a16:creationId xmlns:a16="http://schemas.microsoft.com/office/drawing/2014/main" id="{C0110747-D2A2-4012-8DAE-2CF1179C257B}"/>
+              </a:ext>
+            </a:extLst>
+          </p:cNvPr>
+          <p:cNvPicPr>
+            <a:picLocks noChangeAspect="1"/>
+          </p:cNvPicPr>
+          <p:nvPr/>
+        </p:nvPicPr>
+        <p:blipFill>
+          <a:blip r:embed="rId3"/>
+          <a:stretch>
+            <a:fillRect/>
+          </a:stretch>
+        </p:blipFill>
+        <p:spPr>
+          <a:xfrm>
+            <a:off x="6400659" y="3318445"/>
+            <a:ext cx="3467584" cy="2248214"/>
+          </a:xfrm>
+          <a:prstGeom prst="rect">
+            <a:avLst/>
+          </a:prstGeom>
+        </p:spPr>
+      </p:pic>
+      <p:pic>
+        <p:nvPicPr>
+          <p:cNvPr id="7" name="Picture 6">
+            <a:extLst>
+              <a:ext uri="{FF2B5EF4-FFF2-40B4-BE49-F238E27FC236}">
+                <a16:creationId xmlns:a16="http://schemas.microsoft.com/office/drawing/2014/main" id="{62598F58-0C53-4C6A-ABA3-4A7631CEA444}"/>
+              </a:ext>
+            </a:extLst>
+          </p:cNvPr>
+          <p:cNvPicPr>
+            <a:picLocks noChangeAspect="1"/>
+          </p:cNvPicPr>
+          <p:nvPr/>
+        </p:nvPicPr>
+        <p:blipFill>
+          <a:blip r:embed="rId4"/>
+          <a:stretch>
+            <a:fillRect/>
+          </a:stretch>
+        </p:blipFill>
+        <p:spPr>
+          <a:xfrm>
+            <a:off x="1322042" y="3114673"/>
+            <a:ext cx="4234681" cy="2655759"/>
+          </a:xfrm>
+          <a:prstGeom prst="rect">
+            <a:avLst/>
+          </a:prstGeom>
+        </p:spPr>
+      </p:pic>
+    </p:spTree>
+    <p:extLst>
+      <p:ext uri="{BB962C8B-B14F-4D97-AF65-F5344CB8AC3E}">
+        <p14:creationId xmlns:p14="http://schemas.microsoft.com/office/powerpoint/2010/main" val="3539069569"/>
+      </p:ext>
+    </p:extLst>
+  </p:cSld>
+  <p:clrMapOvr>
+    <a:masterClrMapping/>
+  </p:clrMapOvr>
+</p:sld>
+</file>
+
+<file path=ppt/slides/slide6.xml><?xml version="1.0" encoding="utf-8"?>
+<p:sld xmlns:a="http://schemas.openxmlformats.org/drawingml/2006/main" xmlns:r="http://schemas.openxmlformats.org/officeDocument/2006/relationships" xmlns:p="http://schemas.openxmlformats.org/presentationml/2006/main">
+  <p:cSld>
+    <p:spTree>
+      <p:nvGrpSpPr>
+        <p:cNvPr id="1" name=""/>
+        <p:cNvGrpSpPr/>
+        <p:nvPr/>
+      </p:nvGrpSpPr>
+      <p:grpSpPr>
+        <a:xfrm>
+          <a:off x="0" y="0"/>
+          <a:ext cx="0" cy="0"/>
+          <a:chOff x="0" y="0"/>
+          <a:chExt cx="0" cy="0"/>
+        </a:xfrm>
+      </p:grpSpPr>
+      <p:sp>
+        <p:nvSpPr>
+          <p:cNvPr id="2" name="标题 1"/>
+          <p:cNvSpPr>
+            <a:spLocks noGrp="1"/>
+          </p:cNvSpPr>
+          <p:nvPr>
+            <p:ph type="title"/>
+          </p:nvPr>
+        </p:nvSpPr>
+        <p:spPr>
+          <a:xfrm>
+            <a:off x="317505" y="-99392"/>
+            <a:ext cx="8229600" cy="1600200"/>
+          </a:xfrm>
+        </p:spPr>
+        <p:txBody>
+          <a:bodyPr/>
+          <a:lstStyle/>
+          <a:p>
+            <a:r>
+              <a:rPr lang="en-US" altLang="zh-CN" dirty="0">
+                <a:solidFill>
+                  <a:schemeClr val="accent6">
+                    <a:lumMod val="60000"/>
+                    <a:lumOff val="40000"/>
+                  </a:schemeClr>
+                </a:solidFill>
+              </a:rPr>
+              <a:t>Basic Terminology</a:t>
+            </a:r>
+            <a:endParaRPr lang="zh-CN" altLang="en-US" dirty="0">
+              <a:solidFill>
+                <a:schemeClr val="accent6">
+                  <a:lumMod val="60000"/>
+                  <a:lumOff val="40000"/>
+                </a:schemeClr>
+              </a:solidFill>
+            </a:endParaRPr>
+          </a:p>
+        </p:txBody>
+      </p:sp>
+      <p:sp>
+        <p:nvSpPr>
+          <p:cNvPr id="4" name="灯片编号占位符 3"/>
+          <p:cNvSpPr>
+            <a:spLocks noGrp="1"/>
+          </p:cNvSpPr>
+          <p:nvPr>
+            <p:ph type="sldNum" sz="quarter" idx="12"/>
+          </p:nvPr>
+        </p:nvSpPr>
+        <p:spPr/>
+        <p:txBody>
+          <a:bodyPr/>
+          <a:lstStyle/>
+          <a:p>
+            <a:fld id="{5F36C9FC-DA22-1F47-8722-58727A1D436E}" type="slidenum">
+              <a:rPr lang="en-US" smtClean="0">
+                <a:solidFill>
+                  <a:prstClr val="white">
+                    <a:lumMod val="65000"/>
+                    <a:lumOff val="35000"/>
+                  </a:prstClr>
+                </a:solidFill>
+              </a:rPr>
+              <a:pPr/>
+              <a:t>6</a:t>
+            </a:fld>
+            <a:endParaRPr lang="en-US" dirty="0">
+              <a:solidFill>
+                <a:prstClr val="white">
+                  <a:lumMod val="65000"/>
+                  <a:lumOff val="35000"/>
+                </a:prstClr>
+              </a:solidFill>
+            </a:endParaRPr>
+          </a:p>
+        </p:txBody>
+      </p:sp>
+      <p:sp>
+        <p:nvSpPr>
+          <p:cNvPr id="5" name="TextBox 14"/>
+          <p:cNvSpPr txBox="1"/>
+          <p:nvPr/>
+        </p:nvSpPr>
+        <p:spPr>
+          <a:xfrm>
+            <a:off x="260280" y="1988840"/>
+            <a:ext cx="8282998" cy="3564053"/>
+          </a:xfrm>
+          <a:prstGeom prst="rect">
+            <a:avLst/>
+          </a:prstGeom>
+          <a:noFill/>
+        </p:spPr>
+        <p:txBody>
+          <a:bodyPr wrap="square">
+            <a:prstTxWarp prst="textNoShape">
+              <a:avLst/>
+            </a:prstTxWarp>
+            <a:spAutoFit/>
+          </a:bodyPr>
+          <a:lstStyle/>
+          <a:p>
+            <a:pPr marL="685800" lvl="1" indent="-336550">
+              <a:lnSpc>
+                <a:spcPct val="70000"/>
+              </a:lnSpc>
+              <a:spcBef>
+                <a:spcPts val="600"/>
+              </a:spcBef>
+              <a:buClr>
+                <a:schemeClr val="accent2"/>
+              </a:buClr>
+              <a:buSzPct val="90000"/>
+              <a:buFont typeface="Wingdings" pitchFamily="33" charset="2"/>
+              <a:buChar char=""/>
+              <a:defRPr/>
+            </a:pPr>
+            <a:r>
+              <a:rPr lang="en-US" sz="2800" dirty="0">
+                <a:effectLst>
+                  <a:outerShdw blurRad="38100" dist="38100" dir="2700000" algn="tl">
+                    <a:srgbClr val="0064E2"/>
+                  </a:outerShdw>
+                </a:effectLst>
+                <a:latin typeface="+mn-lt"/>
+              </a:rPr>
+              <a:t>Plaintext</a:t>
+            </a:r>
+          </a:p>
+          <a:p>
+            <a:pPr marL="1492250" lvl="3" indent="-349250">
+              <a:lnSpc>
+                <a:spcPct val="70000"/>
+              </a:lnSpc>
+              <a:spcBef>
+                <a:spcPts val="600"/>
+              </a:spcBef>
+              <a:buClr>
+                <a:schemeClr val="accent1"/>
+              </a:buClr>
+              <a:buSzPct val="90000"/>
+              <a:buFont typeface="Wingdings" pitchFamily="33" charset="2"/>
+              <a:buChar char=""/>
+              <a:defRPr/>
+            </a:pPr>
+            <a:r>
+              <a:rPr lang="en-US" sz="2000" dirty="0">
+                <a:effectLst>
+                  <a:outerShdw blurRad="38100" dist="38100" dir="2700000" algn="tl">
+                    <a:srgbClr val="0064E2"/>
+                  </a:outerShdw>
+                </a:effectLst>
+                <a:latin typeface="+mj-lt"/>
+              </a:rPr>
+              <a:t>Readable message or data that is fed into the algorithm as input</a:t>
+            </a:r>
+          </a:p>
+          <a:p>
+            <a:pPr marL="685800" lvl="1" indent="-336550">
+              <a:lnSpc>
+                <a:spcPct val="70000"/>
+              </a:lnSpc>
+              <a:spcBef>
+                <a:spcPts val="600"/>
+              </a:spcBef>
+              <a:buClr>
+                <a:schemeClr val="accent2"/>
+              </a:buClr>
+              <a:buSzPct val="90000"/>
+              <a:buFont typeface="Wingdings" pitchFamily="33" charset="2"/>
+              <a:buChar char=""/>
+              <a:defRPr/>
+            </a:pPr>
+            <a:r>
+              <a:rPr lang="en-US" sz="2800" dirty="0">
+                <a:effectLst>
+                  <a:outerShdw blurRad="38100" dist="38100" dir="2700000" algn="tl">
+                    <a:srgbClr val="0064E2"/>
+                  </a:outerShdw>
+                </a:effectLst>
+                <a:latin typeface="+mn-lt"/>
+              </a:rPr>
+              <a:t>Encryption algorithm</a:t>
+            </a:r>
+          </a:p>
+          <a:p>
+            <a:pPr marL="1492250" lvl="3" indent="-349250">
+              <a:lnSpc>
+                <a:spcPct val="70000"/>
+              </a:lnSpc>
+              <a:spcBef>
+                <a:spcPts val="600"/>
+              </a:spcBef>
+              <a:buClr>
+                <a:schemeClr val="accent1"/>
+              </a:buClr>
+              <a:buSzPct val="90000"/>
+              <a:buFont typeface="Wingdings" pitchFamily="33" charset="2"/>
+              <a:buChar char=""/>
+              <a:defRPr/>
+            </a:pPr>
+            <a:r>
+              <a:rPr lang="en-US" sz="2000" dirty="0">
+                <a:effectLst>
+                  <a:outerShdw blurRad="38100" dist="38100" dir="2700000" algn="tl">
+                    <a:srgbClr val="0064E2"/>
+                  </a:outerShdw>
+                </a:effectLst>
+                <a:latin typeface="+mj-lt"/>
+              </a:rPr>
+              <a:t>Performs transformations on the plaintext</a:t>
+            </a:r>
+          </a:p>
+          <a:p>
+            <a:pPr marL="685800" lvl="1" indent="-336550">
+              <a:lnSpc>
+                <a:spcPct val="70000"/>
+              </a:lnSpc>
+              <a:spcBef>
+                <a:spcPts val="600"/>
+              </a:spcBef>
+              <a:buClr>
+                <a:schemeClr val="accent2"/>
+              </a:buClr>
+              <a:buSzPct val="90000"/>
+              <a:buFont typeface="Wingdings" pitchFamily="33" charset="2"/>
+              <a:buChar char=""/>
+              <a:defRPr/>
+            </a:pPr>
+            <a:r>
+              <a:rPr lang="en-US" sz="2800" dirty="0">
+                <a:effectLst>
+                  <a:outerShdw blurRad="38100" dist="38100" dir="2700000" algn="tl">
+                    <a:srgbClr val="0064E2"/>
+                  </a:outerShdw>
+                </a:effectLst>
+                <a:latin typeface="+mn-lt"/>
+              </a:rPr>
+              <a:t>Public and private key</a:t>
+            </a:r>
+          </a:p>
+          <a:p>
+            <a:pPr marL="1492250" lvl="3" indent="-349250">
+              <a:lnSpc>
+                <a:spcPct val="70000"/>
+              </a:lnSpc>
+              <a:spcBef>
+                <a:spcPts val="600"/>
+              </a:spcBef>
+              <a:buClr>
+                <a:schemeClr val="accent1"/>
+              </a:buClr>
+              <a:buSzPct val="90000"/>
+              <a:buFont typeface="Wingdings" pitchFamily="33" charset="2"/>
+              <a:buChar char=""/>
+              <a:defRPr/>
+            </a:pPr>
+            <a:r>
+              <a:rPr lang="en-US" sz="2000" dirty="0">
+                <a:effectLst>
+                  <a:outerShdw blurRad="38100" dist="38100" dir="2700000" algn="tl">
+                    <a:srgbClr val="0064E2"/>
+                  </a:outerShdw>
+                </a:effectLst>
+                <a:latin typeface="+mj-lt"/>
+              </a:rPr>
+              <a:t>Pair of keys, one for encryption, one for decryption</a:t>
+            </a:r>
+          </a:p>
+          <a:p>
+            <a:pPr marL="685800" lvl="1" indent="-336550">
+              <a:lnSpc>
+                <a:spcPct val="70000"/>
+              </a:lnSpc>
+              <a:spcBef>
+                <a:spcPts val="600"/>
+              </a:spcBef>
+              <a:buClr>
+                <a:schemeClr val="accent2"/>
+              </a:buClr>
+              <a:buSzPct val="90000"/>
+              <a:buFont typeface="Wingdings" pitchFamily="33" charset="2"/>
+              <a:buChar char=""/>
+              <a:defRPr/>
+            </a:pPr>
+            <a:r>
+              <a:rPr lang="en-US" sz="2800" dirty="0" err="1">
+                <a:effectLst>
+                  <a:outerShdw blurRad="38100" dist="38100" dir="2700000" algn="tl">
+                    <a:srgbClr val="0064E2"/>
+                  </a:outerShdw>
+                </a:effectLst>
+                <a:latin typeface="+mn-lt"/>
+              </a:rPr>
+              <a:t>Ciphertext</a:t>
+            </a:r>
+            <a:endParaRPr lang="en-US" sz="2800" dirty="0">
+              <a:effectLst>
+                <a:outerShdw blurRad="38100" dist="38100" dir="2700000" algn="tl">
+                  <a:srgbClr val="0064E2"/>
+                </a:outerShdw>
+              </a:effectLst>
+              <a:latin typeface="+mn-lt"/>
+            </a:endParaRPr>
+          </a:p>
+          <a:p>
+            <a:pPr marL="1492250" lvl="3" indent="-349250">
+              <a:lnSpc>
+                <a:spcPct val="70000"/>
+              </a:lnSpc>
+              <a:spcBef>
+                <a:spcPts val="600"/>
+              </a:spcBef>
+              <a:buClr>
+                <a:schemeClr val="accent1"/>
+              </a:buClr>
+              <a:buSzPct val="90000"/>
+              <a:buFont typeface="Wingdings" pitchFamily="33" charset="2"/>
+              <a:buChar char=""/>
+              <a:defRPr/>
+            </a:pPr>
+            <a:r>
+              <a:rPr lang="en-US" sz="2000" dirty="0">
+                <a:effectLst>
+                  <a:outerShdw blurRad="38100" dist="38100" dir="2700000" algn="tl">
+                    <a:srgbClr val="0064E2"/>
+                  </a:outerShdw>
+                </a:effectLst>
+                <a:latin typeface="+mj-lt"/>
+              </a:rPr>
+              <a:t>Scrambled message produced as output</a:t>
+            </a:r>
+          </a:p>
+          <a:p>
+            <a:pPr marL="685800" lvl="1" indent="-336550">
+              <a:lnSpc>
+                <a:spcPct val="70000"/>
+              </a:lnSpc>
+              <a:spcBef>
+                <a:spcPts val="600"/>
+              </a:spcBef>
+              <a:buClr>
+                <a:schemeClr val="accent2"/>
+              </a:buClr>
+              <a:buSzPct val="90000"/>
+              <a:buFont typeface="Wingdings" pitchFamily="33" charset="2"/>
+              <a:buChar char=""/>
+              <a:defRPr/>
+            </a:pPr>
+            <a:r>
+              <a:rPr lang="en-US" sz="2800" dirty="0">
+                <a:effectLst>
+                  <a:outerShdw blurRad="38100" dist="38100" dir="2700000" algn="tl">
+                    <a:srgbClr val="0064E2"/>
+                  </a:outerShdw>
+                </a:effectLst>
+                <a:latin typeface="+mn-lt"/>
+              </a:rPr>
+              <a:t>Decryption key</a:t>
+            </a:r>
+          </a:p>
+          <a:p>
+            <a:pPr marL="1492250" lvl="3" indent="-349250">
+              <a:lnSpc>
+                <a:spcPct val="70000"/>
+              </a:lnSpc>
+              <a:spcBef>
+                <a:spcPts val="600"/>
+              </a:spcBef>
+              <a:buClr>
+                <a:schemeClr val="accent1"/>
+              </a:buClr>
+              <a:buSzPct val="90000"/>
+              <a:buFont typeface="Wingdings" pitchFamily="33" charset="2"/>
+              <a:buChar char=""/>
+              <a:defRPr/>
+            </a:pPr>
+            <a:r>
+              <a:rPr lang="en-US" sz="2000" dirty="0">
+                <a:effectLst>
+                  <a:outerShdw blurRad="38100" dist="38100" dir="2700000" algn="tl">
+                    <a:srgbClr val="0064E2"/>
+                  </a:outerShdw>
+                </a:effectLst>
+                <a:latin typeface="+mj-lt"/>
+              </a:rPr>
+              <a:t>Produces the original plaintext</a:t>
+            </a:r>
+          </a:p>
+        </p:txBody>
+      </p:sp>
+    </p:spTree>
+    <p:extLst>
+      <p:ext uri="{BB962C8B-B14F-4D97-AF65-F5344CB8AC3E}">
+        <p14:creationId xmlns:p14="http://schemas.microsoft.com/office/powerpoint/2010/main" val="2226536547"/>
+      </p:ext>
+    </p:extLst>
+  </p:cSld>
+  <p:clrMapOvr>
+    <a:masterClrMapping/>
+  </p:clrMapOvr>
+</p:sld>
+</file>
+
+<file path=ppt/slides/slide7.xml><?xml version="1.0" encoding="utf-8"?>
 <p:sld xmlns:a="http://schemas.openxmlformats.org/drawingml/2006/main" xmlns:r="http://schemas.openxmlformats.org/officeDocument/2006/relationships" xmlns:p="http://schemas.openxmlformats.org/presentationml/2006/main">
   <p:cSld>
     <p:spTree>
@@ -44333,7 +47118,7 @@
                 </a:solidFill>
               </a:rPr>
               <a:pPr/>
-              <a:t>3</a:t>
+              <a:t>7</a:t>
             </a:fld>
             <a:endParaRPr lang="en-US" dirty="0">
               <a:solidFill>
@@ -44378,7 +47163,7 @@
 </p:sld>
 </file>
 
-<file path=ppt/slides/slide4.xml><?xml version="1.0" encoding="utf-8"?>
+<file path=ppt/slides/slide8.xml><?xml version="1.0" encoding="utf-8"?>
 <p:sld xmlns:a="http://schemas.openxmlformats.org/drawingml/2006/main" xmlns:r="http://schemas.openxmlformats.org/officeDocument/2006/relationships" xmlns:p="http://schemas.openxmlformats.org/presentationml/2006/main">
   <p:cSld>
     <p:spTree>
@@ -44706,7 +47491,7 @@
                 </a:solidFill>
               </a:rPr>
               <a:pPr/>
-              <a:t>4</a:t>
+              <a:t>8</a:t>
             </a:fld>
             <a:endParaRPr lang="en-US" dirty="0">
               <a:solidFill>
@@ -44727,7 +47512,7 @@
 </p:sld>
 </file>
 
-<file path=ppt/slides/slide5.xml><?xml version="1.0" encoding="utf-8"?>
+<file path=ppt/slides/slide9.xml><?xml version="1.0" encoding="utf-8"?>
 <p:sld xmlns:a="http://schemas.openxmlformats.org/drawingml/2006/main" xmlns:r="http://schemas.openxmlformats.org/officeDocument/2006/relationships" xmlns:p="http://schemas.openxmlformats.org/presentationml/2006/main">
   <p:cSld>
     <p:spTree>
@@ -44860,819 +47645,6 @@
                 </a:solidFill>
               </a:rPr>
               <a:pPr/>
-              <a:t>5</a:t>
-            </a:fld>
-            <a:endParaRPr lang="en-US" dirty="0">
-              <a:solidFill>
-                <a:prstClr val="white">
-                  <a:lumMod val="65000"/>
-                  <a:lumOff val="35000"/>
-                </a:prstClr>
-              </a:solidFill>
-            </a:endParaRPr>
-          </a:p>
-        </p:txBody>
-      </p:sp>
-    </p:spTree>
-    <p:extLst>
-      <p:ext uri="{BB962C8B-B14F-4D97-AF65-F5344CB8AC3E}">
-        <p14:creationId xmlns:p14="http://schemas.microsoft.com/office/powerpoint/2010/main" val="2118058740"/>
-      </p:ext>
-    </p:extLst>
-  </p:cSld>
-  <p:clrMapOvr>
-    <a:masterClrMapping/>
-  </p:clrMapOvr>
-</p:sld>
-</file>
-
-<file path=ppt/slides/slide6.xml><?xml version="1.0" encoding="utf-8"?>
-<p:sld xmlns:a="http://schemas.openxmlformats.org/drawingml/2006/main" xmlns:r="http://schemas.openxmlformats.org/officeDocument/2006/relationships" xmlns:p="http://schemas.openxmlformats.org/presentationml/2006/main">
-  <p:cSld>
-    <p:spTree>
-      <p:nvGrpSpPr>
-        <p:cNvPr id="1" name=""/>
-        <p:cNvGrpSpPr/>
-        <p:nvPr/>
-      </p:nvGrpSpPr>
-      <p:grpSpPr>
-        <a:xfrm>
-          <a:off x="0" y="0"/>
-          <a:ext cx="0" cy="0"/>
-          <a:chOff x="0" y="0"/>
-          <a:chExt cx="0" cy="0"/>
-        </a:xfrm>
-      </p:grpSpPr>
-      <p:sp>
-        <p:nvSpPr>
-          <p:cNvPr id="2" name="Title 1"/>
-          <p:cNvSpPr>
-            <a:spLocks noGrp="1"/>
-          </p:cNvSpPr>
-          <p:nvPr>
-            <p:ph type="title"/>
-          </p:nvPr>
-        </p:nvSpPr>
-        <p:spPr>
-          <a:xfrm>
-            <a:off x="0" y="228600"/>
-            <a:ext cx="9144000" cy="1143000"/>
-          </a:xfrm>
-        </p:spPr>
-        <p:txBody>
-          <a:bodyPr/>
-          <a:lstStyle/>
-          <a:p>
-            <a:pPr eaLnBrk="1" hangingPunct="1">
-              <a:defRPr/>
-            </a:pPr>
-            <a:r>
-              <a:rPr lang="en-US" altLang="zh-CN" sz="4400" dirty="0">
-                <a:solidFill>
-                  <a:schemeClr val="accent6">
-                    <a:lumMod val="40000"/>
-                    <a:lumOff val="60000"/>
-                  </a:schemeClr>
-                </a:solidFill>
-              </a:rPr>
-              <a:t>Stream Ciphers</a:t>
-            </a:r>
-            <a:endParaRPr lang="en-US" sz="4400" dirty="0">
-              <a:solidFill>
-                <a:schemeClr val="accent6">
-                  <a:lumMod val="40000"/>
-                  <a:lumOff val="60000"/>
-                </a:schemeClr>
-              </a:solidFill>
-            </a:endParaRPr>
-          </a:p>
-        </p:txBody>
-      </p:sp>
-      <p:sp>
-        <p:nvSpPr>
-          <p:cNvPr id="3" name="Content Placeholder 2"/>
-          <p:cNvSpPr>
-            <a:spLocks noGrp="1"/>
-          </p:cNvSpPr>
-          <p:nvPr>
-            <p:ph idx="1"/>
-          </p:nvPr>
-        </p:nvSpPr>
-        <p:spPr>
-          <a:xfrm>
-            <a:off x="208779" y="1302262"/>
-            <a:ext cx="8683701" cy="5486400"/>
-          </a:xfrm>
-        </p:spPr>
-        <p:txBody>
-          <a:bodyPr>
-            <a:normAutofit/>
-          </a:bodyPr>
-          <a:lstStyle/>
-          <a:p>
-            <a:pPr fontAlgn="auto">
-              <a:spcAft>
-                <a:spcPts val="0"/>
-              </a:spcAft>
-              <a:buClr>
-                <a:schemeClr val="accent1"/>
-              </a:buClr>
-              <a:buSzPct val="85000"/>
-              <a:buFont typeface="Wingdings" pitchFamily="33" charset="2"/>
-              <a:buChar char=""/>
-              <a:defRPr/>
-            </a:pPr>
-            <a:r>
-              <a:rPr lang="en-US" altLang="zh-CN" dirty="0"/>
-              <a:t>Process message bit by bit (as a stream): a pseudo-random </a:t>
-            </a:r>
-            <a:r>
-              <a:rPr lang="en-US" altLang="zh-CN" b="1" dirty="0"/>
-              <a:t>keystream </a:t>
-            </a:r>
-            <a:r>
-              <a:rPr lang="en-US" altLang="zh-CN" dirty="0" err="1"/>
-              <a:t>XOR’ed</a:t>
-            </a:r>
-            <a:r>
-              <a:rPr lang="en-US" altLang="zh-CN" dirty="0"/>
-              <a:t> with plaintext bit by bit:</a:t>
-            </a:r>
-          </a:p>
-          <a:p>
-            <a:pPr lvl="1" fontAlgn="auto">
-              <a:spcAft>
-                <a:spcPts val="0"/>
-              </a:spcAft>
-              <a:buClr>
-                <a:schemeClr val="accent1"/>
-              </a:buClr>
-              <a:buSzPct val="85000"/>
-              <a:buFont typeface="Wingdings" pitchFamily="33" charset="2"/>
-              <a:buChar char=""/>
-              <a:defRPr/>
-            </a:pPr>
-            <a:r>
-              <a:rPr lang="en-US" altLang="zh-CN" sz="1800" dirty="0"/>
-              <a:t>C</a:t>
-            </a:r>
-            <a:r>
-              <a:rPr lang="en-US" altLang="zh-CN" sz="1800" baseline="-25000" dirty="0"/>
-              <a:t>i</a:t>
-            </a:r>
-            <a:r>
-              <a:rPr lang="en-US" altLang="zh-CN" sz="1800" dirty="0"/>
-              <a:t> = M</a:t>
-            </a:r>
-            <a:r>
-              <a:rPr lang="en-US" altLang="zh-CN" sz="1800" baseline="-25000" dirty="0"/>
-              <a:t>i</a:t>
-            </a:r>
-            <a:r>
-              <a:rPr lang="en-US" altLang="zh-CN" sz="1800" dirty="0"/>
-              <a:t> XOR </a:t>
-            </a:r>
-            <a:r>
-              <a:rPr lang="en-US" altLang="zh-CN" sz="1800" dirty="0" err="1"/>
-              <a:t>StreamKey</a:t>
-            </a:r>
-            <a:r>
-              <a:rPr lang="en-US" altLang="zh-CN" sz="1800" baseline="-25000" dirty="0" err="1"/>
-              <a:t>i</a:t>
-            </a:r>
-            <a:endParaRPr lang="en-US" altLang="zh-CN" sz="1050" dirty="0"/>
-          </a:p>
-          <a:p>
-            <a:pPr>
-              <a:buClr>
-                <a:schemeClr val="tx1">
-                  <a:lumMod val="95000"/>
-                </a:schemeClr>
-              </a:buClr>
-              <a:buSzPct val="80000"/>
-              <a:buFont typeface="Wingdings" pitchFamily="33" charset="2"/>
-              <a:buChar char=""/>
-              <a:defRPr/>
-            </a:pPr>
-            <a:endParaRPr lang="en-US" sz="2600" dirty="0"/>
-          </a:p>
-        </p:txBody>
-      </p:sp>
-      <p:sp>
-        <p:nvSpPr>
-          <p:cNvPr id="4" name="灯片编号占位符 3"/>
-          <p:cNvSpPr>
-            <a:spLocks noGrp="1"/>
-          </p:cNvSpPr>
-          <p:nvPr>
-            <p:ph type="sldNum" sz="quarter" idx="12"/>
-          </p:nvPr>
-        </p:nvSpPr>
-        <p:spPr/>
-        <p:txBody>
-          <a:bodyPr/>
-          <a:lstStyle/>
-          <a:p>
-            <a:fld id="{5F36C9FC-DA22-1F47-8722-58727A1D436E}" type="slidenum">
-              <a:rPr lang="en-US" smtClean="0">
-                <a:solidFill>
-                  <a:prstClr val="white">
-                    <a:lumMod val="65000"/>
-                    <a:lumOff val="35000"/>
-                  </a:prstClr>
-                </a:solidFill>
-              </a:rPr>
-              <a:pPr/>
-              <a:t>6</a:t>
-            </a:fld>
-            <a:endParaRPr lang="en-US" dirty="0">
-              <a:solidFill>
-                <a:prstClr val="white">
-                  <a:lumMod val="65000"/>
-                  <a:lumOff val="35000"/>
-                </a:prstClr>
-              </a:solidFill>
-            </a:endParaRPr>
-          </a:p>
-        </p:txBody>
-      </p:sp>
-      <p:pic>
-        <p:nvPicPr>
-          <p:cNvPr id="5" name="图片 4">
-            <a:extLst>
-              <a:ext uri="{FF2B5EF4-FFF2-40B4-BE49-F238E27FC236}">
-                <a16:creationId xmlns:a16="http://schemas.microsoft.com/office/drawing/2014/main" id="{1148346B-7664-4927-9B36-7062B6BB5057}"/>
-              </a:ext>
-            </a:extLst>
-          </p:cNvPr>
-          <p:cNvPicPr>
-            <a:picLocks noChangeAspect="1"/>
-          </p:cNvPicPr>
-          <p:nvPr/>
-        </p:nvPicPr>
-        <p:blipFill>
-          <a:blip r:embed="rId3"/>
-          <a:stretch>
-            <a:fillRect/>
-          </a:stretch>
-        </p:blipFill>
-        <p:spPr>
-          <a:xfrm>
-            <a:off x="643137" y="2727910"/>
-            <a:ext cx="7795751" cy="3744416"/>
-          </a:xfrm>
-          <a:prstGeom prst="rect">
-            <a:avLst/>
-          </a:prstGeom>
-        </p:spPr>
-      </p:pic>
-    </p:spTree>
-    <p:extLst>
-      <p:ext uri="{BB962C8B-B14F-4D97-AF65-F5344CB8AC3E}">
-        <p14:creationId xmlns:p14="http://schemas.microsoft.com/office/powerpoint/2010/main" val="1402479228"/>
-      </p:ext>
-    </p:extLst>
-  </p:cSld>
-  <p:clrMapOvr>
-    <a:masterClrMapping/>
-  </p:clrMapOvr>
-</p:sld>
-</file>
-
-<file path=ppt/slides/slide7.xml><?xml version="1.0" encoding="utf-8"?>
-<p:sld xmlns:a="http://schemas.openxmlformats.org/drawingml/2006/main" xmlns:r="http://schemas.openxmlformats.org/officeDocument/2006/relationships" xmlns:p="http://schemas.openxmlformats.org/presentationml/2006/main">
-  <p:cSld>
-    <p:spTree>
-      <p:nvGrpSpPr>
-        <p:cNvPr id="1" name=""/>
-        <p:cNvGrpSpPr/>
-        <p:nvPr/>
-      </p:nvGrpSpPr>
-      <p:grpSpPr>
-        <a:xfrm>
-          <a:off x="0" y="0"/>
-          <a:ext cx="0" cy="0"/>
-          <a:chOff x="0" y="0"/>
-          <a:chExt cx="0" cy="0"/>
-        </a:xfrm>
-      </p:grpSpPr>
-      <p:sp>
-        <p:nvSpPr>
-          <p:cNvPr id="2" name="Title 1"/>
-          <p:cNvSpPr>
-            <a:spLocks noGrp="1"/>
-          </p:cNvSpPr>
-          <p:nvPr>
-            <p:ph type="title"/>
-          </p:nvPr>
-        </p:nvSpPr>
-        <p:spPr>
-          <a:xfrm>
-            <a:off x="0" y="228600"/>
-            <a:ext cx="9144000" cy="995536"/>
-          </a:xfrm>
-        </p:spPr>
-        <p:txBody>
-          <a:bodyPr/>
-          <a:lstStyle/>
-          <a:p>
-            <a:pPr eaLnBrk="1" hangingPunct="1">
-              <a:defRPr/>
-            </a:pPr>
-            <a:r>
-              <a:rPr lang="en-US" sz="4400" dirty="0">
-                <a:solidFill>
-                  <a:schemeClr val="accent6">
-                    <a:lumMod val="40000"/>
-                    <a:lumOff val="60000"/>
-                  </a:schemeClr>
-                </a:solidFill>
-              </a:rPr>
-              <a:t>Block Cipher: Mode of Operation</a:t>
-            </a:r>
-          </a:p>
-        </p:txBody>
-      </p:sp>
-      <p:sp>
-        <p:nvSpPr>
-          <p:cNvPr id="3" name="Content Placeholder 2"/>
-          <p:cNvSpPr>
-            <a:spLocks noGrp="1"/>
-          </p:cNvSpPr>
-          <p:nvPr>
-            <p:ph idx="1"/>
-          </p:nvPr>
-        </p:nvSpPr>
-        <p:spPr>
-          <a:xfrm>
-            <a:off x="208779" y="1302262"/>
-            <a:ext cx="8896474" cy="5486400"/>
-          </a:xfrm>
-        </p:spPr>
-        <p:txBody>
-          <a:bodyPr>
-            <a:normAutofit/>
-          </a:bodyPr>
-          <a:lstStyle/>
-          <a:p>
-            <a:r>
-              <a:rPr lang="en-US" altLang="zh-CN" sz="2000" dirty="0"/>
-              <a:t>Electronic </a:t>
-            </a:r>
-            <a:r>
-              <a:rPr lang="en-US" altLang="zh-CN" sz="2000" dirty="0" err="1"/>
-              <a:t>CodeBook</a:t>
-            </a:r>
-            <a:r>
-              <a:rPr lang="en-US" altLang="zh-CN" sz="2000" dirty="0"/>
-              <a:t> (ECB): each plaintext block (e.g., 64 bits) is encoded independently using the same key</a:t>
-            </a:r>
-          </a:p>
-          <a:p>
-            <a:pPr lvl="1"/>
-            <a:r>
-              <a:rPr lang="en-US" altLang="zh-CN" sz="1400" dirty="0"/>
-              <a:t>Attacker may exploit regularities in the plaintext to perform cryptoanalysis, since same plaintext block generates same cyphertext block</a:t>
-            </a:r>
-          </a:p>
-          <a:p>
-            <a:pPr lvl="1"/>
-            <a:r>
-              <a:rPr lang="en-US" altLang="zh-CN" sz="1400" dirty="0"/>
-              <a:t>Attacker may reorder blocks of ciphertext, then each block will still decrypt successfully, but message content is altered</a:t>
-            </a:r>
-          </a:p>
-          <a:p>
-            <a:r>
-              <a:rPr lang="en-US" altLang="zh-CN" sz="2000" dirty="0"/>
-              <a:t>Cipher Block Chaining (CBC):</a:t>
-            </a:r>
-            <a:r>
-              <a:rPr lang="zh-CN" altLang="en-US" sz="2000" dirty="0"/>
-              <a:t> </a:t>
-            </a:r>
-            <a:r>
-              <a:rPr lang="en-US" altLang="zh-CN" sz="2000" dirty="0"/>
-              <a:t>input to the encryption algorithm is the XOR of the next plaintext block and the preceding ciphertext block</a:t>
-            </a:r>
-          </a:p>
-          <a:p>
-            <a:pPr lvl="1"/>
-            <a:r>
-              <a:rPr lang="en-US" altLang="zh-CN" sz="1400" dirty="0"/>
-              <a:t>More secure than ECB</a:t>
-            </a:r>
-          </a:p>
-          <a:p>
-            <a:pPr>
-              <a:buClr>
-                <a:schemeClr val="tx1">
-                  <a:lumMod val="95000"/>
-                </a:schemeClr>
-              </a:buClr>
-              <a:buSzPct val="80000"/>
-              <a:buFont typeface="Wingdings" pitchFamily="33" charset="2"/>
-              <a:buChar char=""/>
-              <a:defRPr/>
-            </a:pPr>
-            <a:endParaRPr lang="en-US" dirty="0"/>
-          </a:p>
-        </p:txBody>
-      </p:sp>
-      <p:sp>
-        <p:nvSpPr>
-          <p:cNvPr id="4" name="灯片编号占位符 3"/>
-          <p:cNvSpPr>
-            <a:spLocks noGrp="1"/>
-          </p:cNvSpPr>
-          <p:nvPr>
-            <p:ph type="sldNum" sz="quarter" idx="12"/>
-          </p:nvPr>
-        </p:nvSpPr>
-        <p:spPr/>
-        <p:txBody>
-          <a:bodyPr/>
-          <a:lstStyle/>
-          <a:p>
-            <a:fld id="{5F36C9FC-DA22-1F47-8722-58727A1D436E}" type="slidenum">
-              <a:rPr lang="en-US" smtClean="0">
-                <a:solidFill>
-                  <a:prstClr val="white">
-                    <a:lumMod val="65000"/>
-                    <a:lumOff val="35000"/>
-                  </a:prstClr>
-                </a:solidFill>
-              </a:rPr>
-              <a:pPr/>
-              <a:t>7</a:t>
-            </a:fld>
-            <a:endParaRPr lang="en-US" dirty="0">
-              <a:solidFill>
-                <a:prstClr val="white">
-                  <a:lumMod val="65000"/>
-                  <a:lumOff val="35000"/>
-                </a:prstClr>
-              </a:solidFill>
-            </a:endParaRPr>
-          </a:p>
-        </p:txBody>
-      </p:sp>
-      <p:pic>
-        <p:nvPicPr>
-          <p:cNvPr id="5" name="图片 4">
-            <a:extLst>
-              <a:ext uri="{FF2B5EF4-FFF2-40B4-BE49-F238E27FC236}">
-                <a16:creationId xmlns:a16="http://schemas.microsoft.com/office/drawing/2014/main" id="{432C135F-0EC0-45F5-A761-3C7BB19FA60B}"/>
-              </a:ext>
-            </a:extLst>
-          </p:cNvPr>
-          <p:cNvPicPr>
-            <a:picLocks noChangeAspect="1"/>
-          </p:cNvPicPr>
-          <p:nvPr/>
-        </p:nvPicPr>
-        <p:blipFill>
-          <a:blip r:embed="rId3"/>
-          <a:stretch>
-            <a:fillRect/>
-          </a:stretch>
-        </p:blipFill>
-        <p:spPr>
-          <a:xfrm>
-            <a:off x="395535" y="4177143"/>
-            <a:ext cx="4508251" cy="2514718"/>
-          </a:xfrm>
-          <a:prstGeom prst="rect">
-            <a:avLst/>
-          </a:prstGeom>
-        </p:spPr>
-      </p:pic>
-      <p:pic>
-        <p:nvPicPr>
-          <p:cNvPr id="7" name="图片 6">
-            <a:extLst>
-              <a:ext uri="{FF2B5EF4-FFF2-40B4-BE49-F238E27FC236}">
-                <a16:creationId xmlns:a16="http://schemas.microsoft.com/office/drawing/2014/main" id="{42CA2AB1-4478-4610-AC6B-B9D4A4316F03}"/>
-              </a:ext>
-            </a:extLst>
-          </p:cNvPr>
-          <p:cNvPicPr>
-            <a:picLocks noChangeAspect="1"/>
-          </p:cNvPicPr>
-          <p:nvPr/>
-        </p:nvPicPr>
-        <p:blipFill>
-          <a:blip r:embed="rId4"/>
-          <a:stretch>
-            <a:fillRect/>
-          </a:stretch>
-        </p:blipFill>
-        <p:spPr>
-          <a:xfrm>
-            <a:off x="5148064" y="4020605"/>
-            <a:ext cx="3491880" cy="2676936"/>
-          </a:xfrm>
-          <a:prstGeom prst="rect">
-            <a:avLst/>
-          </a:prstGeom>
-        </p:spPr>
-      </p:pic>
-    </p:spTree>
-    <p:extLst>
-      <p:ext uri="{BB962C8B-B14F-4D97-AF65-F5344CB8AC3E}">
-        <p14:creationId xmlns:p14="http://schemas.microsoft.com/office/powerpoint/2010/main" val="2931325706"/>
-      </p:ext>
-    </p:extLst>
-  </p:cSld>
-  <p:clrMapOvr>
-    <a:masterClrMapping/>
-  </p:clrMapOvr>
-</p:sld>
-</file>
-
-<file path=ppt/slides/slide8.xml><?xml version="1.0" encoding="utf-8"?>
-<p:sld xmlns:a="http://schemas.openxmlformats.org/drawingml/2006/main" xmlns:r="http://schemas.openxmlformats.org/officeDocument/2006/relationships" xmlns:p="http://schemas.openxmlformats.org/presentationml/2006/main">
-  <p:cSld>
-    <p:spTree>
-      <p:nvGrpSpPr>
-        <p:cNvPr id="1" name=""/>
-        <p:cNvGrpSpPr/>
-        <p:nvPr/>
-      </p:nvGrpSpPr>
-      <p:grpSpPr>
-        <a:xfrm>
-          <a:off x="0" y="0"/>
-          <a:ext cx="0" cy="0"/>
-          <a:chOff x="0" y="0"/>
-          <a:chExt cx="0" cy="0"/>
-        </a:xfrm>
-      </p:grpSpPr>
-      <p:sp>
-        <p:nvSpPr>
-          <p:cNvPr id="210946" name="Rectangle 2"/>
-          <p:cNvSpPr>
-            <a:spLocks noGrp="1" noChangeArrowheads="1"/>
-          </p:cNvSpPr>
-          <p:nvPr>
-            <p:ph type="title"/>
-          </p:nvPr>
-        </p:nvSpPr>
-        <p:spPr>
-          <a:xfrm>
-            <a:off x="457200" y="304800"/>
-            <a:ext cx="8229600" cy="1139825"/>
-          </a:xfrm>
-        </p:spPr>
-        <p:txBody>
-          <a:bodyPr/>
-          <a:lstStyle/>
-          <a:p>
-            <a:pPr>
-              <a:defRPr/>
-            </a:pPr>
-            <a:r>
-              <a:rPr lang="en-US" altLang="zh-CN" sz="3600" dirty="0">
-                <a:solidFill>
-                  <a:schemeClr val="accent6">
-                    <a:lumMod val="40000"/>
-                    <a:lumOff val="60000"/>
-                  </a:schemeClr>
-                </a:solidFill>
-              </a:rPr>
-              <a:t>Comparison of 3 Symmetric Encryption Standards (Block Ciphers)</a:t>
-            </a:r>
-            <a:endParaRPr lang="en-US" altLang="zh-CN" sz="3600" dirty="0">
-              <a:solidFill>
-                <a:schemeClr val="accent6">
-                  <a:lumMod val="40000"/>
-                  <a:lumOff val="60000"/>
-                </a:schemeClr>
-              </a:solidFill>
-              <a:effectLst>
-                <a:outerShdw blurRad="38100" dist="38100" dir="2700000" algn="tl">
-                  <a:srgbClr val="000000">
-                    <a:alpha val="43137"/>
-                  </a:srgbClr>
-                </a:outerShdw>
-              </a:effectLst>
-            </a:endParaRPr>
-          </a:p>
-        </p:txBody>
-      </p:sp>
-      <p:pic>
-        <p:nvPicPr>
-          <p:cNvPr id="2" name="Picture 1"/>
-          <p:cNvPicPr>
-            <a:picLocks noChangeAspect="1"/>
-          </p:cNvPicPr>
-          <p:nvPr/>
-        </p:nvPicPr>
-        <p:blipFill rotWithShape="1">
-          <a:blip r:embed="rId3"/>
-          <a:srcRect t="-19918" b="-15935"/>
-          <a:stretch/>
-        </p:blipFill>
-        <p:spPr>
-          <a:xfrm>
-            <a:off x="129785" y="1869947"/>
-            <a:ext cx="8975468" cy="3150055"/>
-          </a:xfrm>
-          <a:prstGeom prst="rect">
-            <a:avLst/>
-          </a:prstGeom>
-          <a:solidFill>
-            <a:schemeClr val="accent3">
-              <a:lumMod val="20000"/>
-              <a:lumOff val="80000"/>
-            </a:schemeClr>
-          </a:solidFill>
-        </p:spPr>
-      </p:pic>
-      <p:sp>
-        <p:nvSpPr>
-          <p:cNvPr id="3" name="灯片编号占位符 2"/>
-          <p:cNvSpPr>
-            <a:spLocks noGrp="1"/>
-          </p:cNvSpPr>
-          <p:nvPr>
-            <p:ph type="sldNum" sz="quarter" idx="12"/>
-          </p:nvPr>
-        </p:nvSpPr>
-        <p:spPr/>
-        <p:txBody>
-          <a:bodyPr/>
-          <a:lstStyle/>
-          <a:p>
-            <a:fld id="{5F36C9FC-DA22-1F47-8722-58727A1D436E}" type="slidenum">
-              <a:rPr lang="en-US" smtClean="0">
-                <a:solidFill>
-                  <a:prstClr val="white">
-                    <a:lumMod val="65000"/>
-                    <a:lumOff val="35000"/>
-                  </a:prstClr>
-                </a:solidFill>
-              </a:rPr>
-              <a:pPr/>
-              <a:t>8</a:t>
-            </a:fld>
-            <a:endParaRPr lang="en-US" dirty="0">
-              <a:solidFill>
-                <a:prstClr val="white">
-                  <a:lumMod val="65000"/>
-                  <a:lumOff val="35000"/>
-                </a:prstClr>
-              </a:solidFill>
-            </a:endParaRPr>
-          </a:p>
-        </p:txBody>
-      </p:sp>
-    </p:spTree>
-  </p:cSld>
-  <p:clrMapOvr>
-    <a:masterClrMapping/>
-  </p:clrMapOvr>
-  <p:transition spd="slow">
-    <p:wipe/>
-  </p:transition>
-</p:sld>
-</file>
-
-<file path=ppt/slides/slide9.xml><?xml version="1.0" encoding="utf-8"?>
-<p:sld xmlns:a="http://schemas.openxmlformats.org/drawingml/2006/main" xmlns:r="http://schemas.openxmlformats.org/officeDocument/2006/relationships" xmlns:p="http://schemas.openxmlformats.org/presentationml/2006/main">
-  <p:cSld>
-    <p:spTree>
-      <p:nvGrpSpPr>
-        <p:cNvPr id="1" name=""/>
-        <p:cNvGrpSpPr/>
-        <p:nvPr/>
-      </p:nvGrpSpPr>
-      <p:grpSpPr>
-        <a:xfrm>
-          <a:off x="0" y="0"/>
-          <a:ext cx="0" cy="0"/>
-          <a:chOff x="0" y="0"/>
-          <a:chExt cx="0" cy="0"/>
-        </a:xfrm>
-      </p:grpSpPr>
-      <p:sp>
-        <p:nvSpPr>
-          <p:cNvPr id="234498" name="Rectangle 2"/>
-          <p:cNvSpPr>
-            <a:spLocks noGrp="1" noChangeArrowheads="1"/>
-          </p:cNvSpPr>
-          <p:nvPr>
-            <p:ph type="title"/>
-          </p:nvPr>
-        </p:nvSpPr>
-        <p:spPr>
-          <a:xfrm>
-            <a:off x="467544" y="260648"/>
-            <a:ext cx="8229600" cy="1265238"/>
-          </a:xfrm>
-        </p:spPr>
-        <p:txBody>
-          <a:bodyPr>
-            <a:normAutofit fontScale="90000"/>
-          </a:bodyPr>
-          <a:lstStyle/>
-          <a:p>
-            <a:pPr eaLnBrk="1" fontAlgn="auto" hangingPunct="1">
-              <a:spcAft>
-                <a:spcPts val="0"/>
-              </a:spcAft>
-              <a:defRPr/>
-            </a:pPr>
-            <a:r>
-              <a:rPr lang="en-US" dirty="0">
-                <a:solidFill>
-                  <a:schemeClr val="accent6">
-                    <a:lumMod val="40000"/>
-                    <a:lumOff val="60000"/>
-                  </a:schemeClr>
-                </a:solidFill>
-                <a:ea typeface="+mj-ea"/>
-                <a:cs typeface="+mj-cs"/>
-              </a:rPr>
-              <a:t>Data Encryption Standard</a:t>
-            </a:r>
-            <a:br>
-              <a:rPr lang="en-US" dirty="0">
-                <a:solidFill>
-                  <a:schemeClr val="accent6">
-                    <a:lumMod val="40000"/>
-                    <a:lumOff val="60000"/>
-                  </a:schemeClr>
-                </a:solidFill>
-                <a:ea typeface="+mj-ea"/>
-                <a:cs typeface="+mj-cs"/>
-              </a:rPr>
-            </a:br>
-            <a:r>
-              <a:rPr lang="en-US" dirty="0">
-                <a:solidFill>
-                  <a:schemeClr val="accent6">
-                    <a:lumMod val="40000"/>
-                    <a:lumOff val="60000"/>
-                  </a:schemeClr>
-                </a:solidFill>
-                <a:ea typeface="+mj-ea"/>
-                <a:cs typeface="+mj-cs"/>
-              </a:rPr>
-              <a:t>(DES)</a:t>
-            </a:r>
-          </a:p>
-        </p:txBody>
-      </p:sp>
-      <p:graphicFrame>
-        <p:nvGraphicFramePr>
-          <p:cNvPr id="4" name="Content Placeholder 3"/>
-          <p:cNvGraphicFramePr>
-            <a:graphicFrameLocks noGrp="1"/>
-          </p:cNvGraphicFramePr>
-          <p:nvPr>
-            <p:ph idx="1"/>
-            <p:extLst>
-              <p:ext uri="{D42A27DB-BD31-4B8C-83A1-F6EECF244321}">
-                <p14:modId xmlns:p14="http://schemas.microsoft.com/office/powerpoint/2010/main" val="256288054"/>
-              </p:ext>
-            </p:extLst>
-          </p:nvPr>
-        </p:nvGraphicFramePr>
-        <p:xfrm>
-          <a:off x="251520" y="1403350"/>
-          <a:ext cx="8686800" cy="4953000"/>
-        </p:xfrm>
-        <a:graphic>
-          <a:graphicData uri="http://schemas.openxmlformats.org/drawingml/2006/diagram">
-            <dgm:relIds xmlns:dgm="http://schemas.openxmlformats.org/drawingml/2006/diagram" xmlns:r="http://schemas.openxmlformats.org/officeDocument/2006/relationships" r:dm="rId3" r:lo="rId4" r:qs="rId5" r:cs="rId6"/>
-          </a:graphicData>
-        </a:graphic>
-      </p:graphicFrame>
-      <p:sp>
-        <p:nvSpPr>
-          <p:cNvPr id="2" name="灯片编号占位符 1"/>
-          <p:cNvSpPr>
-            <a:spLocks noGrp="1"/>
-          </p:cNvSpPr>
-          <p:nvPr>
-            <p:ph type="sldNum" sz="quarter" idx="12"/>
-          </p:nvPr>
-        </p:nvSpPr>
-        <p:spPr/>
-        <p:txBody>
-          <a:bodyPr/>
-          <a:lstStyle/>
-          <a:p>
-            <a:fld id="{5F36C9FC-DA22-1F47-8722-58727A1D436E}" type="slidenum">
-              <a:rPr lang="en-US" smtClean="0">
-                <a:solidFill>
-                  <a:prstClr val="white">
-                    <a:lumMod val="65000"/>
-                    <a:lumOff val="35000"/>
-                  </a:prstClr>
-                </a:solidFill>
-              </a:rPr>
-              <a:pPr/>
               <a:t>9</a:t>
             </a:fld>
             <a:endParaRPr lang="en-US" dirty="0">
@@ -45687,6 +47659,11 @@
         </p:txBody>
       </p:sp>
     </p:spTree>
+    <p:extLst>
+      <p:ext uri="{BB962C8B-B14F-4D97-AF65-F5344CB8AC3E}">
+        <p14:creationId xmlns:p14="http://schemas.microsoft.com/office/powerpoint/2010/main" val="2118058740"/>
+      </p:ext>
+    </p:extLst>
   </p:cSld>
   <p:clrMapOvr>
     <a:masterClrMapping/>
